--- a/Complimentary Course Content/Module3/Lessons/Module3_Lesson01 Mobile Development Survey.pptx
+++ b/Complimentary Course Content/Module3/Lessons/Module3_Lesson01 Mobile Development Survey.pptx
@@ -137,7 +137,7 @@
   </p:defaultTextStyle>
   <p:extLst>
     <p:ext uri="{EFAFB233-063F-42B5-8137-9DF3F51BA10A}">
-      <p15:sldGuideLst xmlns="" xmlns:p15="http://schemas.microsoft.com/office/powerpoint/2012/main">
+      <p15:sldGuideLst xmlns:p15="http://schemas.microsoft.com/office/powerpoint/2012/main" xmlns="">
         <p15:guide id="1" orient="horz" pos="2184" userDrawn="1">
           <p15:clr>
             <a:srgbClr val="A4A3A4"/>
@@ -261,7 +261,7 @@
             <a:fld id="{49B60EF2-7028-489F-85D8-FE86CD7CF2A0}" type="datetimeFigureOut">
               <a:rPr lang="en-US" smtClean="0"/>
               <a:pPr/>
-              <a:t>6/28/16</a:t>
+              <a:t>6/30/16</a:t>
             </a:fld>
             <a:endParaRPr lang="en-US"/>
           </a:p>
@@ -5807,7 +5807,7 @@
             <a:fld id="{0459C166-16D3-4A25-A2F8-C51E0E346B22}" type="datetimeFigureOut">
               <a:rPr lang="en-US" smtClean="0"/>
               <a:pPr/>
-              <a:t>6/28/16</a:t>
+              <a:t>6/30/16</a:t>
             </a:fld>
             <a:endParaRPr lang="en-US"/>
           </a:p>
@@ -5977,7 +5977,7 @@
             <a:fld id="{0459C166-16D3-4A25-A2F8-C51E0E346B22}" type="datetimeFigureOut">
               <a:rPr lang="en-US" smtClean="0"/>
               <a:pPr/>
-              <a:t>6/28/16</a:t>
+              <a:t>6/30/16</a:t>
             </a:fld>
             <a:endParaRPr lang="en-US"/>
           </a:p>
@@ -6157,7 +6157,7 @@
             <a:fld id="{0459C166-16D3-4A25-A2F8-C51E0E346B22}" type="datetimeFigureOut">
               <a:rPr lang="en-US" smtClean="0"/>
               <a:pPr/>
-              <a:t>6/28/16</a:t>
+              <a:t>6/30/16</a:t>
             </a:fld>
             <a:endParaRPr lang="en-US"/>
           </a:p>
@@ -6327,7 +6327,7 @@
             <a:fld id="{0459C166-16D3-4A25-A2F8-C51E0E346B22}" type="datetimeFigureOut">
               <a:rPr lang="en-US" smtClean="0"/>
               <a:pPr/>
-              <a:t>6/28/16</a:t>
+              <a:t>6/30/16</a:t>
             </a:fld>
             <a:endParaRPr lang="en-US"/>
           </a:p>
@@ -6594,7 +6594,7 @@
             <a:fld id="{0459C166-16D3-4A25-A2F8-C51E0E346B22}" type="datetimeFigureOut">
               <a:rPr lang="en-US" smtClean="0"/>
               <a:pPr/>
-              <a:t>6/28/16</a:t>
+              <a:t>6/30/16</a:t>
             </a:fld>
             <a:endParaRPr lang="en-US"/>
           </a:p>
@@ -6841,7 +6841,7 @@
             <a:fld id="{0459C166-16D3-4A25-A2F8-C51E0E346B22}" type="datetimeFigureOut">
               <a:rPr lang="en-US" smtClean="0"/>
               <a:pPr/>
-              <a:t>6/28/16</a:t>
+              <a:t>6/30/16</a:t>
             </a:fld>
             <a:endParaRPr lang="en-US"/>
           </a:p>
@@ -7207,7 +7207,7 @@
             <a:fld id="{0459C166-16D3-4A25-A2F8-C51E0E346B22}" type="datetimeFigureOut">
               <a:rPr lang="en-US" smtClean="0"/>
               <a:pPr/>
-              <a:t>6/28/16</a:t>
+              <a:t>6/30/16</a:t>
             </a:fld>
             <a:endParaRPr lang="en-US"/>
           </a:p>
@@ -7326,7 +7326,7 @@
             <a:fld id="{0459C166-16D3-4A25-A2F8-C51E0E346B22}" type="datetimeFigureOut">
               <a:rPr lang="en-US" smtClean="0"/>
               <a:pPr/>
-              <a:t>6/28/16</a:t>
+              <a:t>6/30/16</a:t>
             </a:fld>
             <a:endParaRPr lang="en-US"/>
           </a:p>
@@ -7423,7 +7423,7 @@
             <a:fld id="{0459C166-16D3-4A25-A2F8-C51E0E346B22}" type="datetimeFigureOut">
               <a:rPr lang="en-US" smtClean="0"/>
               <a:pPr/>
-              <a:t>6/28/16</a:t>
+              <a:t>6/30/16</a:t>
             </a:fld>
             <a:endParaRPr lang="en-US"/>
           </a:p>
@@ -7700,7 +7700,7 @@
             <a:fld id="{0459C166-16D3-4A25-A2F8-C51E0E346B22}" type="datetimeFigureOut">
               <a:rPr lang="en-US" smtClean="0"/>
               <a:pPr/>
-              <a:t>6/28/16</a:t>
+              <a:t>6/30/16</a:t>
             </a:fld>
             <a:endParaRPr lang="en-US"/>
           </a:p>
@@ -7954,7 +7954,7 @@
             <a:fld id="{0459C166-16D3-4A25-A2F8-C51E0E346B22}" type="datetimeFigureOut">
               <a:rPr lang="en-US" smtClean="0"/>
               <a:pPr/>
-              <a:t>6/28/16</a:t>
+              <a:t>6/30/16</a:t>
             </a:fld>
             <a:endParaRPr lang="en-US"/>
           </a:p>
@@ -8167,7 +8167,7 @@
             <a:fld id="{0459C166-16D3-4A25-A2F8-C51E0E346B22}" type="datetimeFigureOut">
               <a:rPr lang="en-US" smtClean="0"/>
               <a:pPr/>
-              <a:t>6/28/16</a:t>
+              <a:t>6/30/16</a:t>
             </a:fld>
             <a:endParaRPr lang="en-US"/>
           </a:p>
@@ -13245,7 +13245,7 @@
           <p:nvPr>
             <p:extLst>
               <p:ext uri="{D42A27DB-BD31-4B8C-83A1-F6EECF244321}">
-                <p14:modId xmlns:p14="http://schemas.microsoft.com/office/powerpoint/2010/main" val="2418348726"/>
+                <p14:modId xmlns:p14="http://schemas.microsoft.com/office/powerpoint/2010/main" val="652256650"/>
               </p:ext>
             </p:extLst>
           </p:nvPr>
@@ -13264,14 +13264,14 @@
                 <a:gridCol w="5287266">
                   <a:extLst>
                     <a:ext uri="{9D8B030D-6E8A-4147-A177-3AD203B41FA5}">
-                      <a16:colId xmlns="" xmlns:a16="http://schemas.microsoft.com/office/drawing/2014/main" val="48614039"/>
+                      <a16:colId xmlns:a16="http://schemas.microsoft.com/office/drawing/2014/main" xmlns="" val="48614039"/>
                     </a:ext>
                   </a:extLst>
                 </a:gridCol>
                 <a:gridCol w="5287266">
                   <a:extLst>
                     <a:ext uri="{9D8B030D-6E8A-4147-A177-3AD203B41FA5}">
-                      <a16:colId xmlns="" xmlns:a16="http://schemas.microsoft.com/office/drawing/2014/main" val="1124546490"/>
+                      <a16:colId xmlns:a16="http://schemas.microsoft.com/office/drawing/2014/main" xmlns="" val="1124546490"/>
                     </a:ext>
                   </a:extLst>
                 </a:gridCol>
@@ -13284,14 +13284,14 @@
                     <a:p>
                       <a:pPr algn="ctr"/>
                       <a:r>
-                        <a:rPr lang="en-US" sz="2000" b="0" baseline="0" dirty="0">
+                        <a:rPr lang="en-US" sz="2000" b="1" baseline="0" dirty="0">
                           <a:solidFill>
                             <a:schemeClr val="bg1"/>
                           </a:solidFill>
                         </a:rPr>
                         <a:t>Development Framework</a:t>
                       </a:r>
-                      <a:endParaRPr lang="en-US" sz="2000" b="0" dirty="0">
+                      <a:endParaRPr lang="en-US" sz="2000" b="1" dirty="0">
                         <a:solidFill>
                           <a:schemeClr val="bg1"/>
                         </a:solidFill>
@@ -13341,7 +13341,7 @@
                 </a:tc>
                 <a:extLst>
                   <a:ext uri="{0D108BD9-81ED-4DB2-BD59-A6C34878D82A}">
-                    <a16:rowId xmlns="" xmlns:a16="http://schemas.microsoft.com/office/drawing/2014/main" val="679667022"/>
+                    <a16:rowId xmlns:a16="http://schemas.microsoft.com/office/drawing/2014/main" xmlns="" val="679667022"/>
                   </a:ext>
                 </a:extLst>
               </a:tr>
@@ -13353,10 +13353,10 @@
                     <a:p>
                       <a:pPr algn="l"/>
                       <a:r>
-                        <a:rPr lang="en-US" sz="2000" dirty="0" err="1"/>
+                        <a:rPr lang="en-US" sz="2000" b="1" dirty="0" err="1"/>
                         <a:t>Xamarin</a:t>
                       </a:r>
-                      <a:endParaRPr lang="en-US" sz="2000" dirty="0"/>
+                      <a:endParaRPr lang="en-US" sz="2000" b="1" dirty="0"/>
                     </a:p>
                   </a:txBody>
                   <a:tcPr>
@@ -13389,7 +13389,7 @@
                 </a:tc>
                 <a:extLst>
                   <a:ext uri="{0D108BD9-81ED-4DB2-BD59-A6C34878D82A}">
-                    <a16:rowId xmlns="" xmlns:a16="http://schemas.microsoft.com/office/drawing/2014/main" val="2034482246"/>
+                    <a16:rowId xmlns:a16="http://schemas.microsoft.com/office/drawing/2014/main" xmlns="" val="2034482246"/>
                   </a:ext>
                 </a:extLst>
               </a:tr>
@@ -13401,18 +13401,18 @@
                     <a:p>
                       <a:pPr algn="l"/>
                       <a:r>
-                        <a:rPr lang="en-US" sz="2000" dirty="0"/>
+                        <a:rPr lang="en-US" sz="2000" b="1" dirty="0"/>
                         <a:t>Titanium, </a:t>
                       </a:r>
                       <a:r>
-                        <a:rPr lang="en-US" sz="2000" dirty="0" err="1"/>
+                        <a:rPr lang="en-US" sz="2000" b="1" dirty="0" err="1"/>
                         <a:t>NativeScript</a:t>
                       </a:r>
                       <a:r>
-                        <a:rPr lang="en-US" sz="2000" baseline="0" dirty="0"/>
+                        <a:rPr lang="en-US" sz="2000" b="1" baseline="0" dirty="0"/>
                         <a:t> &amp; React Native</a:t>
                       </a:r>
-                      <a:endParaRPr lang="en-US" sz="2000" dirty="0"/>
+                      <a:endParaRPr lang="en-US" sz="2000" b="1" dirty="0"/>
                     </a:p>
                   </a:txBody>
                   <a:tcPr>
@@ -13445,7 +13445,7 @@
                 </a:tc>
                 <a:extLst>
                   <a:ext uri="{0D108BD9-81ED-4DB2-BD59-A6C34878D82A}">
-                    <a16:rowId xmlns="" xmlns:a16="http://schemas.microsoft.com/office/drawing/2014/main" val="682465758"/>
+                    <a16:rowId xmlns:a16="http://schemas.microsoft.com/office/drawing/2014/main" xmlns="" val="682465758"/>
                   </a:ext>
                 </a:extLst>
               </a:tr>
@@ -13457,7 +13457,7 @@
                     <a:p>
                       <a:pPr algn="l"/>
                       <a:r>
-                        <a:rPr lang="en-US" sz="2000" dirty="0"/>
+                        <a:rPr lang="en-US" sz="2000" b="1" dirty="0"/>
                         <a:t>Cordova</a:t>
                       </a:r>
                     </a:p>
@@ -13497,7 +13497,7 @@
                 </a:tc>
                 <a:extLst>
                   <a:ext uri="{0D108BD9-81ED-4DB2-BD59-A6C34878D82A}">
-                    <a16:rowId xmlns="" xmlns:a16="http://schemas.microsoft.com/office/drawing/2014/main" val="4230228483"/>
+                    <a16:rowId xmlns:a16="http://schemas.microsoft.com/office/drawing/2014/main" xmlns="" val="4230228483"/>
                   </a:ext>
                 </a:extLst>
               </a:tr>
@@ -16908,7 +16908,7 @@
           <p:nvPr>
             <p:extLst>
               <p:ext uri="{D42A27DB-BD31-4B8C-83A1-F6EECF244321}">
-                <p14:modId xmlns:p14="http://schemas.microsoft.com/office/powerpoint/2010/main" val="2437213304"/>
+                <p14:modId xmlns:p14="http://schemas.microsoft.com/office/powerpoint/2010/main" val="874510127"/>
               </p:ext>
             </p:extLst>
           </p:nvPr>
@@ -16927,21 +16927,21 @@
                 <a:gridCol w="2410409">
                   <a:extLst>
                     <a:ext uri="{9D8B030D-6E8A-4147-A177-3AD203B41FA5}">
-                      <a16:colId xmlns="" xmlns:a16="http://schemas.microsoft.com/office/drawing/2014/main" val="48614039"/>
+                      <a16:colId xmlns:a16="http://schemas.microsoft.com/office/drawing/2014/main" xmlns="" val="48614039"/>
                     </a:ext>
                   </a:extLst>
                 </a:gridCol>
                 <a:gridCol w="4106472">
                   <a:extLst>
                     <a:ext uri="{9D8B030D-6E8A-4147-A177-3AD203B41FA5}">
-                      <a16:colId xmlns="" xmlns:a16="http://schemas.microsoft.com/office/drawing/2014/main" val="1124546490"/>
+                      <a16:colId xmlns:a16="http://schemas.microsoft.com/office/drawing/2014/main" xmlns="" val="1124546490"/>
                     </a:ext>
                   </a:extLst>
                 </a:gridCol>
                 <a:gridCol w="4352925">
                   <a:extLst>
                     <a:ext uri="{9D8B030D-6E8A-4147-A177-3AD203B41FA5}">
-                      <a16:colId xmlns="" xmlns:a16="http://schemas.microsoft.com/office/drawing/2014/main" val="2996711397"/>
+                      <a16:colId xmlns:a16="http://schemas.microsoft.com/office/drawing/2014/main" xmlns="" val="2996711397"/>
                     </a:ext>
                   </a:extLst>
                 </a:gridCol>
@@ -16954,14 +16954,14 @@
                     <a:p>
                       <a:pPr algn="ctr"/>
                       <a:r>
-                        <a:rPr lang="en-US" sz="2000" b="0" baseline="0" dirty="0">
+                        <a:rPr lang="en-US" sz="2000" b="1" baseline="0" dirty="0">
                           <a:solidFill>
                             <a:schemeClr val="bg1"/>
                           </a:solidFill>
                         </a:rPr>
                         <a:t>Framework</a:t>
                       </a:r>
-                      <a:endParaRPr lang="en-US" sz="2000" b="0" dirty="0">
+                      <a:endParaRPr lang="en-US" sz="2000" b="1" dirty="0">
                         <a:solidFill>
                           <a:schemeClr val="bg1"/>
                         </a:solidFill>
@@ -17020,7 +17020,7 @@
                 </a:tc>
                 <a:extLst>
                   <a:ext uri="{0D108BD9-81ED-4DB2-BD59-A6C34878D82A}">
-                    <a16:rowId xmlns="" xmlns:a16="http://schemas.microsoft.com/office/drawing/2014/main" val="679667022"/>
+                    <a16:rowId xmlns:a16="http://schemas.microsoft.com/office/drawing/2014/main" xmlns="" val="679667022"/>
                   </a:ext>
                 </a:extLst>
               </a:tr>
@@ -17032,10 +17032,10 @@
                     <a:p>
                       <a:pPr algn="l"/>
                       <a:r>
-                        <a:rPr lang="en-US" sz="2000" dirty="0" err="1"/>
+                        <a:rPr lang="en-US" sz="2000" b="1" dirty="0" err="1"/>
                         <a:t>Xamarin</a:t>
                       </a:r>
-                      <a:endParaRPr lang="en-US" sz="2000" dirty="0"/>
+                      <a:endParaRPr lang="en-US" sz="2000" b="1" dirty="0"/>
                     </a:p>
                   </a:txBody>
                   <a:tcPr>
@@ -17106,7 +17106,7 @@
                 </a:tc>
                 <a:extLst>
                   <a:ext uri="{0D108BD9-81ED-4DB2-BD59-A6C34878D82A}">
-                    <a16:rowId xmlns="" xmlns:a16="http://schemas.microsoft.com/office/drawing/2014/main" val="2034482246"/>
+                    <a16:rowId xmlns:a16="http://schemas.microsoft.com/office/drawing/2014/main" xmlns="" val="2034482246"/>
                   </a:ext>
                 </a:extLst>
               </a:tr>
@@ -17118,25 +17118,25 @@
                     <a:p>
                       <a:pPr algn="l"/>
                       <a:r>
-                        <a:rPr lang="en-US" sz="2000" dirty="0"/>
+                        <a:rPr lang="en-US" sz="2000" b="1" dirty="0"/>
                         <a:t>Titanium, </a:t>
                       </a:r>
                       <a:r>
-                        <a:rPr lang="en-US" sz="2000" dirty="0" err="1"/>
+                        <a:rPr lang="en-US" sz="2000" b="1" dirty="0" err="1"/>
                         <a:t>NativeScript</a:t>
                       </a:r>
                       <a:r>
-                        <a:rPr lang="en-US" sz="2000" baseline="0" dirty="0"/>
+                        <a:rPr lang="en-US" sz="2000" b="1" baseline="0" dirty="0"/>
                         <a:t>, </a:t>
                       </a:r>
                       <a:br>
-                        <a:rPr lang="en-US" sz="2000" baseline="0" dirty="0"/>
+                        <a:rPr lang="en-US" sz="2000" b="1" baseline="0" dirty="0"/>
                       </a:br>
                       <a:r>
-                        <a:rPr lang="en-US" sz="2000" baseline="0" dirty="0"/>
+                        <a:rPr lang="en-US" sz="2000" b="1" baseline="0" dirty="0"/>
                         <a:t>React Native</a:t>
                       </a:r>
-                      <a:endParaRPr lang="en-US" sz="2000" dirty="0"/>
+                      <a:endParaRPr lang="en-US" sz="2000" b="1" dirty="0"/>
                     </a:p>
                   </a:txBody>
                   <a:tcPr>
@@ -17218,7 +17218,7 @@
                 </a:tc>
                 <a:extLst>
                   <a:ext uri="{0D108BD9-81ED-4DB2-BD59-A6C34878D82A}">
-                    <a16:rowId xmlns="" xmlns:a16="http://schemas.microsoft.com/office/drawing/2014/main" val="682465758"/>
+                    <a16:rowId xmlns:a16="http://schemas.microsoft.com/office/drawing/2014/main" xmlns="" val="682465758"/>
                   </a:ext>
                 </a:extLst>
               </a:tr>
@@ -17230,7 +17230,7 @@
                     <a:p>
                       <a:pPr algn="l"/>
                       <a:r>
-                        <a:rPr lang="en-US" sz="2000" dirty="0"/>
+                        <a:rPr lang="en-US" sz="2000" b="1" dirty="0"/>
                         <a:t>Cordova</a:t>
                       </a:r>
                     </a:p>
@@ -17304,7 +17304,7 @@
                 </a:tc>
                 <a:extLst>
                   <a:ext uri="{0D108BD9-81ED-4DB2-BD59-A6C34878D82A}">
-                    <a16:rowId xmlns="" xmlns:a16="http://schemas.microsoft.com/office/drawing/2014/main" val="4230228483"/>
+                    <a16:rowId xmlns:a16="http://schemas.microsoft.com/office/drawing/2014/main" xmlns="" val="4230228483"/>
                   </a:ext>
                 </a:extLst>
               </a:tr>
@@ -22907,7 +22907,7 @@
   <a:extraClrSchemeLst/>
   <a:extLst>
     <a:ext uri="{05A4C25C-085E-4340-85A3-A5531E510DB2}">
-      <thm15:themeFamily xmlns="" xmlns:thm15="http://schemas.microsoft.com/office/thememl/2012/main" name="Office Theme" id="{62F939B6-93AF-4DB8-9C6B-D6C7DFDC589F}" vid="{4A3C46E8-61CC-4603-A589-7422A47A8E4A}"/>
+      <thm15:themeFamily xmlns:thm15="http://schemas.microsoft.com/office/thememl/2012/main" xmlns="" name="Office Theme" id="{62F939B6-93AF-4DB8-9C6B-D6C7DFDC589F}" vid="{4A3C46E8-61CC-4603-A589-7422A47A8E4A}"/>
     </a:ext>
   </a:extLst>
 </a:theme>
@@ -23202,7 +23202,7 @@
   <a:extraClrSchemeLst/>
   <a:extLst>
     <a:ext uri="{05A4C25C-085E-4340-85A3-A5531E510DB2}">
-      <thm15:themeFamily xmlns="" xmlns:thm15="http://schemas.microsoft.com/office/thememl/2012/main" name="Office Theme" id="{62F939B6-93AF-4DB8-9C6B-D6C7DFDC589F}" vid="{4A3C46E8-61CC-4603-A589-7422A47A8E4A}"/>
+      <thm15:themeFamily xmlns:thm15="http://schemas.microsoft.com/office/thememl/2012/main" xmlns="" name="Office Theme" id="{62F939B6-93AF-4DB8-9C6B-D6C7DFDC589F}" vid="{4A3C46E8-61CC-4603-A589-7422A47A8E4A}"/>
     </a:ext>
   </a:extLst>
 </a:theme>

--- a/Complimentary Course Content/Module3/Lessons/Module3_Lesson01 Mobile Development Survey.pptx
+++ b/Complimentary Course Content/Module3/Lessons/Module3_Lesson01 Mobile Development Survey.pptx
@@ -137,7 +137,7 @@
   </p:defaultTextStyle>
   <p:extLst>
     <p:ext uri="{EFAFB233-063F-42B5-8137-9DF3F51BA10A}">
-      <p15:sldGuideLst xmlns:p15="http://schemas.microsoft.com/office/powerpoint/2012/main" xmlns="">
+      <p15:sldGuideLst xmlns="" xmlns:p15="http://schemas.microsoft.com/office/powerpoint/2012/main">
         <p15:guide id="1" orient="horz" pos="2184" userDrawn="1">
           <p15:clr>
             <a:srgbClr val="A4A3A4"/>
@@ -13264,14 +13264,14 @@
                 <a:gridCol w="5287266">
                   <a:extLst>
                     <a:ext uri="{9D8B030D-6E8A-4147-A177-3AD203B41FA5}">
-                      <a16:colId xmlns:a16="http://schemas.microsoft.com/office/drawing/2014/main" xmlns="" val="48614039"/>
+                      <a16:colId xmlns="" xmlns:a16="http://schemas.microsoft.com/office/drawing/2014/main" val="48614039"/>
                     </a:ext>
                   </a:extLst>
                 </a:gridCol>
                 <a:gridCol w="5287266">
                   <a:extLst>
                     <a:ext uri="{9D8B030D-6E8A-4147-A177-3AD203B41FA5}">
-                      <a16:colId xmlns:a16="http://schemas.microsoft.com/office/drawing/2014/main" xmlns="" val="1124546490"/>
+                      <a16:colId xmlns="" xmlns:a16="http://schemas.microsoft.com/office/drawing/2014/main" val="1124546490"/>
                     </a:ext>
                   </a:extLst>
                 </a:gridCol>
@@ -13341,7 +13341,7 @@
                 </a:tc>
                 <a:extLst>
                   <a:ext uri="{0D108BD9-81ED-4DB2-BD59-A6C34878D82A}">
-                    <a16:rowId xmlns:a16="http://schemas.microsoft.com/office/drawing/2014/main" xmlns="" val="679667022"/>
+                    <a16:rowId xmlns="" xmlns:a16="http://schemas.microsoft.com/office/drawing/2014/main" val="679667022"/>
                   </a:ext>
                 </a:extLst>
               </a:tr>
@@ -13389,7 +13389,7 @@
                 </a:tc>
                 <a:extLst>
                   <a:ext uri="{0D108BD9-81ED-4DB2-BD59-A6C34878D82A}">
-                    <a16:rowId xmlns:a16="http://schemas.microsoft.com/office/drawing/2014/main" xmlns="" val="2034482246"/>
+                    <a16:rowId xmlns="" xmlns:a16="http://schemas.microsoft.com/office/drawing/2014/main" val="2034482246"/>
                   </a:ext>
                 </a:extLst>
               </a:tr>
@@ -13445,7 +13445,7 @@
                 </a:tc>
                 <a:extLst>
                   <a:ext uri="{0D108BD9-81ED-4DB2-BD59-A6C34878D82A}">
-                    <a16:rowId xmlns:a16="http://schemas.microsoft.com/office/drawing/2014/main" xmlns="" val="682465758"/>
+                    <a16:rowId xmlns="" xmlns:a16="http://schemas.microsoft.com/office/drawing/2014/main" val="682465758"/>
                   </a:ext>
                 </a:extLst>
               </a:tr>
@@ -13497,7 +13497,7 @@
                 </a:tc>
                 <a:extLst>
                   <a:ext uri="{0D108BD9-81ED-4DB2-BD59-A6C34878D82A}">
-                    <a16:rowId xmlns:a16="http://schemas.microsoft.com/office/drawing/2014/main" xmlns="" val="4230228483"/>
+                    <a16:rowId xmlns="" xmlns:a16="http://schemas.microsoft.com/office/drawing/2014/main" val="4230228483"/>
                   </a:ext>
                 </a:extLst>
               </a:tr>
@@ -16927,21 +16927,21 @@
                 <a:gridCol w="2410409">
                   <a:extLst>
                     <a:ext uri="{9D8B030D-6E8A-4147-A177-3AD203B41FA5}">
-                      <a16:colId xmlns:a16="http://schemas.microsoft.com/office/drawing/2014/main" xmlns="" val="48614039"/>
+                      <a16:colId xmlns="" xmlns:a16="http://schemas.microsoft.com/office/drawing/2014/main" val="48614039"/>
                     </a:ext>
                   </a:extLst>
                 </a:gridCol>
                 <a:gridCol w="4106472">
                   <a:extLst>
                     <a:ext uri="{9D8B030D-6E8A-4147-A177-3AD203B41FA5}">
-                      <a16:colId xmlns:a16="http://schemas.microsoft.com/office/drawing/2014/main" xmlns="" val="1124546490"/>
+                      <a16:colId xmlns="" xmlns:a16="http://schemas.microsoft.com/office/drawing/2014/main" val="1124546490"/>
                     </a:ext>
                   </a:extLst>
                 </a:gridCol>
                 <a:gridCol w="4352925">
                   <a:extLst>
                     <a:ext uri="{9D8B030D-6E8A-4147-A177-3AD203B41FA5}">
-                      <a16:colId xmlns:a16="http://schemas.microsoft.com/office/drawing/2014/main" xmlns="" val="2996711397"/>
+                      <a16:colId xmlns="" xmlns:a16="http://schemas.microsoft.com/office/drawing/2014/main" val="2996711397"/>
                     </a:ext>
                   </a:extLst>
                 </a:gridCol>
@@ -17020,7 +17020,7 @@
                 </a:tc>
                 <a:extLst>
                   <a:ext uri="{0D108BD9-81ED-4DB2-BD59-A6C34878D82A}">
-                    <a16:rowId xmlns:a16="http://schemas.microsoft.com/office/drawing/2014/main" xmlns="" val="679667022"/>
+                    <a16:rowId xmlns="" xmlns:a16="http://schemas.microsoft.com/office/drawing/2014/main" val="679667022"/>
                   </a:ext>
                 </a:extLst>
               </a:tr>
@@ -17106,7 +17106,7 @@
                 </a:tc>
                 <a:extLst>
                   <a:ext uri="{0D108BD9-81ED-4DB2-BD59-A6C34878D82A}">
-                    <a16:rowId xmlns:a16="http://schemas.microsoft.com/office/drawing/2014/main" xmlns="" val="2034482246"/>
+                    <a16:rowId xmlns="" xmlns:a16="http://schemas.microsoft.com/office/drawing/2014/main" val="2034482246"/>
                   </a:ext>
                 </a:extLst>
               </a:tr>
@@ -17218,7 +17218,7 @@
                 </a:tc>
                 <a:extLst>
                   <a:ext uri="{0D108BD9-81ED-4DB2-BD59-A6C34878D82A}">
-                    <a16:rowId xmlns:a16="http://schemas.microsoft.com/office/drawing/2014/main" xmlns="" val="682465758"/>
+                    <a16:rowId xmlns="" xmlns:a16="http://schemas.microsoft.com/office/drawing/2014/main" val="682465758"/>
                   </a:ext>
                 </a:extLst>
               </a:tr>
@@ -17304,7 +17304,7 @@
                 </a:tc>
                 <a:extLst>
                   <a:ext uri="{0D108BD9-81ED-4DB2-BD59-A6C34878D82A}">
-                    <a16:rowId xmlns:a16="http://schemas.microsoft.com/office/drawing/2014/main" xmlns="" val="4230228483"/>
+                    <a16:rowId xmlns="" xmlns:a16="http://schemas.microsoft.com/office/drawing/2014/main" val="4230228483"/>
                   </a:ext>
                 </a:extLst>
               </a:tr>
@@ -20986,21 +20986,42 @@
                   <a:schemeClr val="tx1"/>
                 </a:solidFill>
               </a:rPr>
-              <a:t>Android: Java, Android Studio, and Eclipse</a:t>
-            </a:r>
+              <a:t>Android: Java, </a:t>
+            </a:r>
+            <a:r>
+              <a:rPr lang="en-US" sz="2800" dirty="0" smtClean="0">
+                <a:solidFill>
+                  <a:schemeClr val="tx1"/>
+                </a:solidFill>
+              </a:rPr>
+              <a:t>and Android Studio</a:t>
+            </a:r>
+            <a:endParaRPr lang="en-US" sz="2800" dirty="0">
+              <a:solidFill>
+                <a:schemeClr val="tx1"/>
+              </a:solidFill>
+            </a:endParaRPr>
           </a:p>
           <a:p>
             <a:pPr marL="1257300" lvl="2" indent="-342900">
               <a:buFont typeface="Wingdings" charset="2"/>
               <a:buChar char="§"/>
             </a:pPr>
+            <a:r>
+              <a:rPr lang="en-US" sz="2800" dirty="0" smtClean="0">
+                <a:solidFill>
+                  <a:schemeClr val="tx1"/>
+                </a:solidFill>
+              </a:rPr>
+              <a:t>Windows: </a:t>
+            </a:r>
             <a:r>
               <a:rPr lang="en-US" sz="2800" dirty="0">
                 <a:solidFill>
                   <a:schemeClr val="tx1"/>
                 </a:solidFill>
               </a:rPr>
-              <a:t>Windows Phone: C# and Visual Studio</a:t>
+              <a:t>C# and Visual Studio</a:t>
             </a:r>
           </a:p>
         </p:txBody>
@@ -22907,7 +22928,7 @@
   <a:extraClrSchemeLst/>
   <a:extLst>
     <a:ext uri="{05A4C25C-085E-4340-85A3-A5531E510DB2}">
-      <thm15:themeFamily xmlns:thm15="http://schemas.microsoft.com/office/thememl/2012/main" xmlns="" name="Office Theme" id="{62F939B6-93AF-4DB8-9C6B-D6C7DFDC589F}" vid="{4A3C46E8-61CC-4603-A589-7422A47A8E4A}"/>
+      <thm15:themeFamily xmlns="" xmlns:thm15="http://schemas.microsoft.com/office/thememl/2012/main" name="Office Theme" id="{62F939B6-93AF-4DB8-9C6B-D6C7DFDC589F}" vid="{4A3C46E8-61CC-4603-A589-7422A47A8E4A}"/>
     </a:ext>
   </a:extLst>
 </a:theme>
@@ -23202,7 +23223,7 @@
   <a:extraClrSchemeLst/>
   <a:extLst>
     <a:ext uri="{05A4C25C-085E-4340-85A3-A5531E510DB2}">
-      <thm15:themeFamily xmlns:thm15="http://schemas.microsoft.com/office/thememl/2012/main" xmlns="" name="Office Theme" id="{62F939B6-93AF-4DB8-9C6B-D6C7DFDC589F}" vid="{4A3C46E8-61CC-4603-A589-7422A47A8E4A}"/>
+      <thm15:themeFamily xmlns="" xmlns:thm15="http://schemas.microsoft.com/office/thememl/2012/main" name="Office Theme" id="{62F939B6-93AF-4DB8-9C6B-D6C7DFDC589F}" vid="{4A3C46E8-61CC-4603-A589-7422A47A8E4A}"/>
     </a:ext>
   </a:extLst>
 </a:theme>

--- a/Complimentary Course Content/Module3/Lessons/Module3_Lesson01 Mobile Development Survey.pptx
+++ b/Complimentary Course Content/Module3/Lessons/Module3_Lesson01 Mobile Development Survey.pptx
@@ -261,7 +261,7 @@
             <a:fld id="{49B60EF2-7028-489F-85D8-FE86CD7CF2A0}" type="datetimeFigureOut">
               <a:rPr lang="en-US" smtClean="0"/>
               <a:pPr/>
-              <a:t>6/30/16</a:t>
+              <a:t>7/7/16</a:t>
             </a:fld>
             <a:endParaRPr lang="en-US"/>
           </a:p>
@@ -1650,7 +1650,15 @@
             </a:pPr>
             <a:r>
               <a:rPr lang="en-US" dirty="0"/>
-              <a:t> Many cross-platform mobile frameworks exist, although some don’t support all phones (like Windows Phone). </a:t>
+              <a:t> Many cross-platform mobile frameworks exist, although some don’t support all phones (like </a:t>
+            </a:r>
+            <a:r>
+              <a:rPr lang="en-US" dirty="0" smtClean="0"/>
+              <a:t>Windows)</a:t>
+            </a:r>
+            <a:r>
+              <a:rPr lang="en-US" dirty="0"/>
+              <a:t>. </a:t>
             </a:r>
           </a:p>
           <a:p>
@@ -5807,7 +5815,7 @@
             <a:fld id="{0459C166-16D3-4A25-A2F8-C51E0E346B22}" type="datetimeFigureOut">
               <a:rPr lang="en-US" smtClean="0"/>
               <a:pPr/>
-              <a:t>6/30/16</a:t>
+              <a:t>7/7/16</a:t>
             </a:fld>
             <a:endParaRPr lang="en-US"/>
           </a:p>
@@ -5977,7 +5985,7 @@
             <a:fld id="{0459C166-16D3-4A25-A2F8-C51E0E346B22}" type="datetimeFigureOut">
               <a:rPr lang="en-US" smtClean="0"/>
               <a:pPr/>
-              <a:t>6/30/16</a:t>
+              <a:t>7/7/16</a:t>
             </a:fld>
             <a:endParaRPr lang="en-US"/>
           </a:p>
@@ -6157,7 +6165,7 @@
             <a:fld id="{0459C166-16D3-4A25-A2F8-C51E0E346B22}" type="datetimeFigureOut">
               <a:rPr lang="en-US" smtClean="0"/>
               <a:pPr/>
-              <a:t>6/30/16</a:t>
+              <a:t>7/7/16</a:t>
             </a:fld>
             <a:endParaRPr lang="en-US"/>
           </a:p>
@@ -6327,7 +6335,7 @@
             <a:fld id="{0459C166-16D3-4A25-A2F8-C51E0E346B22}" type="datetimeFigureOut">
               <a:rPr lang="en-US" smtClean="0"/>
               <a:pPr/>
-              <a:t>6/30/16</a:t>
+              <a:t>7/7/16</a:t>
             </a:fld>
             <a:endParaRPr lang="en-US"/>
           </a:p>
@@ -6594,7 +6602,7 @@
             <a:fld id="{0459C166-16D3-4A25-A2F8-C51E0E346B22}" type="datetimeFigureOut">
               <a:rPr lang="en-US" smtClean="0"/>
               <a:pPr/>
-              <a:t>6/30/16</a:t>
+              <a:t>7/7/16</a:t>
             </a:fld>
             <a:endParaRPr lang="en-US"/>
           </a:p>
@@ -6841,7 +6849,7 @@
             <a:fld id="{0459C166-16D3-4A25-A2F8-C51E0E346B22}" type="datetimeFigureOut">
               <a:rPr lang="en-US" smtClean="0"/>
               <a:pPr/>
-              <a:t>6/30/16</a:t>
+              <a:t>7/7/16</a:t>
             </a:fld>
             <a:endParaRPr lang="en-US"/>
           </a:p>
@@ -7207,7 +7215,7 @@
             <a:fld id="{0459C166-16D3-4A25-A2F8-C51E0E346B22}" type="datetimeFigureOut">
               <a:rPr lang="en-US" smtClean="0"/>
               <a:pPr/>
-              <a:t>6/30/16</a:t>
+              <a:t>7/7/16</a:t>
             </a:fld>
             <a:endParaRPr lang="en-US"/>
           </a:p>
@@ -7326,7 +7334,7 @@
             <a:fld id="{0459C166-16D3-4A25-A2F8-C51E0E346B22}" type="datetimeFigureOut">
               <a:rPr lang="en-US" smtClean="0"/>
               <a:pPr/>
-              <a:t>6/30/16</a:t>
+              <a:t>7/7/16</a:t>
             </a:fld>
             <a:endParaRPr lang="en-US"/>
           </a:p>
@@ -7423,7 +7431,7 @@
             <a:fld id="{0459C166-16D3-4A25-A2F8-C51E0E346B22}" type="datetimeFigureOut">
               <a:rPr lang="en-US" smtClean="0"/>
               <a:pPr/>
-              <a:t>6/30/16</a:t>
+              <a:t>7/7/16</a:t>
             </a:fld>
             <a:endParaRPr lang="en-US"/>
           </a:p>
@@ -7700,7 +7708,7 @@
             <a:fld id="{0459C166-16D3-4A25-A2F8-C51E0E346B22}" type="datetimeFigureOut">
               <a:rPr lang="en-US" smtClean="0"/>
               <a:pPr/>
-              <a:t>6/30/16</a:t>
+              <a:t>7/7/16</a:t>
             </a:fld>
             <a:endParaRPr lang="en-US"/>
           </a:p>
@@ -7954,7 +7962,7 @@
             <a:fld id="{0459C166-16D3-4A25-A2F8-C51E0E346B22}" type="datetimeFigureOut">
               <a:rPr lang="en-US" smtClean="0"/>
               <a:pPr/>
-              <a:t>6/30/16</a:t>
+              <a:t>7/7/16</a:t>
             </a:fld>
             <a:endParaRPr lang="en-US"/>
           </a:p>
@@ -8167,7 +8175,7 @@
             <a:fld id="{0459C166-16D3-4A25-A2F8-C51E0E346B22}" type="datetimeFigureOut">
               <a:rPr lang="en-US" smtClean="0"/>
               <a:pPr/>
-              <a:t>6/30/16</a:t>
+              <a:t>7/7/16</a:t>
             </a:fld>
             <a:endParaRPr lang="en-US"/>
           </a:p>
@@ -8724,8 +8732,21 @@
                   <a:srgbClr val="000000"/>
                 </a:solidFill>
               </a:rPr>
-              <a:t>Native Windows Phone Development</a:t>
-            </a:r>
+              <a:t>Native </a:t>
+            </a:r>
+            <a:r>
+              <a:rPr lang="en-US" sz="4800" dirty="0" smtClean="0">
+                <a:solidFill>
+                  <a:srgbClr val="000000"/>
+                </a:solidFill>
+              </a:rPr>
+              <a:t>Windows Development</a:t>
+            </a:r>
+            <a:endParaRPr lang="en-US" sz="4800" dirty="0">
+              <a:solidFill>
+                <a:srgbClr val="000000"/>
+              </a:solidFill>
+            </a:endParaRPr>
           </a:p>
         </p:txBody>
       </p:sp>
@@ -9203,7 +9224,23 @@
                     <a:srgbClr val="000000"/>
                   </a:solidFill>
                 </a:rPr>
-                <a:t>Windows Phone API uses the C# programming language</a:t>
+                <a:t>Windows </a:t>
+              </a:r>
+              <a:r>
+                <a:rPr lang="en-US" i="0" dirty="0" smtClean="0">
+                  <a:solidFill>
+                    <a:srgbClr val="000000"/>
+                  </a:solidFill>
+                </a:rPr>
+                <a:t>API </a:t>
+              </a:r>
+              <a:r>
+                <a:rPr lang="en-US" i="0" dirty="0">
+                  <a:solidFill>
+                    <a:srgbClr val="000000"/>
+                  </a:solidFill>
+                </a:rPr>
+                <a:t>uses the C# programming language</a:t>
               </a:r>
             </a:p>
           </p:txBody>
@@ -9315,12 +9352,20 @@
           <a:lstStyle/>
           <a:p>
             <a:r>
+              <a:rPr lang="en-US" dirty="0" smtClean="0">
+                <a:solidFill>
+                  <a:srgbClr val="000000"/>
+                </a:solidFill>
+              </a:rPr>
+              <a:t>Windows: </a:t>
+            </a:r>
+            <a:r>
               <a:rPr lang="en-US" dirty="0">
                 <a:solidFill>
                   <a:srgbClr val="000000"/>
                 </a:solidFill>
               </a:rPr>
-              <a:t>Windows Phone: Visual Studio</a:t>
+              <a:t>Visual Studio</a:t>
             </a:r>
           </a:p>
         </p:txBody>
@@ -21013,7 +21058,15 @@
                   <a:schemeClr val="tx1"/>
                 </a:solidFill>
               </a:rPr>
-              <a:t>Windows: </a:t>
+              <a:t>Universal </a:t>
+            </a:r>
+            <a:r>
+              <a:rPr lang="en-US" sz="2800" smtClean="0">
+                <a:solidFill>
+                  <a:schemeClr val="tx1"/>
+                </a:solidFill>
+              </a:rPr>
+              <a:t>Windows Platform: </a:t>
             </a:r>
             <a:r>
               <a:rPr lang="en-US" sz="2800" dirty="0">

--- a/Complimentary Course Content/Module3/Lessons/Module3_Lesson01 Mobile Development Survey.pptx
+++ b/Complimentary Course Content/Module3/Lessons/Module3_Lesson01 Mobile Development Survey.pptx
@@ -137,7 +137,7 @@
   </p:defaultTextStyle>
   <p:extLst>
     <p:ext uri="{EFAFB233-063F-42B5-8137-9DF3F51BA10A}">
-      <p15:sldGuideLst xmlns="" xmlns:p15="http://schemas.microsoft.com/office/powerpoint/2012/main">
+      <p15:sldGuideLst xmlns:p15="http://schemas.microsoft.com/office/powerpoint/2012/main">
         <p15:guide id="1" orient="horz" pos="2184" userDrawn="1">
           <p15:clr>
             <a:srgbClr val="A4A3A4"/>
@@ -261,7 +261,7 @@
             <a:fld id="{49B60EF2-7028-489F-85D8-FE86CD7CF2A0}" type="datetimeFigureOut">
               <a:rPr lang="en-US" smtClean="0"/>
               <a:pPr/>
-              <a:t>7/7/16</a:t>
+              <a:t>9/9/16</a:t>
             </a:fld>
             <a:endParaRPr lang="en-US"/>
           </a:p>
@@ -574,39 +574,114 @@
           <a:lstStyle/>
           <a:p>
             <a:r>
-              <a:rPr lang="en-US" sz="1200" b="0" i="0" u="none" strike="noStrike" kern="1200" baseline="0" dirty="0">
+              <a:rPr lang="en-US" sz="1200" b="0" i="0" kern="1200" dirty="0" smtClean="0">
                 <a:solidFill>
                   <a:schemeClr val="tx1"/>
                 </a:solidFill>
+                <a:effectLst/>
                 <a:latin typeface="+mn-lt"/>
                 <a:ea typeface="+mn-ea"/>
                 <a:cs typeface="+mn-cs"/>
               </a:rPr>
-              <a:t>Images and excerpts from </a:t>
-            </a:r>
-            <a:r>
-              <a:rPr lang="en-US" sz="1200" b="0" i="1" u="none" strike="noStrike" kern="1200" baseline="0" dirty="0">
+              <a:t>Images and excerpts from </a:t>
+            </a:r>
+            <a:r>
+              <a:rPr lang="en-US" sz="1200" b="0" i="1" kern="1200" dirty="0" err="1" smtClean="0">
                 <a:solidFill>
                   <a:schemeClr val="tx1"/>
                 </a:solidFill>
+                <a:effectLst/>
                 <a:latin typeface="+mn-lt"/>
                 <a:ea typeface="+mn-ea"/>
                 <a:cs typeface="+mn-cs"/>
               </a:rPr>
-              <a:t>Xamarin Mobile Application Development </a:t>
-            </a:r>
-            <a:r>
-              <a:rPr lang="en-US" sz="1200" b="0" i="0" u="none" strike="noStrike" kern="1200" baseline="0" dirty="0">
+              <a:t>Xamarin</a:t>
+            </a:r>
+            <a:r>
+              <a:rPr lang="en-US" sz="1200" b="0" i="1" kern="1200" dirty="0" smtClean="0">
                 <a:solidFill>
                   <a:schemeClr val="tx1"/>
                 </a:solidFill>
+                <a:effectLst/>
                 <a:latin typeface="+mn-lt"/>
                 <a:ea typeface="+mn-ea"/>
                 <a:cs typeface="+mn-cs"/>
               </a:rPr>
-              <a:t>by Dan Hermes  http://amzn.to/1rowG7K</a:t>
-            </a:r>
-            <a:endParaRPr lang="en-US" dirty="0"/>
+              <a:t> Mobile Application Development </a:t>
+            </a:r>
+            <a:r>
+              <a:rPr lang="en-US" sz="1200" b="0" i="0" kern="1200" dirty="0" smtClean="0">
+                <a:solidFill>
+                  <a:schemeClr val="tx1"/>
+                </a:solidFill>
+                <a:effectLst/>
+                <a:latin typeface="+mn-lt"/>
+                <a:ea typeface="+mn-ea"/>
+                <a:cs typeface="+mn-cs"/>
+              </a:rPr>
+              <a:t>by Dan Hermes, published by </a:t>
+            </a:r>
+            <a:r>
+              <a:rPr lang="en-US" sz="1200" b="0" i="0" kern="1200" dirty="0" err="1" smtClean="0">
+                <a:solidFill>
+                  <a:schemeClr val="tx1"/>
+                </a:solidFill>
+                <a:effectLst/>
+                <a:latin typeface="+mn-lt"/>
+                <a:ea typeface="+mn-ea"/>
+                <a:cs typeface="+mn-cs"/>
+              </a:rPr>
+              <a:t>Apress</a:t>
+            </a:r>
+            <a:r>
+              <a:rPr lang="en-US" sz="1200" b="0" i="0" kern="1200" dirty="0" smtClean="0">
+                <a:solidFill>
+                  <a:schemeClr val="tx1"/>
+                </a:solidFill>
+                <a:effectLst/>
+                <a:latin typeface="+mn-lt"/>
+                <a:ea typeface="+mn-ea"/>
+                <a:cs typeface="+mn-cs"/>
+              </a:rPr>
+              <a:t>  </a:t>
+            </a:r>
+          </a:p>
+          <a:p>
+            <a:r>
+              <a:rPr lang="en-US" sz="1200" b="0" i="0" kern="1200" dirty="0" smtClean="0">
+                <a:solidFill>
+                  <a:schemeClr val="tx1"/>
+                </a:solidFill>
+                <a:effectLst/>
+                <a:latin typeface="+mn-lt"/>
+                <a:ea typeface="+mn-ea"/>
+                <a:cs typeface="+mn-cs"/>
+                <a:hlinkClick r:id="rId3"/>
+              </a:rPr>
+              <a:t>http://www.mobilecsharpcafe.com/xamarin</a:t>
+            </a:r>
+            <a:r>
+              <a:rPr lang="en-US" sz="1200" b="0" i="0" kern="1200" smtClean="0">
+                <a:solidFill>
+                  <a:schemeClr val="tx1"/>
+                </a:solidFill>
+                <a:effectLst/>
+                <a:latin typeface="+mn-lt"/>
+                <a:ea typeface="+mn-ea"/>
+                <a:cs typeface="+mn-cs"/>
+                <a:hlinkClick r:id="rId3"/>
+              </a:rPr>
+              <a:t>-book/</a:t>
+            </a:r>
+            <a:endParaRPr lang="en-US" sz="1200" b="0" i="0" kern="1200">
+              <a:solidFill>
+                <a:schemeClr val="tx1"/>
+              </a:solidFill>
+              <a:effectLst/>
+              <a:latin typeface="+mn-lt"/>
+              <a:ea typeface="+mn-ea"/>
+              <a:cs typeface="+mn-cs"/>
+            </a:endParaRPr>
           </a:p>
         </p:txBody>
       </p:sp>
@@ -5815,7 +5890,7 @@
             <a:fld id="{0459C166-16D3-4A25-A2F8-C51E0E346B22}" type="datetimeFigureOut">
               <a:rPr lang="en-US" smtClean="0"/>
               <a:pPr/>
-              <a:t>7/7/16</a:t>
+              <a:t>9/9/16</a:t>
             </a:fld>
             <a:endParaRPr lang="en-US"/>
           </a:p>
@@ -5985,7 +6060,7 @@
             <a:fld id="{0459C166-16D3-4A25-A2F8-C51E0E346B22}" type="datetimeFigureOut">
               <a:rPr lang="en-US" smtClean="0"/>
               <a:pPr/>
-              <a:t>7/7/16</a:t>
+              <a:t>9/9/16</a:t>
             </a:fld>
             <a:endParaRPr lang="en-US"/>
           </a:p>
@@ -6165,7 +6240,7 @@
             <a:fld id="{0459C166-16D3-4A25-A2F8-C51E0E346B22}" type="datetimeFigureOut">
               <a:rPr lang="en-US" smtClean="0"/>
               <a:pPr/>
-              <a:t>7/7/16</a:t>
+              <a:t>9/9/16</a:t>
             </a:fld>
             <a:endParaRPr lang="en-US"/>
           </a:p>
@@ -6335,7 +6410,7 @@
             <a:fld id="{0459C166-16D3-4A25-A2F8-C51E0E346B22}" type="datetimeFigureOut">
               <a:rPr lang="en-US" smtClean="0"/>
               <a:pPr/>
-              <a:t>7/7/16</a:t>
+              <a:t>9/9/16</a:t>
             </a:fld>
             <a:endParaRPr lang="en-US"/>
           </a:p>
@@ -6602,7 +6677,7 @@
             <a:fld id="{0459C166-16D3-4A25-A2F8-C51E0E346B22}" type="datetimeFigureOut">
               <a:rPr lang="en-US" smtClean="0"/>
               <a:pPr/>
-              <a:t>7/7/16</a:t>
+              <a:t>9/9/16</a:t>
             </a:fld>
             <a:endParaRPr lang="en-US"/>
           </a:p>
@@ -6849,7 +6924,7 @@
             <a:fld id="{0459C166-16D3-4A25-A2F8-C51E0E346B22}" type="datetimeFigureOut">
               <a:rPr lang="en-US" smtClean="0"/>
               <a:pPr/>
-              <a:t>7/7/16</a:t>
+              <a:t>9/9/16</a:t>
             </a:fld>
             <a:endParaRPr lang="en-US"/>
           </a:p>
@@ -7215,7 +7290,7 @@
             <a:fld id="{0459C166-16D3-4A25-A2F8-C51E0E346B22}" type="datetimeFigureOut">
               <a:rPr lang="en-US" smtClean="0"/>
               <a:pPr/>
-              <a:t>7/7/16</a:t>
+              <a:t>9/9/16</a:t>
             </a:fld>
             <a:endParaRPr lang="en-US"/>
           </a:p>
@@ -7334,7 +7409,7 @@
             <a:fld id="{0459C166-16D3-4A25-A2F8-C51E0E346B22}" type="datetimeFigureOut">
               <a:rPr lang="en-US" smtClean="0"/>
               <a:pPr/>
-              <a:t>7/7/16</a:t>
+              <a:t>9/9/16</a:t>
             </a:fld>
             <a:endParaRPr lang="en-US"/>
           </a:p>
@@ -7431,7 +7506,7 @@
             <a:fld id="{0459C166-16D3-4A25-A2F8-C51E0E346B22}" type="datetimeFigureOut">
               <a:rPr lang="en-US" smtClean="0"/>
               <a:pPr/>
-              <a:t>7/7/16</a:t>
+              <a:t>9/9/16</a:t>
             </a:fld>
             <a:endParaRPr lang="en-US"/>
           </a:p>
@@ -7708,7 +7783,7 @@
             <a:fld id="{0459C166-16D3-4A25-A2F8-C51E0E346B22}" type="datetimeFigureOut">
               <a:rPr lang="en-US" smtClean="0"/>
               <a:pPr/>
-              <a:t>7/7/16</a:t>
+              <a:t>9/9/16</a:t>
             </a:fld>
             <a:endParaRPr lang="en-US"/>
           </a:p>
@@ -7962,7 +8037,7 @@
             <a:fld id="{0459C166-16D3-4A25-A2F8-C51E0E346B22}" type="datetimeFigureOut">
               <a:rPr lang="en-US" smtClean="0"/>
               <a:pPr/>
-              <a:t>7/7/16</a:t>
+              <a:t>9/9/16</a:t>
             </a:fld>
             <a:endParaRPr lang="en-US"/>
           </a:p>
@@ -8175,7 +8250,7 @@
             <a:fld id="{0459C166-16D3-4A25-A2F8-C51E0E346B22}" type="datetimeFigureOut">
               <a:rPr lang="en-US" smtClean="0"/>
               <a:pPr/>
-              <a:t>7/7/16</a:t>
+              <a:t>9/9/16</a:t>
             </a:fld>
             <a:endParaRPr lang="en-US"/>
           </a:p>
@@ -12197,7 +12272,7 @@
   <p:timing>
     <p:tnLst>
       <p:par>
-        <p:cTn xmlns:p14="http://schemas.microsoft.com/office/powerpoint/2010/main" id="1" dur="indefinite" restart="never" nodeType="tmRoot"/>
+        <p:cTn id="1" dur="indefinite" restart="never" nodeType="tmRoot"/>
       </p:par>
     </p:tnLst>
   </p:timing>
@@ -13224,7 +13299,7 @@
   <p:timing>
     <p:tnLst>
       <p:par>
-        <p:cTn xmlns:p14="http://schemas.microsoft.com/office/powerpoint/2010/main" id="1" dur="indefinite" restart="never" nodeType="tmRoot"/>
+        <p:cTn id="1" dur="indefinite" restart="never" nodeType="tmRoot"/>
       </p:par>
     </p:tnLst>
   </p:timing>
@@ -13309,14 +13384,14 @@
                 <a:gridCol w="5287266">
                   <a:extLst>
                     <a:ext uri="{9D8B030D-6E8A-4147-A177-3AD203B41FA5}">
-                      <a16:colId xmlns="" xmlns:a16="http://schemas.microsoft.com/office/drawing/2014/main" val="48614039"/>
+                      <a16:colId xmlns:a16="http://schemas.microsoft.com/office/drawing/2014/main" xmlns="" val="48614039"/>
                     </a:ext>
                   </a:extLst>
                 </a:gridCol>
                 <a:gridCol w="5287266">
                   <a:extLst>
                     <a:ext uri="{9D8B030D-6E8A-4147-A177-3AD203B41FA5}">
-                      <a16:colId xmlns="" xmlns:a16="http://schemas.microsoft.com/office/drawing/2014/main" val="1124546490"/>
+                      <a16:colId xmlns:a16="http://schemas.microsoft.com/office/drawing/2014/main" xmlns="" val="1124546490"/>
                     </a:ext>
                   </a:extLst>
                 </a:gridCol>
@@ -13386,7 +13461,7 @@
                 </a:tc>
                 <a:extLst>
                   <a:ext uri="{0D108BD9-81ED-4DB2-BD59-A6C34878D82A}">
-                    <a16:rowId xmlns="" xmlns:a16="http://schemas.microsoft.com/office/drawing/2014/main" val="679667022"/>
+                    <a16:rowId xmlns:a16="http://schemas.microsoft.com/office/drawing/2014/main" xmlns="" val="679667022"/>
                   </a:ext>
                 </a:extLst>
               </a:tr>
@@ -13434,7 +13509,7 @@
                 </a:tc>
                 <a:extLst>
                   <a:ext uri="{0D108BD9-81ED-4DB2-BD59-A6C34878D82A}">
-                    <a16:rowId xmlns="" xmlns:a16="http://schemas.microsoft.com/office/drawing/2014/main" val="2034482246"/>
+                    <a16:rowId xmlns:a16="http://schemas.microsoft.com/office/drawing/2014/main" xmlns="" val="2034482246"/>
                   </a:ext>
                 </a:extLst>
               </a:tr>
@@ -13490,7 +13565,7 @@
                 </a:tc>
                 <a:extLst>
                   <a:ext uri="{0D108BD9-81ED-4DB2-BD59-A6C34878D82A}">
-                    <a16:rowId xmlns="" xmlns:a16="http://schemas.microsoft.com/office/drawing/2014/main" val="682465758"/>
+                    <a16:rowId xmlns:a16="http://schemas.microsoft.com/office/drawing/2014/main" xmlns="" val="682465758"/>
                   </a:ext>
                 </a:extLst>
               </a:tr>
@@ -13542,7 +13617,7 @@
                 </a:tc>
                 <a:extLst>
                   <a:ext uri="{0D108BD9-81ED-4DB2-BD59-A6C34878D82A}">
-                    <a16:rowId xmlns="" xmlns:a16="http://schemas.microsoft.com/office/drawing/2014/main" val="4230228483"/>
+                    <a16:rowId xmlns:a16="http://schemas.microsoft.com/office/drawing/2014/main" xmlns="" val="4230228483"/>
                   </a:ext>
                 </a:extLst>
               </a:tr>
@@ -13829,7 +13904,7 @@
   <p:timing>
     <p:tnLst>
       <p:par>
-        <p:cTn xmlns:p14="http://schemas.microsoft.com/office/powerpoint/2010/main" id="1" dur="indefinite" restart="never" nodeType="tmRoot"/>
+        <p:cTn id="1" dur="indefinite" restart="never" nodeType="tmRoot"/>
       </p:par>
     </p:tnLst>
   </p:timing>
@@ -16972,21 +17047,21 @@
                 <a:gridCol w="2410409">
                   <a:extLst>
                     <a:ext uri="{9D8B030D-6E8A-4147-A177-3AD203B41FA5}">
-                      <a16:colId xmlns="" xmlns:a16="http://schemas.microsoft.com/office/drawing/2014/main" val="48614039"/>
+                      <a16:colId xmlns:a16="http://schemas.microsoft.com/office/drawing/2014/main" xmlns="" val="48614039"/>
                     </a:ext>
                   </a:extLst>
                 </a:gridCol>
                 <a:gridCol w="4106472">
                   <a:extLst>
                     <a:ext uri="{9D8B030D-6E8A-4147-A177-3AD203B41FA5}">
-                      <a16:colId xmlns="" xmlns:a16="http://schemas.microsoft.com/office/drawing/2014/main" val="1124546490"/>
+                      <a16:colId xmlns:a16="http://schemas.microsoft.com/office/drawing/2014/main" xmlns="" val="1124546490"/>
                     </a:ext>
                   </a:extLst>
                 </a:gridCol>
                 <a:gridCol w="4352925">
                   <a:extLst>
                     <a:ext uri="{9D8B030D-6E8A-4147-A177-3AD203B41FA5}">
-                      <a16:colId xmlns="" xmlns:a16="http://schemas.microsoft.com/office/drawing/2014/main" val="2996711397"/>
+                      <a16:colId xmlns:a16="http://schemas.microsoft.com/office/drawing/2014/main" xmlns="" val="2996711397"/>
                     </a:ext>
                   </a:extLst>
                 </a:gridCol>
@@ -17065,7 +17140,7 @@
                 </a:tc>
                 <a:extLst>
                   <a:ext uri="{0D108BD9-81ED-4DB2-BD59-A6C34878D82A}">
-                    <a16:rowId xmlns="" xmlns:a16="http://schemas.microsoft.com/office/drawing/2014/main" val="679667022"/>
+                    <a16:rowId xmlns:a16="http://schemas.microsoft.com/office/drawing/2014/main" xmlns="" val="679667022"/>
                   </a:ext>
                 </a:extLst>
               </a:tr>
@@ -17151,7 +17226,7 @@
                 </a:tc>
                 <a:extLst>
                   <a:ext uri="{0D108BD9-81ED-4DB2-BD59-A6C34878D82A}">
-                    <a16:rowId xmlns="" xmlns:a16="http://schemas.microsoft.com/office/drawing/2014/main" val="2034482246"/>
+                    <a16:rowId xmlns:a16="http://schemas.microsoft.com/office/drawing/2014/main" xmlns="" val="2034482246"/>
                   </a:ext>
                 </a:extLst>
               </a:tr>
@@ -17263,7 +17338,7 @@
                 </a:tc>
                 <a:extLst>
                   <a:ext uri="{0D108BD9-81ED-4DB2-BD59-A6C34878D82A}">
-                    <a16:rowId xmlns="" xmlns:a16="http://schemas.microsoft.com/office/drawing/2014/main" val="682465758"/>
+                    <a16:rowId xmlns:a16="http://schemas.microsoft.com/office/drawing/2014/main" xmlns="" val="682465758"/>
                   </a:ext>
                 </a:extLst>
               </a:tr>
@@ -17349,7 +17424,7 @@
                 </a:tc>
                 <a:extLst>
                   <a:ext uri="{0D108BD9-81ED-4DB2-BD59-A6C34878D82A}">
-                    <a16:rowId xmlns="" xmlns:a16="http://schemas.microsoft.com/office/drawing/2014/main" val="4230228483"/>
+                    <a16:rowId xmlns:a16="http://schemas.microsoft.com/office/drawing/2014/main" xmlns="" val="4230228483"/>
                   </a:ext>
                 </a:extLst>
               </a:tr>
@@ -22981,7 +23056,7 @@
   <a:extraClrSchemeLst/>
   <a:extLst>
     <a:ext uri="{05A4C25C-085E-4340-85A3-A5531E510DB2}">
-      <thm15:themeFamily xmlns="" xmlns:thm15="http://schemas.microsoft.com/office/thememl/2012/main" name="Office Theme" id="{62F939B6-93AF-4DB8-9C6B-D6C7DFDC589F}" vid="{4A3C46E8-61CC-4603-A589-7422A47A8E4A}"/>
+      <thm15:themeFamily xmlns:thm15="http://schemas.microsoft.com/office/thememl/2012/main" name="Office Theme" id="{62F939B6-93AF-4DB8-9C6B-D6C7DFDC589F}" vid="{4A3C46E8-61CC-4603-A589-7422A47A8E4A}"/>
     </a:ext>
   </a:extLst>
 </a:theme>
@@ -23276,7 +23351,7 @@
   <a:extraClrSchemeLst/>
   <a:extLst>
     <a:ext uri="{05A4C25C-085E-4340-85A3-A5531E510DB2}">
-      <thm15:themeFamily xmlns="" xmlns:thm15="http://schemas.microsoft.com/office/thememl/2012/main" name="Office Theme" id="{62F939B6-93AF-4DB8-9C6B-D6C7DFDC589F}" vid="{4A3C46E8-61CC-4603-A589-7422A47A8E4A}"/>
+      <thm15:themeFamily xmlns:thm15="http://schemas.microsoft.com/office/thememl/2012/main" name="Office Theme" id="{62F939B6-93AF-4DB8-9C6B-D6C7DFDC589F}" vid="{4A3C46E8-61CC-4603-A589-7422A47A8E4A}"/>
     </a:ext>
   </a:extLst>
 </a:theme>

--- a/Complimentary Course Content/Module3/Lessons/Module3_Lesson01 Mobile Development Survey.pptx
+++ b/Complimentary Course Content/Module3/Lessons/Module3_Lesson01 Mobile Development Survey.pptx
@@ -5,7 +5,7 @@
     <p:sldMasterId id="2147483648" r:id="rId1"/>
   </p:sldMasterIdLst>
   <p:notesMasterIdLst>
-    <p:notesMasterId r:id="rId31"/>
+    <p:notesMasterId r:id="rId32"/>
   </p:notesMasterIdLst>
   <p:sldIdLst>
     <p:sldId id="256" r:id="rId2"/>
@@ -26,17 +26,18 @@
     <p:sldId id="307" r:id="rId17"/>
     <p:sldId id="306" r:id="rId18"/>
     <p:sldId id="334" r:id="rId19"/>
-    <p:sldId id="309" r:id="rId20"/>
-    <p:sldId id="278" r:id="rId21"/>
-    <p:sldId id="310" r:id="rId22"/>
-    <p:sldId id="311" r:id="rId23"/>
-    <p:sldId id="335" r:id="rId24"/>
-    <p:sldId id="336" r:id="rId25"/>
-    <p:sldId id="313" r:id="rId26"/>
-    <p:sldId id="314" r:id="rId27"/>
-    <p:sldId id="315" r:id="rId28"/>
-    <p:sldId id="316" r:id="rId29"/>
-    <p:sldId id="333" r:id="rId30"/>
+    <p:sldId id="337" r:id="rId20"/>
+    <p:sldId id="309" r:id="rId21"/>
+    <p:sldId id="278" r:id="rId22"/>
+    <p:sldId id="310" r:id="rId23"/>
+    <p:sldId id="311" r:id="rId24"/>
+    <p:sldId id="335" r:id="rId25"/>
+    <p:sldId id="336" r:id="rId26"/>
+    <p:sldId id="313" r:id="rId27"/>
+    <p:sldId id="314" r:id="rId28"/>
+    <p:sldId id="315" r:id="rId29"/>
+    <p:sldId id="316" r:id="rId30"/>
+    <p:sldId id="333" r:id="rId31"/>
   </p:sldIdLst>
   <p:sldSz cx="12192000" cy="6858000"/>
   <p:notesSz cx="6858000" cy="9144000"/>
@@ -261,7 +262,7 @@
             <a:fld id="{49B60EF2-7028-489F-85D8-FE86CD7CF2A0}" type="datetimeFigureOut">
               <a:rPr lang="en-US" smtClean="0"/>
               <a:pPr/>
-              <a:t>9/9/16</a:t>
+              <a:t>11/1/16</a:t>
             </a:fld>
             <a:endParaRPr lang="en-US"/>
           </a:p>
@@ -574,7 +575,7 @@
           <a:lstStyle/>
           <a:p>
             <a:r>
-              <a:rPr lang="en-US" sz="1200" b="0" i="0" kern="1200" dirty="0" smtClean="0">
+              <a:rPr lang="en-US" sz="1200" b="0" i="0" kern="1200" dirty="0">
                 <a:solidFill>
                   <a:schemeClr val="tx1"/>
                 </a:solidFill>
@@ -586,7 +587,7 @@
               <a:t>Images and excerpts from </a:t>
             </a:r>
             <a:r>
-              <a:rPr lang="en-US" sz="1200" b="0" i="1" kern="1200" dirty="0" err="1" smtClean="0">
+              <a:rPr lang="en-US" sz="1200" b="0" i="1" kern="1200" dirty="0" err="1">
                 <a:solidFill>
                   <a:schemeClr val="tx1"/>
                 </a:solidFill>
@@ -598,7 +599,7 @@
               <a:t>Xamarin</a:t>
             </a:r>
             <a:r>
-              <a:rPr lang="en-US" sz="1200" b="0" i="1" kern="1200" dirty="0" smtClean="0">
+              <a:rPr lang="en-US" sz="1200" b="0" i="1" kern="1200" dirty="0">
                 <a:solidFill>
                   <a:schemeClr val="tx1"/>
                 </a:solidFill>
@@ -610,7 +611,7 @@
               <a:t> Mobile Application Development </a:t>
             </a:r>
             <a:r>
-              <a:rPr lang="en-US" sz="1200" b="0" i="0" kern="1200" dirty="0" smtClean="0">
+              <a:rPr lang="en-US" sz="1200" b="0" i="0" kern="1200" dirty="0">
                 <a:solidFill>
                   <a:schemeClr val="tx1"/>
                 </a:solidFill>
@@ -622,7 +623,7 @@
               <a:t>by Dan Hermes, published by </a:t>
             </a:r>
             <a:r>
-              <a:rPr lang="en-US" sz="1200" b="0" i="0" kern="1200" dirty="0" err="1" smtClean="0">
+              <a:rPr lang="en-US" sz="1200" b="0" i="0" kern="1200" dirty="0" err="1">
                 <a:solidFill>
                   <a:schemeClr val="tx1"/>
                 </a:solidFill>
@@ -634,7 +635,7 @@
               <a:t>Apress</a:t>
             </a:r>
             <a:r>
-              <a:rPr lang="en-US" sz="1200" b="0" i="0" kern="1200" dirty="0" smtClean="0">
+              <a:rPr lang="en-US" sz="1200" b="0" i="0" kern="1200" dirty="0">
                 <a:solidFill>
                   <a:schemeClr val="tx1"/>
                 </a:solidFill>
@@ -648,7 +649,7 @@
           </a:p>
           <a:p>
             <a:r>
-              <a:rPr lang="en-US" sz="1200" b="0" i="0" kern="1200" dirty="0" smtClean="0">
+              <a:rPr lang="en-US" sz="1200" b="0" i="0" kern="1200" dirty="0">
                 <a:solidFill>
                   <a:schemeClr val="tx1"/>
                 </a:solidFill>
@@ -661,7 +662,7 @@
               <a:t>http://www.mobilecsharpcafe.com/xamarin</a:t>
             </a:r>
             <a:r>
-              <a:rPr lang="en-US" sz="1200" b="0" i="0" kern="1200" smtClean="0">
+              <a:rPr lang="en-US" sz="1200" b="0" i="0" kern="1200">
                 <a:solidFill>
                   <a:schemeClr val="tx1"/>
                 </a:solidFill>
@@ -1725,15 +1726,7 @@
             </a:pPr>
             <a:r>
               <a:rPr lang="en-US" dirty="0"/>
-              <a:t> Many cross-platform mobile frameworks exist, although some don’t support all phones (like </a:t>
-            </a:r>
-            <a:r>
-              <a:rPr lang="en-US" dirty="0" smtClean="0"/>
-              <a:t>Windows)</a:t>
-            </a:r>
-            <a:r>
-              <a:rPr lang="en-US" dirty="0"/>
-              <a:t>. </a:t>
+              <a:t> Many cross-platform mobile frameworks exist, although some don’t support all phones (like Windows). </a:t>
             </a:r>
           </a:p>
           <a:p>
@@ -1938,7 +1931,7 @@
               <a:defRPr/>
             </a:pPr>
             <a:r>
-              <a:rPr lang="en-US" b="1" dirty="0" smtClean="0"/>
+              <a:rPr lang="en-US" b="1" dirty="0"/>
               <a:t>Notes:</a:t>
             </a:r>
           </a:p>
@@ -1961,7 +1954,7 @@
               <a:defRPr/>
             </a:pPr>
             <a:r>
-              <a:rPr lang="en-US" b="0" baseline="0" dirty="0" smtClean="0"/>
+              <a:rPr lang="en-US" b="0" baseline="0" dirty="0"/>
               <a:t>1 language, 1 IDE that can be implemented by different technologies:</a:t>
             </a:r>
           </a:p>
@@ -1984,7 +1977,7 @@
               <a:defRPr/>
             </a:pPr>
             <a:r>
-              <a:rPr lang="en-US" b="0" baseline="0" dirty="0" smtClean="0"/>
+              <a:rPr lang="en-US" b="0" baseline="0" dirty="0"/>
               <a:t>Objective C/Swift (or)</a:t>
             </a:r>
           </a:p>
@@ -2007,7 +2000,7 @@
               <a:defRPr/>
             </a:pPr>
             <a:r>
-              <a:rPr lang="en-US" b="0" baseline="0" dirty="0" smtClean="0"/>
+              <a:rPr lang="en-US" b="0" baseline="0" dirty="0"/>
               <a:t>Java (or)</a:t>
             </a:r>
           </a:p>
@@ -2030,7 +2023,7 @@
               <a:defRPr/>
             </a:pPr>
             <a:r>
-              <a:rPr lang="en-US" b="0" baseline="0" dirty="0" smtClean="0"/>
+              <a:rPr lang="en-US" b="0" baseline="0" dirty="0"/>
               <a:t>C#</a:t>
             </a:r>
           </a:p>
@@ -2128,7 +2121,7 @@
               </a:spcAft>
               <a:buClrTx/>
               <a:buSzTx/>
-              <a:buFontTx/>
+              <a:buFont typeface="Arial" panose="020B0604020202020204" pitchFamily="34" charset="0"/>
               <a:buNone/>
               <a:tabLst/>
               <a:defRPr/>
@@ -2136,127 +2129,6 @@
             <a:r>
               <a:rPr lang="en-US" b="1" dirty="0"/>
               <a:t>Notes:</a:t>
-            </a:r>
-          </a:p>
-          <a:p>
-            <a:pPr marL="0" marR="0" lvl="0" indent="0" algn="l" defTabSz="914400" rtl="0" eaLnBrk="1" fontAlgn="auto" latinLnBrk="0" hangingPunct="1">
-              <a:lnSpc>
-                <a:spcPct val="100000"/>
-              </a:lnSpc>
-              <a:spcBef>
-                <a:spcPts val="0"/>
-              </a:spcBef>
-              <a:spcAft>
-                <a:spcPts val="0"/>
-              </a:spcAft>
-              <a:buClrTx/>
-              <a:buSzTx/>
-              <a:buFont typeface="Arial" pitchFamily="34" charset="0"/>
-              <a:buChar char="•"/>
-              <a:tabLst/>
-              <a:defRPr/>
-            </a:pPr>
-            <a:r>
-              <a:rPr lang="en-US" dirty="0"/>
-              <a:t> </a:t>
-            </a:r>
-            <a:r>
-              <a:rPr lang="en-US" dirty="0" err="1"/>
-              <a:t>Xamarin</a:t>
-            </a:r>
-            <a:r>
-              <a:rPr lang="en-US" dirty="0"/>
-              <a:t> is the only major framework that compiles to respective native binaries for a 100% native application. </a:t>
-            </a:r>
-          </a:p>
-          <a:p>
-            <a:pPr marL="0" marR="0" lvl="0" indent="0" algn="l" defTabSz="914400" rtl="0" eaLnBrk="1" fontAlgn="auto" latinLnBrk="0" hangingPunct="1">
-              <a:lnSpc>
-                <a:spcPct val="100000"/>
-              </a:lnSpc>
-              <a:spcBef>
-                <a:spcPts val="0"/>
-              </a:spcBef>
-              <a:spcAft>
-                <a:spcPts val="0"/>
-              </a:spcAft>
-              <a:buClrTx/>
-              <a:buSzTx/>
-              <a:buFont typeface="Arial" pitchFamily="34" charset="0"/>
-              <a:buChar char="•"/>
-              <a:tabLst/>
-              <a:defRPr/>
-            </a:pPr>
-            <a:r>
-              <a:rPr lang="en-US" dirty="0"/>
-              <a:t> </a:t>
-            </a:r>
-            <a:r>
-              <a:rPr lang="en-US" dirty="0" err="1"/>
-              <a:t>Appcelerator’s</a:t>
-            </a:r>
-            <a:r>
-              <a:rPr lang="en-US" dirty="0"/>
-              <a:t> Titanium, </a:t>
-            </a:r>
-            <a:r>
-              <a:rPr lang="en-US" dirty="0" err="1"/>
-              <a:t>Telerik’s</a:t>
-            </a:r>
-            <a:r>
-              <a:rPr lang="en-US" dirty="0"/>
-              <a:t> </a:t>
-            </a:r>
-            <a:r>
-              <a:rPr lang="en-US" dirty="0" err="1"/>
-              <a:t>NativeScript</a:t>
-            </a:r>
-            <a:r>
-              <a:rPr lang="en-US" dirty="0"/>
-              <a:t> and Facebook’s React Native have 100% native UIs but offshore their logic to the native JavaScript engine.</a:t>
-            </a:r>
-          </a:p>
-          <a:p>
-            <a:pPr marL="0" marR="0" lvl="0" indent="0" algn="l" defTabSz="914400" rtl="0" eaLnBrk="1" fontAlgn="auto" latinLnBrk="0" hangingPunct="1">
-              <a:lnSpc>
-                <a:spcPct val="100000"/>
-              </a:lnSpc>
-              <a:spcBef>
-                <a:spcPts val="0"/>
-              </a:spcBef>
-              <a:spcAft>
-                <a:spcPts val="0"/>
-              </a:spcAft>
-              <a:buClrTx/>
-              <a:buSzTx/>
-              <a:buFontTx/>
-              <a:buNone/>
-              <a:tabLst/>
-              <a:defRPr/>
-            </a:pPr>
-            <a:endParaRPr lang="en-US" dirty="0"/>
-          </a:p>
-          <a:p>
-            <a:pPr marL="0" marR="0" lvl="0" indent="0" algn="l" defTabSz="914400" rtl="0" eaLnBrk="1" fontAlgn="auto" latinLnBrk="0" hangingPunct="1">
-              <a:lnSpc>
-                <a:spcPct val="100000"/>
-              </a:lnSpc>
-              <a:spcBef>
-                <a:spcPts val="0"/>
-              </a:spcBef>
-              <a:spcAft>
-                <a:spcPts val="0"/>
-              </a:spcAft>
-              <a:buClrTx/>
-              <a:buSzTx/>
-              <a:buFontTx/>
-              <a:buNone/>
-              <a:tabLst/>
-              <a:defRPr/>
-            </a:pPr>
-            <a:r>
-              <a:rPr lang="en-US" b="1" dirty="0"/>
-              <a:t>References:</a:t>
             </a:r>
           </a:p>
           <a:p>
@@ -2272,22 +2144,14 @@
               </a:spcAft>
               <a:buClrTx/>
               <a:buSzTx/>
-              <a:buFont typeface="Arial"/>
+              <a:buFont typeface="Arial" panose="020B0604020202020204" pitchFamily="34" charset="0"/>
               <a:buChar char="•"/>
               <a:tabLst/>
               <a:defRPr/>
             </a:pPr>
             <a:r>
-              <a:rPr lang="en-US" dirty="0"/>
-              <a:t>https://</a:t>
-            </a:r>
-            <a:r>
-              <a:rPr lang="en-US" dirty="0" err="1"/>
-              <a:t>www.xamarin.com</a:t>
-            </a:r>
-            <a:r>
-              <a:rPr lang="en-US" dirty="0"/>
-              <a:t>/</a:t>
+              <a:rPr lang="en-US" baseline="0" dirty="0"/>
+              <a:t>Xamarin.Forms with UWP gives us the Windows 10 phones and desktops</a:t>
             </a:r>
           </a:p>
           <a:p>
@@ -2303,22 +2167,14 @@
               </a:spcAft>
               <a:buClrTx/>
               <a:buSzTx/>
-              <a:buFont typeface="Arial"/>
+              <a:buFont typeface="Arial" panose="020B0604020202020204" pitchFamily="34" charset="0"/>
               <a:buChar char="•"/>
               <a:tabLst/>
               <a:defRPr/>
             </a:pPr>
             <a:r>
-              <a:rPr lang="en-US" dirty="0"/>
-              <a:t>http://</a:t>
-            </a:r>
-            <a:r>
-              <a:rPr lang="en-US" dirty="0" err="1"/>
-              <a:t>www.appcelerator.com</a:t>
-            </a:r>
-            <a:r>
-              <a:rPr lang="en-US" dirty="0"/>
-              <a:t>/</a:t>
+              <a:rPr lang="en-US" baseline="0" dirty="0"/>
+              <a:t>Windows 8 and 8.1 phones still work with Xamarin.Forms but require a Windows 8 Phone project type (not a UWP project).</a:t>
             </a:r>
           </a:p>
           <a:p>
@@ -2334,89 +2190,12 @@
               </a:spcAft>
               <a:buClrTx/>
               <a:buSzTx/>
-              <a:buFont typeface="Arial"/>
+              <a:buFont typeface="Arial" panose="020B0604020202020204" pitchFamily="34" charset="0"/>
               <a:buChar char="•"/>
               <a:tabLst/>
               <a:defRPr/>
             </a:pPr>
-            <a:r>
-              <a:rPr lang="en-US" dirty="0"/>
-              <a:t>https://</a:t>
-            </a:r>
-            <a:r>
-              <a:rPr lang="en-US" dirty="0" err="1"/>
-              <a:t>facebook.github.io</a:t>
-            </a:r>
-            <a:r>
-              <a:rPr lang="en-US" dirty="0"/>
-              <a:t>/react-native/</a:t>
-            </a:r>
-          </a:p>
-          <a:p>
-            <a:pPr marL="171450" marR="0" lvl="0" indent="-171450" algn="l" defTabSz="914400" rtl="0" eaLnBrk="1" fontAlgn="auto" latinLnBrk="0" hangingPunct="1">
-              <a:lnSpc>
-                <a:spcPct val="100000"/>
-              </a:lnSpc>
-              <a:spcBef>
-                <a:spcPts val="0"/>
-              </a:spcBef>
-              <a:spcAft>
-                <a:spcPts val="0"/>
-              </a:spcAft>
-              <a:buClrTx/>
-              <a:buSzTx/>
-              <a:buFont typeface="Arial"/>
-              <a:buChar char="•"/>
-              <a:tabLst/>
-              <a:defRPr/>
-            </a:pPr>
-            <a:r>
-              <a:rPr lang="en-US" dirty="0"/>
-              <a:t>https://</a:t>
-            </a:r>
-            <a:r>
-              <a:rPr lang="en-US" dirty="0" err="1"/>
-              <a:t>www.nativescript.org</a:t>
-            </a:r>
-            <a:r>
-              <a:rPr lang="en-US" dirty="0"/>
-              <a:t>/</a:t>
-            </a:r>
-          </a:p>
-          <a:p>
-            <a:pPr marL="171450" marR="0" lvl="0" indent="-171450" algn="l" defTabSz="914400" rtl="0" eaLnBrk="1" fontAlgn="auto" latinLnBrk="0" hangingPunct="1">
-              <a:lnSpc>
-                <a:spcPct val="100000"/>
-              </a:lnSpc>
-              <a:spcBef>
-                <a:spcPts val="0"/>
-              </a:spcBef>
-              <a:spcAft>
-                <a:spcPts val="0"/>
-              </a:spcAft>
-              <a:buClrTx/>
-              <a:buSzTx/>
-              <a:buFont typeface="Arial"/>
-              <a:buChar char="•"/>
-              <a:tabLst/>
-              <a:defRPr/>
-            </a:pPr>
-            <a:r>
-              <a:rPr lang="en-US" dirty="0"/>
-              <a:t>https://</a:t>
-            </a:r>
-            <a:r>
-              <a:rPr lang="en-US" dirty="0" err="1"/>
-              <a:t>cordova.apache.org</a:t>
-            </a:r>
             <a:endParaRPr lang="en-US" dirty="0"/>
-          </a:p>
-          <a:p>
-            <a:pPr marL="171450" indent="-171450">
-              <a:buFont typeface="Arial"/>
-              <a:buChar char="•"/>
-            </a:pPr>
-            <a:endParaRPr lang="en-US" altLang="ko-KR" dirty="0"/>
           </a:p>
         </p:txBody>
       </p:sp>
@@ -2446,7 +2225,7 @@
     </p:spTree>
     <p:extLst>
       <p:ext uri="{BB962C8B-B14F-4D97-AF65-F5344CB8AC3E}">
-        <p14:creationId xmlns:p14="http://schemas.microsoft.com/office/powerpoint/2010/main" val="1221257791"/>
+        <p14:creationId xmlns:p14="http://schemas.microsoft.com/office/powerpoint/2010/main" val="1424196720"/>
       </p:ext>
     </p:extLst>
   </p:cSld>
@@ -2521,10 +2300,6 @@
               <a:rPr lang="en-US" b="1" dirty="0"/>
               <a:t>Notes:</a:t>
             </a:r>
-            <a:r>
-              <a:rPr lang="en-US" b="1" baseline="0" dirty="0"/>
-              <a:t> </a:t>
-            </a:r>
           </a:p>
           <a:p>
             <a:pPr marL="0" marR="0" lvl="0" indent="0" algn="l" defTabSz="914400" rtl="0" eaLnBrk="1" fontAlgn="auto" latinLnBrk="0" hangingPunct="1">
@@ -2545,20 +2320,16 @@
               <a:defRPr/>
             </a:pPr>
             <a:r>
-              <a:rPr lang="en-US" b="1" baseline="0" dirty="0"/>
+              <a:rPr lang="en-US" dirty="0"/>
               <a:t> </a:t>
             </a:r>
             <a:r>
-              <a:rPr lang="en-US" b="0" baseline="0" dirty="0" err="1"/>
+              <a:rPr lang="en-US" dirty="0" err="1"/>
               <a:t>Xamarin</a:t>
             </a:r>
             <a:r>
-              <a:rPr lang="en-US" b="0" baseline="0" dirty="0"/>
-              <a:t> b</a:t>
-            </a:r>
-            <a:r>
               <a:rPr lang="en-US" dirty="0"/>
-              <a:t>ackend is mostly shared code, though some platform-specific code may be necessary.</a:t>
+              <a:t> is the only major framework that compiles to respective native binaries for a 100% native application. </a:t>
             </a:r>
           </a:p>
           <a:p>
@@ -2580,50 +2351,33 @@
               <a:defRPr/>
             </a:pPr>
             <a:r>
-              <a:rPr lang="en-US" baseline="0" dirty="0"/>
+              <a:rPr lang="en-US" dirty="0"/>
               <a:t> </a:t>
             </a:r>
             <a:r>
+              <a:rPr lang="en-US" dirty="0" err="1"/>
+              <a:t>Appcelerator’s</a:t>
+            </a:r>
+            <a:r>
               <a:rPr lang="en-US" dirty="0"/>
-              <a:t>UI code can be shared with </a:t>
+              <a:t> Titanium, </a:t>
             </a:r>
             <a:r>
               <a:rPr lang="en-US" dirty="0" err="1"/>
-              <a:t>Xamarin.Forms</a:t>
+              <a:t>Telerik’s</a:t>
             </a:r>
             <a:r>
               <a:rPr lang="en-US" dirty="0"/>
-              <a:t> (explained in a later lesson); otherwise, UI code is platform-specific. </a:t>
-            </a:r>
-            <a:endParaRPr lang="en-US" dirty="0" smtClean="0"/>
-          </a:p>
-          <a:p>
-            <a:pPr marL="457200" marR="0" lvl="1" indent="0" algn="l" defTabSz="914400" rtl="0" eaLnBrk="1" fontAlgn="auto" latinLnBrk="0" hangingPunct="1">
-              <a:lnSpc>
-                <a:spcPct val="100000"/>
-              </a:lnSpc>
-              <a:spcBef>
-                <a:spcPts val="0"/>
-              </a:spcBef>
-              <a:spcAft>
-                <a:spcPts val="0"/>
-              </a:spcAft>
-              <a:buClrTx/>
-              <a:buSzTx/>
-              <a:buFont typeface="Arial" pitchFamily="34" charset="0"/>
-              <a:buChar char="•"/>
-              <a:tabLst/>
-              <a:defRPr/>
-            </a:pPr>
-            <a:r>
-              <a:rPr lang="en-US" dirty="0" smtClean="0"/>
-              <a:t>C#</a:t>
-            </a:r>
-            <a:r>
-              <a:rPr lang="en-US" baseline="0" dirty="0" smtClean="0"/>
-              <a:t> UI piece is much more complex – Layouts &amp; XAML, etc.</a:t>
-            </a:r>
-            <a:endParaRPr lang="en-US" dirty="0"/>
+              <a:t> </a:t>
+            </a:r>
+            <a:r>
+              <a:rPr lang="en-US" dirty="0" err="1"/>
+              <a:t>NativeScript</a:t>
+            </a:r>
+            <a:r>
+              <a:rPr lang="en-US" dirty="0"/>
+              <a:t> and Facebook’s React Native have 100% native UIs but offshore their logic to the native JavaScript engine.</a:t>
+            </a:r>
           </a:p>
           <a:p>
             <a:pPr marL="0" marR="0" lvl="0" indent="0" algn="l" defTabSz="914400" rtl="0" eaLnBrk="1" fontAlgn="auto" latinLnBrk="0" hangingPunct="1">
@@ -2638,15 +2392,12 @@
               </a:spcAft>
               <a:buClrTx/>
               <a:buSzTx/>
-              <a:buFont typeface="Arial" pitchFamily="34" charset="0"/>
-              <a:buChar char="•"/>
+              <a:buFontTx/>
+              <a:buNone/>
               <a:tabLst/>
               <a:defRPr/>
             </a:pPr>
-            <a:r>
-              <a:rPr lang="en-US" dirty="0"/>
-              <a:t> Code reuse among the UIs is achievable (also explained later).</a:t>
-            </a:r>
+            <a:endParaRPr lang="en-US" dirty="0"/>
           </a:p>
           <a:p>
             <a:pPr marL="0" marR="0" lvl="0" indent="0" algn="l" defTabSz="914400" rtl="0" eaLnBrk="1" fontAlgn="auto" latinLnBrk="0" hangingPunct="1">
@@ -2661,19 +2412,174 @@
               </a:spcAft>
               <a:buClrTx/>
               <a:buSzTx/>
-              <a:buFont typeface="Arial" pitchFamily="34" charset="0"/>
+              <a:buFontTx/>
+              <a:buNone/>
+              <a:tabLst/>
+              <a:defRPr/>
+            </a:pPr>
+            <a:r>
+              <a:rPr lang="en-US" b="1" dirty="0"/>
+              <a:t>References:</a:t>
+            </a:r>
+          </a:p>
+          <a:p>
+            <a:pPr marL="171450" marR="0" lvl="0" indent="-171450" algn="l" defTabSz="914400" rtl="0" eaLnBrk="1" fontAlgn="auto" latinLnBrk="0" hangingPunct="1">
+              <a:lnSpc>
+                <a:spcPct val="100000"/>
+              </a:lnSpc>
+              <a:spcBef>
+                <a:spcPts val="0"/>
+              </a:spcBef>
+              <a:spcAft>
+                <a:spcPts val="0"/>
+              </a:spcAft>
+              <a:buClrTx/>
+              <a:buSzTx/>
+              <a:buFont typeface="Arial"/>
               <a:buChar char="•"/>
               <a:tabLst/>
               <a:defRPr/>
             </a:pPr>
             <a:r>
-              <a:rPr lang="en-US" baseline="0" dirty="0"/>
-              <a:t> </a:t>
-            </a:r>
-            <a:r>
               <a:rPr lang="en-US" dirty="0"/>
-              <a:t>Make stacked diagram for each approach.</a:t>
-            </a:r>
+              <a:t>https://</a:t>
+            </a:r>
+            <a:r>
+              <a:rPr lang="en-US" dirty="0" err="1"/>
+              <a:t>www.xamarin.com</a:t>
+            </a:r>
+            <a:r>
+              <a:rPr lang="en-US" dirty="0"/>
+              <a:t>/</a:t>
+            </a:r>
+          </a:p>
+          <a:p>
+            <a:pPr marL="171450" marR="0" lvl="0" indent="-171450" algn="l" defTabSz="914400" rtl="0" eaLnBrk="1" fontAlgn="auto" latinLnBrk="0" hangingPunct="1">
+              <a:lnSpc>
+                <a:spcPct val="100000"/>
+              </a:lnSpc>
+              <a:spcBef>
+                <a:spcPts val="0"/>
+              </a:spcBef>
+              <a:spcAft>
+                <a:spcPts val="0"/>
+              </a:spcAft>
+              <a:buClrTx/>
+              <a:buSzTx/>
+              <a:buFont typeface="Arial"/>
+              <a:buChar char="•"/>
+              <a:tabLst/>
+              <a:defRPr/>
+            </a:pPr>
+            <a:r>
+              <a:rPr lang="en-US" dirty="0"/>
+              <a:t>http://</a:t>
+            </a:r>
+            <a:r>
+              <a:rPr lang="en-US" dirty="0" err="1"/>
+              <a:t>www.appcelerator.com</a:t>
+            </a:r>
+            <a:r>
+              <a:rPr lang="en-US" dirty="0"/>
+              <a:t>/</a:t>
+            </a:r>
+          </a:p>
+          <a:p>
+            <a:pPr marL="171450" marR="0" lvl="0" indent="-171450" algn="l" defTabSz="914400" rtl="0" eaLnBrk="1" fontAlgn="auto" latinLnBrk="0" hangingPunct="1">
+              <a:lnSpc>
+                <a:spcPct val="100000"/>
+              </a:lnSpc>
+              <a:spcBef>
+                <a:spcPts val="0"/>
+              </a:spcBef>
+              <a:spcAft>
+                <a:spcPts val="0"/>
+              </a:spcAft>
+              <a:buClrTx/>
+              <a:buSzTx/>
+              <a:buFont typeface="Arial"/>
+              <a:buChar char="•"/>
+              <a:tabLst/>
+              <a:defRPr/>
+            </a:pPr>
+            <a:r>
+              <a:rPr lang="en-US" dirty="0"/>
+              <a:t>https://</a:t>
+            </a:r>
+            <a:r>
+              <a:rPr lang="en-US" dirty="0" err="1"/>
+              <a:t>facebook.github.io</a:t>
+            </a:r>
+            <a:r>
+              <a:rPr lang="en-US" dirty="0"/>
+              <a:t>/react-native/</a:t>
+            </a:r>
+          </a:p>
+          <a:p>
+            <a:pPr marL="171450" marR="0" lvl="0" indent="-171450" algn="l" defTabSz="914400" rtl="0" eaLnBrk="1" fontAlgn="auto" latinLnBrk="0" hangingPunct="1">
+              <a:lnSpc>
+                <a:spcPct val="100000"/>
+              </a:lnSpc>
+              <a:spcBef>
+                <a:spcPts val="0"/>
+              </a:spcBef>
+              <a:spcAft>
+                <a:spcPts val="0"/>
+              </a:spcAft>
+              <a:buClrTx/>
+              <a:buSzTx/>
+              <a:buFont typeface="Arial"/>
+              <a:buChar char="•"/>
+              <a:tabLst/>
+              <a:defRPr/>
+            </a:pPr>
+            <a:r>
+              <a:rPr lang="en-US" dirty="0"/>
+              <a:t>https://</a:t>
+            </a:r>
+            <a:r>
+              <a:rPr lang="en-US" dirty="0" err="1"/>
+              <a:t>www.nativescript.org</a:t>
+            </a:r>
+            <a:r>
+              <a:rPr lang="en-US" dirty="0"/>
+              <a:t>/</a:t>
+            </a:r>
+          </a:p>
+          <a:p>
+            <a:pPr marL="171450" marR="0" lvl="0" indent="-171450" algn="l" defTabSz="914400" rtl="0" eaLnBrk="1" fontAlgn="auto" latinLnBrk="0" hangingPunct="1">
+              <a:lnSpc>
+                <a:spcPct val="100000"/>
+              </a:lnSpc>
+              <a:spcBef>
+                <a:spcPts val="0"/>
+              </a:spcBef>
+              <a:spcAft>
+                <a:spcPts val="0"/>
+              </a:spcAft>
+              <a:buClrTx/>
+              <a:buSzTx/>
+              <a:buFont typeface="Arial"/>
+              <a:buChar char="•"/>
+              <a:tabLst/>
+              <a:defRPr/>
+            </a:pPr>
+            <a:r>
+              <a:rPr lang="en-US" dirty="0"/>
+              <a:t>https://</a:t>
+            </a:r>
+            <a:r>
+              <a:rPr lang="en-US" dirty="0" err="1"/>
+              <a:t>cordova.apache.org</a:t>
+            </a:r>
+            <a:endParaRPr lang="en-US" dirty="0"/>
+          </a:p>
+          <a:p>
+            <a:pPr marL="171450" indent="-171450">
+              <a:buFont typeface="Arial"/>
+              <a:buChar char="•"/>
+            </a:pPr>
+            <a:endParaRPr lang="en-US" altLang="ko-KR" dirty="0"/>
           </a:p>
         </p:txBody>
       </p:sp>
@@ -2694,7 +2600,6 @@
           <a:p>
             <a:fld id="{01283FAC-A721-45A3-BBDE-EAF2B09B7CD9}" type="slidenum">
               <a:rPr lang="en-US" smtClean="0"/>
-              <a:pPr/>
               <a:t>20</a:t>
             </a:fld>
             <a:endParaRPr lang="en-US"/>
@@ -2704,7 +2609,7 @@
     </p:spTree>
     <p:extLst>
       <p:ext uri="{BB962C8B-B14F-4D97-AF65-F5344CB8AC3E}">
-        <p14:creationId xmlns:p14="http://schemas.microsoft.com/office/powerpoint/2010/main" val="2172107473"/>
+        <p14:creationId xmlns:p14="http://schemas.microsoft.com/office/powerpoint/2010/main" val="1221257791"/>
       </p:ext>
     </p:extLst>
   </p:cSld>
@@ -2864,7 +2769,10 @@
               <a:rPr lang="en-US" b="1" dirty="0"/>
               <a:t>Notes:</a:t>
             </a:r>
-            <a:endParaRPr lang="en-US" b="0" dirty="0"/>
+            <a:r>
+              <a:rPr lang="en-US" b="1" baseline="0" dirty="0"/>
+              <a:t> </a:t>
+            </a:r>
           </a:p>
           <a:p>
             <a:pPr marL="0" marR="0" lvl="0" indent="0" algn="l" defTabSz="914400" rtl="0" eaLnBrk="1" fontAlgn="auto" latinLnBrk="0" hangingPunct="1">
@@ -2885,16 +2793,55 @@
               <a:defRPr/>
             </a:pPr>
             <a:r>
-              <a:rPr lang="en-US" b="0" dirty="0"/>
-              <a:t> These front-end shells represent</a:t>
+              <a:rPr lang="en-US" b="1" baseline="0" dirty="0"/>
+              <a:t> </a:t>
+            </a:r>
+            <a:r>
+              <a:rPr lang="en-US" b="0" baseline="0" dirty="0" err="1"/>
+              <a:t>Xamarin</a:t>
             </a:r>
             <a:r>
               <a:rPr lang="en-US" b="0" baseline="0" dirty="0"/>
-              <a:t> e</a:t>
+              <a:t> b</a:t>
             </a:r>
             <a:r>
               <a:rPr lang="en-US" dirty="0"/>
-              <a:t>ssentially two apps: the native app and JavaScript app. </a:t>
+              <a:t>ackend is mostly shared code, though some platform-specific code may be necessary.</a:t>
+            </a:r>
+          </a:p>
+          <a:p>
+            <a:pPr marL="0" marR="0" lvl="0" indent="0" algn="l" defTabSz="914400" rtl="0" eaLnBrk="1" fontAlgn="auto" latinLnBrk="0" hangingPunct="1">
+              <a:lnSpc>
+                <a:spcPct val="100000"/>
+              </a:lnSpc>
+              <a:spcBef>
+                <a:spcPts val="0"/>
+              </a:spcBef>
+              <a:spcAft>
+                <a:spcPts val="0"/>
+              </a:spcAft>
+              <a:buClrTx/>
+              <a:buSzTx/>
+              <a:buFont typeface="Arial" pitchFamily="34" charset="0"/>
+              <a:buChar char="•"/>
+              <a:tabLst/>
+              <a:defRPr/>
+            </a:pPr>
+            <a:r>
+              <a:rPr lang="en-US" baseline="0" dirty="0"/>
+              <a:t> </a:t>
+            </a:r>
+            <a:r>
+              <a:rPr lang="en-US" dirty="0"/>
+              <a:t>UI code can be shared with </a:t>
+            </a:r>
+            <a:r>
+              <a:rPr lang="en-US" dirty="0" err="1"/>
+              <a:t>Xamarin.Forms</a:t>
+            </a:r>
+            <a:r>
+              <a:rPr lang="en-US" dirty="0"/>
+              <a:t> (explained in a later lesson); otherwise, UI code is platform-specific. </a:t>
             </a:r>
           </a:p>
           <a:p>
@@ -2917,31 +2864,13 @@
             </a:pPr>
             <a:r>
               <a:rPr lang="en-US" dirty="0"/>
-              <a:t> Native app is just a UI. </a:t>
-            </a:r>
-          </a:p>
-          <a:p>
-            <a:pPr marL="457200" marR="0" lvl="1" indent="0" algn="l" defTabSz="914400" rtl="0" eaLnBrk="1" fontAlgn="auto" latinLnBrk="0" hangingPunct="1">
-              <a:lnSpc>
-                <a:spcPct val="100000"/>
-              </a:lnSpc>
-              <a:spcBef>
-                <a:spcPts val="0"/>
-              </a:spcBef>
-              <a:spcAft>
-                <a:spcPts val="0"/>
-              </a:spcAft>
-              <a:buClrTx/>
-              <a:buSzTx/>
-              <a:buFont typeface="Arial" pitchFamily="34" charset="0"/>
-              <a:buChar char="•"/>
-              <a:tabLst/>
-              <a:defRPr/>
-            </a:pPr>
-            <a:r>
-              <a:rPr lang="en-US" dirty="0"/>
-              <a:t> JavaScript app handles all the logic, web requests, data handling, etc.</a:t>
-            </a:r>
+              <a:t>C#</a:t>
+            </a:r>
+            <a:r>
+              <a:rPr lang="en-US" baseline="0" dirty="0"/>
+              <a:t> UI piece is much more complex – Layouts &amp; XAML, etc.</a:t>
+            </a:r>
+            <a:endParaRPr lang="en-US" dirty="0"/>
           </a:p>
           <a:p>
             <a:pPr marL="0" marR="0" lvl="0" indent="0" algn="l" defTabSz="914400" rtl="0" eaLnBrk="1" fontAlgn="auto" latinLnBrk="0" hangingPunct="1">
@@ -2963,13 +2892,8 @@
             </a:pPr>
             <a:r>
               <a:rPr lang="en-US" dirty="0"/>
-              <a:t> Functions are extremely</a:t>
-            </a:r>
-            <a:r>
-              <a:rPr lang="en-US" baseline="0" dirty="0"/>
-              <a:t> similar for all three frameworks.</a:t>
-            </a:r>
-            <a:endParaRPr lang="en-US" dirty="0"/>
+              <a:t> Code reuse among the UIs is achievable (also explained later).</a:t>
+            </a:r>
           </a:p>
           <a:p>
             <a:pPr marL="0" marR="0" lvl="0" indent="0" algn="l" defTabSz="914400" rtl="0" eaLnBrk="1" fontAlgn="auto" latinLnBrk="0" hangingPunct="1">
@@ -2984,73 +2908,18 @@
               </a:spcAft>
               <a:buClrTx/>
               <a:buSzTx/>
-              <a:buFontTx/>
-              <a:buNone/>
-              <a:tabLst/>
-              <a:defRPr/>
-            </a:pPr>
-            <a:endParaRPr lang="en-US" dirty="0"/>
-          </a:p>
-          <a:p>
-            <a:pPr marL="0" marR="0" lvl="0" indent="0" algn="l" defTabSz="914400" rtl="0" eaLnBrk="1" fontAlgn="auto" latinLnBrk="0" hangingPunct="1">
-              <a:lnSpc>
-                <a:spcPct val="100000"/>
-              </a:lnSpc>
-              <a:spcBef>
-                <a:spcPts val="0"/>
-              </a:spcBef>
-              <a:spcAft>
-                <a:spcPts val="0"/>
-              </a:spcAft>
-              <a:buClrTx/>
-              <a:buSzTx/>
-              <a:buFontTx/>
-              <a:buNone/>
-              <a:tabLst/>
-              <a:defRPr/>
-            </a:pPr>
-            <a:r>
-              <a:rPr lang="en-US" b="1" dirty="0"/>
-              <a:t>References:</a:t>
-            </a:r>
-          </a:p>
-          <a:p>
-            <a:pPr marL="171450" marR="0" lvl="0" indent="-171450" algn="l" defTabSz="914400" rtl="0" eaLnBrk="1" fontAlgn="auto" latinLnBrk="0" hangingPunct="1">
-              <a:lnSpc>
-                <a:spcPct val="100000"/>
-              </a:lnSpc>
-              <a:spcBef>
-                <a:spcPts val="0"/>
-              </a:spcBef>
-              <a:spcAft>
-                <a:spcPts val="0"/>
-              </a:spcAft>
-              <a:buClrTx/>
-              <a:buSzTx/>
-              <a:buFont typeface="Arial"/>
+              <a:buFont typeface="Arial" pitchFamily="34" charset="0"/>
               <a:buChar char="•"/>
               <a:tabLst/>
               <a:defRPr/>
             </a:pPr>
             <a:r>
+              <a:rPr lang="en-US" baseline="0" dirty="0"/>
+              <a:t> </a:t>
+            </a:r>
+            <a:r>
               <a:rPr lang="en-US" dirty="0"/>
-              <a:t>http://</a:t>
-            </a:r>
-            <a:r>
-              <a:rPr lang="en-US" dirty="0" err="1"/>
-              <a:t>developer.telerik.com</a:t>
-            </a:r>
-            <a:r>
-              <a:rPr lang="en-US" dirty="0"/>
-              <a:t>/featured/</a:t>
-            </a:r>
-            <a:r>
-              <a:rPr lang="en-US" dirty="0" err="1"/>
-              <a:t>nativescript</a:t>
-            </a:r>
-            <a:r>
-              <a:rPr lang="en-US" dirty="0"/>
-              <a:t>-works/</a:t>
+              <a:t>Make stacked diagram for each approach.</a:t>
             </a:r>
           </a:p>
         </p:txBody>
@@ -3072,6 +2941,7 @@
           <a:p>
             <a:fld id="{01283FAC-A721-45A3-BBDE-EAF2B09B7CD9}" type="slidenum">
               <a:rPr lang="en-US" smtClean="0"/>
+              <a:pPr/>
               <a:t>21</a:t>
             </a:fld>
             <a:endParaRPr lang="en-US"/>
@@ -3081,7 +2951,7 @@
     </p:spTree>
     <p:extLst>
       <p:ext uri="{BB962C8B-B14F-4D97-AF65-F5344CB8AC3E}">
-        <p14:creationId xmlns:p14="http://schemas.microsoft.com/office/powerpoint/2010/main" val="1259508347"/>
+        <p14:creationId xmlns:p14="http://schemas.microsoft.com/office/powerpoint/2010/main" val="2172107473"/>
       </p:ext>
     </p:extLst>
   </p:cSld>
@@ -3156,6 +3026,7 @@
               <a:rPr lang="en-US" b="1" dirty="0"/>
               <a:t>Notes:</a:t>
             </a:r>
+            <a:endParaRPr lang="en-US" b="0" dirty="0"/>
           </a:p>
           <a:p>
             <a:pPr marL="0" marR="0" lvl="0" indent="0" algn="l" defTabSz="914400" rtl="0" eaLnBrk="1" fontAlgn="auto" latinLnBrk="0" hangingPunct="1">
@@ -3177,29 +3048,62 @@
             </a:pPr>
             <a:r>
               <a:rPr lang="en-US" b="0" dirty="0"/>
-              <a:t> JavaScript API:</a:t>
-            </a:r>
-          </a:p>
-          <a:p>
-            <a:pPr marL="628650" lvl="1" indent="-171450">
-              <a:buFont typeface="Arial" charset="0"/>
+              <a:t> These front-end shells represent</a:t>
+            </a:r>
+            <a:r>
+              <a:rPr lang="en-US" b="0" baseline="0" dirty="0"/>
+              <a:t> e</a:t>
+            </a:r>
+            <a:r>
+              <a:rPr lang="en-US" dirty="0"/>
+              <a:t>ssentially two apps: the native app and JavaScript app. </a:t>
+            </a:r>
+          </a:p>
+          <a:p>
+            <a:pPr marL="457200" marR="0" lvl="1" indent="0" algn="l" defTabSz="914400" rtl="0" eaLnBrk="1" fontAlgn="auto" latinLnBrk="0" hangingPunct="1">
+              <a:lnSpc>
+                <a:spcPct val="100000"/>
+              </a:lnSpc>
+              <a:spcBef>
+                <a:spcPts val="0"/>
+              </a:spcBef>
+              <a:spcAft>
+                <a:spcPts val="0"/>
+              </a:spcAft>
+              <a:buClrTx/>
+              <a:buSzTx/>
+              <a:buFont typeface="Arial" pitchFamily="34" charset="0"/>
               <a:buChar char="•"/>
+              <a:tabLst/>
+              <a:defRPr/>
             </a:pPr>
             <a:r>
               <a:rPr lang="en-US" dirty="0"/>
-              <a:t>Basic support for device features</a:t>
-            </a:r>
-          </a:p>
-          <a:p>
-            <a:pPr marL="628650" lvl="1" indent="-171450">
-              <a:buFont typeface="Arial" charset="0"/>
+              <a:t> Native app is just a UI. </a:t>
+            </a:r>
+          </a:p>
+          <a:p>
+            <a:pPr marL="457200" marR="0" lvl="1" indent="0" algn="l" defTabSz="914400" rtl="0" eaLnBrk="1" fontAlgn="auto" latinLnBrk="0" hangingPunct="1">
+              <a:lnSpc>
+                <a:spcPct val="100000"/>
+              </a:lnSpc>
+              <a:spcBef>
+                <a:spcPts val="0"/>
+              </a:spcBef>
+              <a:spcAft>
+                <a:spcPts val="0"/>
+              </a:spcAft>
+              <a:buClrTx/>
+              <a:buSzTx/>
+              <a:buFont typeface="Arial" pitchFamily="34" charset="0"/>
               <a:buChar char="•"/>
+              <a:tabLst/>
+              <a:defRPr/>
             </a:pPr>
             <a:r>
               <a:rPr lang="en-US" dirty="0"/>
-              <a:t>Native plugins can be built to add support for other features</a:t>
-            </a:r>
-            <a:endParaRPr lang="en-US" b="0" dirty="0"/>
+              <a:t> JavaScript app handles all the logic, web requests, data handling, etc.</a:t>
+            </a:r>
           </a:p>
           <a:p>
             <a:pPr marL="0" marR="0" lvl="0" indent="0" algn="l" defTabSz="914400" rtl="0" eaLnBrk="1" fontAlgn="auto" latinLnBrk="0" hangingPunct="1">
@@ -3220,308 +3124,13 @@
               <a:defRPr/>
             </a:pPr>
             <a:r>
-              <a:rPr lang="en-US" b="0" dirty="0"/>
-              <a:t> </a:t>
-            </a:r>
-            <a:r>
-              <a:rPr lang="en-US" dirty="0" err="1"/>
-              <a:t>PhoneGap</a:t>
-            </a:r>
-            <a:r>
               <a:rPr lang="en-US" dirty="0"/>
-              <a:t> was the old name for Cordova. Apache acquired and then renamed it. </a:t>
-            </a:r>
-          </a:p>
-          <a:p>
-            <a:pPr marL="457200" marR="0" lvl="1" indent="0" algn="l" defTabSz="914400" rtl="0" eaLnBrk="1" fontAlgn="auto" latinLnBrk="0" hangingPunct="1">
-              <a:lnSpc>
-                <a:spcPct val="100000"/>
-              </a:lnSpc>
-              <a:spcBef>
-                <a:spcPts val="0"/>
-              </a:spcBef>
-              <a:spcAft>
-                <a:spcPts val="0"/>
-              </a:spcAft>
-              <a:buClrTx/>
-              <a:buSzTx/>
-              <a:buFont typeface="Arial" pitchFamily="34" charset="0"/>
-              <a:buChar char="•"/>
-              <a:tabLst/>
-              <a:defRPr/>
-            </a:pPr>
+              <a:t> Functions are extremely</a:t>
+            </a:r>
             <a:r>
               <a:rPr lang="en-US" baseline="0" dirty="0"/>
-              <a:t> </a:t>
-            </a:r>
-            <a:r>
-              <a:rPr lang="en-US" dirty="0" err="1"/>
-              <a:t>PhoneGap</a:t>
-            </a:r>
-            <a:r>
-              <a:rPr lang="en-US" dirty="0"/>
-              <a:t> is currently</a:t>
-            </a:r>
-            <a:r>
-              <a:rPr lang="en-US" baseline="0" dirty="0"/>
-              <a:t> a </a:t>
-            </a:r>
-            <a:r>
-              <a:rPr lang="en-US" dirty="0"/>
-              <a:t>distribution of Cordova. </a:t>
-            </a:r>
-          </a:p>
-          <a:p>
-            <a:pPr marL="457200" marR="0" lvl="1" indent="0" algn="l" defTabSz="914400" rtl="0" eaLnBrk="1" fontAlgn="auto" latinLnBrk="0" hangingPunct="1">
-              <a:lnSpc>
-                <a:spcPct val="100000"/>
-              </a:lnSpc>
-              <a:spcBef>
-                <a:spcPts val="0"/>
-              </a:spcBef>
-              <a:spcAft>
-                <a:spcPts val="0"/>
-              </a:spcAft>
-              <a:buClrTx/>
-              <a:buSzTx/>
-              <a:buFont typeface="Arial" pitchFamily="34" charset="0"/>
-              <a:buChar char="•"/>
-              <a:tabLst/>
-              <a:defRPr/>
-            </a:pPr>
-            <a:r>
-              <a:rPr lang="en-US" dirty="0"/>
-              <a:t> </a:t>
-            </a:r>
-            <a:r>
-              <a:rPr lang="en-US" dirty="0" err="1"/>
-              <a:t>PhoneGap</a:t>
-            </a:r>
-            <a:r>
-              <a:rPr lang="en-US" dirty="0"/>
-              <a:t> is Cordova with Apache tools on top of it (like </a:t>
-            </a:r>
-            <a:r>
-              <a:rPr lang="en-US" dirty="0" err="1"/>
-              <a:t>PhoneGap</a:t>
-            </a:r>
-            <a:r>
-              <a:rPr lang="en-US" dirty="0"/>
-              <a:t> Build) . </a:t>
-            </a:r>
-          </a:p>
-          <a:p>
-            <a:pPr marL="0" marR="0" lvl="0" indent="0" algn="l" defTabSz="914400" rtl="0" eaLnBrk="1" fontAlgn="auto" latinLnBrk="0" hangingPunct="1">
-              <a:lnSpc>
-                <a:spcPct val="100000"/>
-              </a:lnSpc>
-              <a:spcBef>
-                <a:spcPts val="0"/>
-              </a:spcBef>
-              <a:spcAft>
-                <a:spcPts val="0"/>
-              </a:spcAft>
-              <a:buClrTx/>
-              <a:buSzTx/>
-              <a:buFont typeface="Arial" pitchFamily="34" charset="0"/>
-              <a:buChar char="•"/>
-              <a:tabLst/>
-              <a:defRPr/>
-            </a:pPr>
-            <a:r>
-              <a:rPr lang="en-US" dirty="0"/>
-              <a:t> Cordova is essentially the only hybrid framework. </a:t>
-            </a:r>
-          </a:p>
-          <a:p>
-            <a:pPr marL="457200" marR="0" lvl="1" indent="0" algn="l" defTabSz="914400" rtl="0" eaLnBrk="1" fontAlgn="auto" latinLnBrk="0" hangingPunct="1">
-              <a:lnSpc>
-                <a:spcPct val="100000"/>
-              </a:lnSpc>
-              <a:spcBef>
-                <a:spcPts val="0"/>
-              </a:spcBef>
-              <a:spcAft>
-                <a:spcPts val="0"/>
-              </a:spcAft>
-              <a:buClrTx/>
-              <a:buSzTx/>
-              <a:buFont typeface="Arial" pitchFamily="34" charset="0"/>
-              <a:buChar char="•"/>
-              <a:tabLst/>
-              <a:defRPr/>
-            </a:pPr>
-            <a:r>
-              <a:rPr lang="en-US" dirty="0"/>
-              <a:t> Almost all other hybrid frameworks are built on top of it to reduce the pains of hybrid development</a:t>
-            </a:r>
-          </a:p>
-          <a:p>
-            <a:pPr marL="0" marR="0" lvl="0" indent="0" algn="l" defTabSz="914400" rtl="0" eaLnBrk="1" fontAlgn="auto" latinLnBrk="0" hangingPunct="1">
-              <a:lnSpc>
-                <a:spcPct val="100000"/>
-              </a:lnSpc>
-              <a:spcBef>
-                <a:spcPts val="0"/>
-              </a:spcBef>
-              <a:spcAft>
-                <a:spcPts val="0"/>
-              </a:spcAft>
-              <a:buClrTx/>
-              <a:buSzTx/>
-              <a:buFont typeface="Arial" pitchFamily="34" charset="0"/>
-              <a:buChar char="•"/>
-              <a:tabLst/>
-              <a:defRPr/>
-            </a:pPr>
-            <a:r>
-              <a:rPr lang="en-US" dirty="0"/>
-              <a:t> UI frameworks are built on top of Cordova to make them look and feel like a real, native app instead of a website.</a:t>
-            </a:r>
-          </a:p>
-          <a:p>
-            <a:pPr marL="0" marR="0" lvl="0" indent="0" algn="l" defTabSz="914400" rtl="0" eaLnBrk="1" fontAlgn="auto" latinLnBrk="0" hangingPunct="1">
-              <a:lnSpc>
-                <a:spcPct val="100000"/>
-              </a:lnSpc>
-              <a:spcBef>
-                <a:spcPts val="0"/>
-              </a:spcBef>
-              <a:spcAft>
-                <a:spcPts val="0"/>
-              </a:spcAft>
-              <a:buClrTx/>
-              <a:buSzTx/>
-              <a:buFont typeface="Arial" pitchFamily="34" charset="0"/>
-              <a:buChar char="•"/>
-              <a:tabLst/>
-              <a:defRPr/>
-            </a:pPr>
-            <a:r>
-              <a:rPr lang="en-US" dirty="0"/>
-              <a:t> Frameworks built on top of Cordova:</a:t>
-            </a:r>
-          </a:p>
-          <a:p>
-            <a:pPr marL="457200" marR="0" lvl="1" indent="0" algn="l" defTabSz="914400" rtl="0" eaLnBrk="1" fontAlgn="auto" latinLnBrk="0" hangingPunct="1">
-              <a:lnSpc>
-                <a:spcPct val="100000"/>
-              </a:lnSpc>
-              <a:spcBef>
-                <a:spcPts val="0"/>
-              </a:spcBef>
-              <a:spcAft>
-                <a:spcPts val="0"/>
-              </a:spcAft>
-              <a:buClrTx/>
-              <a:buSzTx/>
-              <a:buFont typeface="Arial" pitchFamily="34" charset="0"/>
-              <a:buChar char="•"/>
-              <a:tabLst/>
-              <a:defRPr/>
-            </a:pPr>
-            <a:r>
-              <a:rPr lang="en-US" dirty="0"/>
-              <a:t> </a:t>
-            </a:r>
-            <a:r>
-              <a:rPr lang="en-US" dirty="0" err="1"/>
-              <a:t>PhoneGap</a:t>
-            </a:r>
-            <a:endParaRPr lang="en-US" dirty="0"/>
-          </a:p>
-          <a:p>
-            <a:pPr marL="457200" marR="0" lvl="1" indent="0" algn="l" defTabSz="914400" rtl="0" eaLnBrk="1" fontAlgn="auto" latinLnBrk="0" hangingPunct="1">
-              <a:lnSpc>
-                <a:spcPct val="100000"/>
-              </a:lnSpc>
-              <a:spcBef>
-                <a:spcPts val="0"/>
-              </a:spcBef>
-              <a:spcAft>
-                <a:spcPts val="0"/>
-              </a:spcAft>
-              <a:buClrTx/>
-              <a:buSzTx/>
-              <a:buFont typeface="Arial" pitchFamily="34" charset="0"/>
-              <a:buChar char="•"/>
-              <a:tabLst/>
-              <a:defRPr/>
-            </a:pPr>
-            <a:r>
-              <a:rPr lang="en-US" dirty="0"/>
-              <a:t> Ionic</a:t>
-            </a:r>
-          </a:p>
-          <a:p>
-            <a:pPr marL="457200" marR="0" lvl="1" indent="0" algn="l" defTabSz="914400" rtl="0" eaLnBrk="1" fontAlgn="auto" latinLnBrk="0" hangingPunct="1">
-              <a:lnSpc>
-                <a:spcPct val="100000"/>
-              </a:lnSpc>
-              <a:spcBef>
-                <a:spcPts val="0"/>
-              </a:spcBef>
-              <a:spcAft>
-                <a:spcPts val="0"/>
-              </a:spcAft>
-              <a:buClrTx/>
-              <a:buSzTx/>
-              <a:buFont typeface="Arial" pitchFamily="34" charset="0"/>
-              <a:buChar char="•"/>
-              <a:tabLst/>
-              <a:defRPr/>
-            </a:pPr>
-            <a:r>
-              <a:rPr lang="en-US" dirty="0"/>
-              <a:t> </a:t>
-            </a:r>
-            <a:r>
-              <a:rPr lang="en-US" dirty="0" err="1"/>
-              <a:t>Onsen</a:t>
-            </a:r>
-            <a:endParaRPr lang="en-US" dirty="0"/>
-          </a:p>
-          <a:p>
-            <a:pPr marL="457200" marR="0" lvl="1" indent="0" algn="l" defTabSz="914400" rtl="0" eaLnBrk="1" fontAlgn="auto" latinLnBrk="0" hangingPunct="1">
-              <a:lnSpc>
-                <a:spcPct val="100000"/>
-              </a:lnSpc>
-              <a:spcBef>
-                <a:spcPts val="0"/>
-              </a:spcBef>
-              <a:spcAft>
-                <a:spcPts val="0"/>
-              </a:spcAft>
-              <a:buClrTx/>
-              <a:buSzTx/>
-              <a:buFont typeface="Arial" pitchFamily="34" charset="0"/>
-              <a:buChar char="•"/>
-              <a:tabLst/>
-              <a:defRPr/>
-            </a:pPr>
-            <a:r>
-              <a:rPr lang="en-US" dirty="0"/>
-              <a:t> Many others</a:t>
-            </a:r>
-          </a:p>
-          <a:p>
-            <a:pPr marL="0" marR="0" lvl="0" indent="0" algn="l" defTabSz="914400" rtl="0" eaLnBrk="1" fontAlgn="auto" latinLnBrk="0" hangingPunct="1">
-              <a:lnSpc>
-                <a:spcPct val="100000"/>
-              </a:lnSpc>
-              <a:spcBef>
-                <a:spcPts val="0"/>
-              </a:spcBef>
-              <a:spcAft>
-                <a:spcPts val="0"/>
-              </a:spcAft>
-              <a:buClrTx/>
-              <a:buSzTx/>
-              <a:buFont typeface="Arial" pitchFamily="34" charset="0"/>
-              <a:buChar char="•"/>
-              <a:tabLst/>
-              <a:defRPr/>
-            </a:pPr>
+              <a:t> similar for all three frameworks.</a:t>
+            </a:r>
             <a:endParaRPr lang="en-US" dirty="0"/>
           </a:p>
           <a:p>
@@ -3587,77 +3196,23 @@
             </a:pPr>
             <a:r>
               <a:rPr lang="en-US" dirty="0"/>
-              <a:t>https://</a:t>
+              <a:t>http://</a:t>
             </a:r>
             <a:r>
               <a:rPr lang="en-US" dirty="0" err="1"/>
-              <a:t>cordova.apache.org</a:t>
+              <a:t>developer.telerik.com</a:t>
             </a:r>
             <a:r>
               <a:rPr lang="en-US" dirty="0"/>
-              <a:t>/</a:t>
-            </a:r>
-          </a:p>
-          <a:p>
-            <a:pPr marL="171450" marR="0" lvl="0" indent="-171450" algn="l" defTabSz="914400" rtl="0" eaLnBrk="1" fontAlgn="auto" latinLnBrk="0" hangingPunct="1">
-              <a:lnSpc>
-                <a:spcPct val="100000"/>
-              </a:lnSpc>
-              <a:spcBef>
-                <a:spcPts val="0"/>
-              </a:spcBef>
-              <a:spcAft>
-                <a:spcPts val="0"/>
-              </a:spcAft>
-              <a:buClrTx/>
-              <a:buSzTx/>
-              <a:buFont typeface="Arial"/>
-              <a:buChar char="•"/>
-              <a:tabLst/>
-              <a:defRPr/>
-            </a:pPr>
+              <a:t>/featured/</a:t>
+            </a:r>
+            <a:r>
+              <a:rPr lang="en-US" dirty="0" err="1"/>
+              <a:t>nativescript</a:t>
+            </a:r>
             <a:r>
               <a:rPr lang="en-US" dirty="0"/>
-              <a:t>http://</a:t>
-            </a:r>
-            <a:r>
-              <a:rPr lang="en-US" dirty="0" err="1"/>
-              <a:t>ionicframework.com</a:t>
-            </a:r>
-            <a:r>
-              <a:rPr lang="en-US" dirty="0"/>
-              <a:t>/</a:t>
-            </a:r>
-          </a:p>
-          <a:p>
-            <a:pPr marL="171450" marR="0" lvl="0" indent="-171450" algn="l" defTabSz="914400" rtl="0" eaLnBrk="1" fontAlgn="auto" latinLnBrk="0" hangingPunct="1">
-              <a:lnSpc>
-                <a:spcPct val="100000"/>
-              </a:lnSpc>
-              <a:spcBef>
-                <a:spcPts val="0"/>
-              </a:spcBef>
-              <a:spcAft>
-                <a:spcPts val="0"/>
-              </a:spcAft>
-              <a:buClrTx/>
-              <a:buSzTx/>
-              <a:buFont typeface="Arial"/>
-              <a:buChar char="•"/>
-              <a:tabLst/>
-              <a:defRPr/>
-            </a:pPr>
-            <a:r>
-              <a:rPr lang="en-US" dirty="0"/>
-              <a:t>https://</a:t>
-            </a:r>
-            <a:r>
-              <a:rPr lang="en-US" dirty="0" err="1"/>
-              <a:t>onsen.io</a:t>
-            </a:r>
-            <a:r>
-              <a:rPr lang="en-US" dirty="0"/>
-              <a:t>/</a:t>
+              <a:t>-works/</a:t>
             </a:r>
           </a:p>
         </p:txBody>
@@ -3688,7 +3243,7 @@
     </p:spTree>
     <p:extLst>
       <p:ext uri="{BB962C8B-B14F-4D97-AF65-F5344CB8AC3E}">
-        <p14:creationId xmlns:p14="http://schemas.microsoft.com/office/powerpoint/2010/main" val="441908279"/>
+        <p14:creationId xmlns:p14="http://schemas.microsoft.com/office/powerpoint/2010/main" val="1259508347"/>
       </p:ext>
     </p:extLst>
   </p:cSld>
@@ -3783,17 +3338,30 @@
               <a:defRPr/>
             </a:pPr>
             <a:r>
+              <a:rPr lang="en-US" b="0" dirty="0"/>
+              <a:t> JavaScript API:</a:t>
+            </a:r>
+          </a:p>
+          <a:p>
+            <a:pPr marL="628650" lvl="1" indent="-171450">
+              <a:buFont typeface="Arial" charset="0"/>
+              <a:buChar char="•"/>
+            </a:pPr>
+            <a:r>
               <a:rPr lang="en-US" dirty="0"/>
-              <a:t> </a:t>
-            </a:r>
-            <a:r>
-              <a:rPr lang="en-US" dirty="0" err="1"/>
-              <a:t>Xamarin</a:t>
-            </a:r>
+              <a:t>Basic support for device features</a:t>
+            </a:r>
+          </a:p>
+          <a:p>
+            <a:pPr marL="628650" lvl="1" indent="-171450">
+              <a:buFont typeface="Arial" charset="0"/>
+              <a:buChar char="•"/>
+            </a:pPr>
             <a:r>
               <a:rPr lang="en-US" dirty="0"/>
-              <a:t> is the only major framework that compiles to respective native binaries for a 100% native application. </a:t>
-            </a:r>
+              <a:t>Native plugins can be built to add support for other features</a:t>
+            </a:r>
+            <a:endParaRPr lang="en-US" b="0" dirty="0"/>
           </a:p>
           <a:p>
             <a:pPr marL="0" marR="0" lvl="0" indent="0" algn="l" defTabSz="914400" rtl="0" eaLnBrk="1" fontAlgn="auto" latinLnBrk="0" hangingPunct="1">
@@ -3814,33 +3382,309 @@
               <a:defRPr/>
             </a:pPr>
             <a:r>
+              <a:rPr lang="en-US" b="0" dirty="0"/>
+              <a:t> </a:t>
+            </a:r>
+            <a:r>
+              <a:rPr lang="en-US" dirty="0" err="1"/>
+              <a:t>PhoneGap</a:t>
+            </a:r>
+            <a:r>
+              <a:rPr lang="en-US" dirty="0"/>
+              <a:t> was the old name for Cordova. Apache acquired and then renamed it. </a:t>
+            </a:r>
+          </a:p>
+          <a:p>
+            <a:pPr marL="457200" marR="0" lvl="1" indent="0" algn="l" defTabSz="914400" rtl="0" eaLnBrk="1" fontAlgn="auto" latinLnBrk="0" hangingPunct="1">
+              <a:lnSpc>
+                <a:spcPct val="100000"/>
+              </a:lnSpc>
+              <a:spcBef>
+                <a:spcPts val="0"/>
+              </a:spcBef>
+              <a:spcAft>
+                <a:spcPts val="0"/>
+              </a:spcAft>
+              <a:buClrTx/>
+              <a:buSzTx/>
+              <a:buFont typeface="Arial" pitchFamily="34" charset="0"/>
+              <a:buChar char="•"/>
+              <a:tabLst/>
+              <a:defRPr/>
+            </a:pPr>
+            <a:r>
+              <a:rPr lang="en-US" baseline="0" dirty="0"/>
+              <a:t> </a:t>
+            </a:r>
+            <a:r>
+              <a:rPr lang="en-US" dirty="0" err="1"/>
+              <a:t>PhoneGap</a:t>
+            </a:r>
+            <a:r>
+              <a:rPr lang="en-US" dirty="0"/>
+              <a:t> is currently</a:t>
+            </a:r>
+            <a:r>
+              <a:rPr lang="en-US" baseline="0" dirty="0"/>
+              <a:t> a </a:t>
+            </a:r>
+            <a:r>
+              <a:rPr lang="en-US" dirty="0"/>
+              <a:t>distribution of Cordova. </a:t>
+            </a:r>
+          </a:p>
+          <a:p>
+            <a:pPr marL="457200" marR="0" lvl="1" indent="0" algn="l" defTabSz="914400" rtl="0" eaLnBrk="1" fontAlgn="auto" latinLnBrk="0" hangingPunct="1">
+              <a:lnSpc>
+                <a:spcPct val="100000"/>
+              </a:lnSpc>
+              <a:spcBef>
+                <a:spcPts val="0"/>
+              </a:spcBef>
+              <a:spcAft>
+                <a:spcPts val="0"/>
+              </a:spcAft>
+              <a:buClrTx/>
+              <a:buSzTx/>
+              <a:buFont typeface="Arial" pitchFamily="34" charset="0"/>
+              <a:buChar char="•"/>
+              <a:tabLst/>
+              <a:defRPr/>
+            </a:pPr>
+            <a:r>
               <a:rPr lang="en-US" dirty="0"/>
               <a:t> </a:t>
             </a:r>
             <a:r>
               <a:rPr lang="en-US" dirty="0" err="1"/>
-              <a:t>Appcelerator’s</a:t>
+              <a:t>PhoneGap</a:t>
             </a:r>
             <a:r>
               <a:rPr lang="en-US" dirty="0"/>
-              <a:t> Titanium, </a:t>
+              <a:t> is Cordova with Apache tools on top of it (like </a:t>
             </a:r>
             <a:r>
               <a:rPr lang="en-US" dirty="0" err="1"/>
-              <a:t>Telerik’s</a:t>
-            </a:r>
+              <a:t>PhoneGap</a:t>
+            </a:r>
+            <a:r>
+              <a:rPr lang="en-US" dirty="0"/>
+              <a:t> Build) . </a:t>
+            </a:r>
+          </a:p>
+          <a:p>
+            <a:pPr marL="0" marR="0" lvl="0" indent="0" algn="l" defTabSz="914400" rtl="0" eaLnBrk="1" fontAlgn="auto" latinLnBrk="0" hangingPunct="1">
+              <a:lnSpc>
+                <a:spcPct val="100000"/>
+              </a:lnSpc>
+              <a:spcBef>
+                <a:spcPts val="0"/>
+              </a:spcBef>
+              <a:spcAft>
+                <a:spcPts val="0"/>
+              </a:spcAft>
+              <a:buClrTx/>
+              <a:buSzTx/>
+              <a:buFont typeface="Arial" pitchFamily="34" charset="0"/>
+              <a:buChar char="•"/>
+              <a:tabLst/>
+              <a:defRPr/>
+            </a:pPr>
+            <a:r>
+              <a:rPr lang="en-US" dirty="0"/>
+              <a:t> Cordova is essentially the only hybrid framework. </a:t>
+            </a:r>
+          </a:p>
+          <a:p>
+            <a:pPr marL="457200" marR="0" lvl="1" indent="0" algn="l" defTabSz="914400" rtl="0" eaLnBrk="1" fontAlgn="auto" latinLnBrk="0" hangingPunct="1">
+              <a:lnSpc>
+                <a:spcPct val="100000"/>
+              </a:lnSpc>
+              <a:spcBef>
+                <a:spcPts val="0"/>
+              </a:spcBef>
+              <a:spcAft>
+                <a:spcPts val="0"/>
+              </a:spcAft>
+              <a:buClrTx/>
+              <a:buSzTx/>
+              <a:buFont typeface="Arial" pitchFamily="34" charset="0"/>
+              <a:buChar char="•"/>
+              <a:tabLst/>
+              <a:defRPr/>
+            </a:pPr>
+            <a:r>
+              <a:rPr lang="en-US" dirty="0"/>
+              <a:t> Almost all other hybrid frameworks are built on top of it to reduce the pains of hybrid development</a:t>
+            </a:r>
+          </a:p>
+          <a:p>
+            <a:pPr marL="0" marR="0" lvl="0" indent="0" algn="l" defTabSz="914400" rtl="0" eaLnBrk="1" fontAlgn="auto" latinLnBrk="0" hangingPunct="1">
+              <a:lnSpc>
+                <a:spcPct val="100000"/>
+              </a:lnSpc>
+              <a:spcBef>
+                <a:spcPts val="0"/>
+              </a:spcBef>
+              <a:spcAft>
+                <a:spcPts val="0"/>
+              </a:spcAft>
+              <a:buClrTx/>
+              <a:buSzTx/>
+              <a:buFont typeface="Arial" pitchFamily="34" charset="0"/>
+              <a:buChar char="•"/>
+              <a:tabLst/>
+              <a:defRPr/>
+            </a:pPr>
+            <a:r>
+              <a:rPr lang="en-US" dirty="0"/>
+              <a:t> UI frameworks are built on top of Cordova to make them look and feel like a real, native app instead of a website.</a:t>
+            </a:r>
+          </a:p>
+          <a:p>
+            <a:pPr marL="0" marR="0" lvl="0" indent="0" algn="l" defTabSz="914400" rtl="0" eaLnBrk="1" fontAlgn="auto" latinLnBrk="0" hangingPunct="1">
+              <a:lnSpc>
+                <a:spcPct val="100000"/>
+              </a:lnSpc>
+              <a:spcBef>
+                <a:spcPts val="0"/>
+              </a:spcBef>
+              <a:spcAft>
+                <a:spcPts val="0"/>
+              </a:spcAft>
+              <a:buClrTx/>
+              <a:buSzTx/>
+              <a:buFont typeface="Arial" pitchFamily="34" charset="0"/>
+              <a:buChar char="•"/>
+              <a:tabLst/>
+              <a:defRPr/>
+            </a:pPr>
+            <a:r>
+              <a:rPr lang="en-US" dirty="0"/>
+              <a:t> Frameworks built on top of Cordova:</a:t>
+            </a:r>
+          </a:p>
+          <a:p>
+            <a:pPr marL="457200" marR="0" lvl="1" indent="0" algn="l" defTabSz="914400" rtl="0" eaLnBrk="1" fontAlgn="auto" latinLnBrk="0" hangingPunct="1">
+              <a:lnSpc>
+                <a:spcPct val="100000"/>
+              </a:lnSpc>
+              <a:spcBef>
+                <a:spcPts val="0"/>
+              </a:spcBef>
+              <a:spcAft>
+                <a:spcPts val="0"/>
+              </a:spcAft>
+              <a:buClrTx/>
+              <a:buSzTx/>
+              <a:buFont typeface="Arial" pitchFamily="34" charset="0"/>
+              <a:buChar char="•"/>
+              <a:tabLst/>
+              <a:defRPr/>
+            </a:pPr>
             <a:r>
               <a:rPr lang="en-US" dirty="0"/>
               <a:t> </a:t>
             </a:r>
             <a:r>
               <a:rPr lang="en-US" dirty="0" err="1"/>
-              <a:t>NativeScript</a:t>
-            </a:r>
+              <a:t>PhoneGap</a:t>
+            </a:r>
+            <a:endParaRPr lang="en-US" dirty="0"/>
+          </a:p>
+          <a:p>
+            <a:pPr marL="457200" marR="0" lvl="1" indent="0" algn="l" defTabSz="914400" rtl="0" eaLnBrk="1" fontAlgn="auto" latinLnBrk="0" hangingPunct="1">
+              <a:lnSpc>
+                <a:spcPct val="100000"/>
+              </a:lnSpc>
+              <a:spcBef>
+                <a:spcPts val="0"/>
+              </a:spcBef>
+              <a:spcAft>
+                <a:spcPts val="0"/>
+              </a:spcAft>
+              <a:buClrTx/>
+              <a:buSzTx/>
+              <a:buFont typeface="Arial" pitchFamily="34" charset="0"/>
+              <a:buChar char="•"/>
+              <a:tabLst/>
+              <a:defRPr/>
+            </a:pPr>
             <a:r>
               <a:rPr lang="en-US" dirty="0"/>
-              <a:t> and Facebook’s React Native have 100% native UIs but offshore their logic to the native JavaScript engine.</a:t>
-            </a:r>
+              <a:t> Ionic</a:t>
+            </a:r>
+          </a:p>
+          <a:p>
+            <a:pPr marL="457200" marR="0" lvl="1" indent="0" algn="l" defTabSz="914400" rtl="0" eaLnBrk="1" fontAlgn="auto" latinLnBrk="0" hangingPunct="1">
+              <a:lnSpc>
+                <a:spcPct val="100000"/>
+              </a:lnSpc>
+              <a:spcBef>
+                <a:spcPts val="0"/>
+              </a:spcBef>
+              <a:spcAft>
+                <a:spcPts val="0"/>
+              </a:spcAft>
+              <a:buClrTx/>
+              <a:buSzTx/>
+              <a:buFont typeface="Arial" pitchFamily="34" charset="0"/>
+              <a:buChar char="•"/>
+              <a:tabLst/>
+              <a:defRPr/>
+            </a:pPr>
+            <a:r>
+              <a:rPr lang="en-US" dirty="0"/>
+              <a:t> </a:t>
+            </a:r>
+            <a:r>
+              <a:rPr lang="en-US" dirty="0" err="1"/>
+              <a:t>Onsen</a:t>
+            </a:r>
+            <a:endParaRPr lang="en-US" dirty="0"/>
+          </a:p>
+          <a:p>
+            <a:pPr marL="457200" marR="0" lvl="1" indent="0" algn="l" defTabSz="914400" rtl="0" eaLnBrk="1" fontAlgn="auto" latinLnBrk="0" hangingPunct="1">
+              <a:lnSpc>
+                <a:spcPct val="100000"/>
+              </a:lnSpc>
+              <a:spcBef>
+                <a:spcPts val="0"/>
+              </a:spcBef>
+              <a:spcAft>
+                <a:spcPts val="0"/>
+              </a:spcAft>
+              <a:buClrTx/>
+              <a:buSzTx/>
+              <a:buFont typeface="Arial" pitchFamily="34" charset="0"/>
+              <a:buChar char="•"/>
+              <a:tabLst/>
+              <a:defRPr/>
+            </a:pPr>
+            <a:r>
+              <a:rPr lang="en-US" dirty="0"/>
+              <a:t> Many others</a:t>
+            </a:r>
+          </a:p>
+          <a:p>
+            <a:pPr marL="0" marR="0" lvl="0" indent="0" algn="l" defTabSz="914400" rtl="0" eaLnBrk="1" fontAlgn="auto" latinLnBrk="0" hangingPunct="1">
+              <a:lnSpc>
+                <a:spcPct val="100000"/>
+              </a:lnSpc>
+              <a:spcBef>
+                <a:spcPts val="0"/>
+              </a:spcBef>
+              <a:spcAft>
+                <a:spcPts val="0"/>
+              </a:spcAft>
+              <a:buClrTx/>
+              <a:buSzTx/>
+              <a:buFont typeface="Arial" pitchFamily="34" charset="0"/>
+              <a:buChar char="•"/>
+              <a:tabLst/>
+              <a:defRPr/>
+            </a:pPr>
+            <a:endParaRPr lang="en-US" dirty="0"/>
           </a:p>
           <a:p>
             <a:pPr marL="0" marR="0" lvl="0" indent="0" algn="l" defTabSz="914400" rtl="0" eaLnBrk="1" fontAlgn="auto" latinLnBrk="0" hangingPunct="1">
@@ -3909,7 +3753,7 @@
             </a:r>
             <a:r>
               <a:rPr lang="en-US" dirty="0" err="1"/>
-              <a:t>www.xamarin.com</a:t>
+              <a:t>cordova.apache.org</a:t>
             </a:r>
             <a:r>
               <a:rPr lang="en-US" dirty="0"/>
@@ -3940,7 +3784,7 @@
             </a:r>
             <a:r>
               <a:rPr lang="en-US" dirty="0" err="1"/>
-              <a:t>www.appcelerator.com</a:t>
+              <a:t>ionicframework.com</a:t>
             </a:r>
             <a:r>
               <a:rPr lang="en-US" dirty="0"/>
@@ -3971,78 +3815,12 @@
             </a:r>
             <a:r>
               <a:rPr lang="en-US" dirty="0" err="1"/>
-              <a:t>facebook.github.io</a:t>
-            </a:r>
-            <a:r>
-              <a:rPr lang="en-US" dirty="0"/>
-              <a:t>/react-native/</a:t>
-            </a:r>
-          </a:p>
-          <a:p>
-            <a:pPr marL="171450" marR="0" lvl="0" indent="-171450" algn="l" defTabSz="914400" rtl="0" eaLnBrk="1" fontAlgn="auto" latinLnBrk="0" hangingPunct="1">
-              <a:lnSpc>
-                <a:spcPct val="100000"/>
-              </a:lnSpc>
-              <a:spcBef>
-                <a:spcPts val="0"/>
-              </a:spcBef>
-              <a:spcAft>
-                <a:spcPts val="0"/>
-              </a:spcAft>
-              <a:buClrTx/>
-              <a:buSzTx/>
-              <a:buFont typeface="Arial"/>
-              <a:buChar char="•"/>
-              <a:tabLst/>
-              <a:defRPr/>
-            </a:pPr>
-            <a:r>
-              <a:rPr lang="en-US" dirty="0"/>
-              <a:t>https://</a:t>
-            </a:r>
-            <a:r>
-              <a:rPr lang="en-US" dirty="0" err="1"/>
-              <a:t>www.nativescript.org</a:t>
+              <a:t>onsen.io</a:t>
             </a:r>
             <a:r>
               <a:rPr lang="en-US" dirty="0"/>
               <a:t>/</a:t>
             </a:r>
-          </a:p>
-          <a:p>
-            <a:pPr marL="171450" marR="0" lvl="0" indent="-171450" algn="l" defTabSz="914400" rtl="0" eaLnBrk="1" fontAlgn="auto" latinLnBrk="0" hangingPunct="1">
-              <a:lnSpc>
-                <a:spcPct val="100000"/>
-              </a:lnSpc>
-              <a:spcBef>
-                <a:spcPts val="0"/>
-              </a:spcBef>
-              <a:spcAft>
-                <a:spcPts val="0"/>
-              </a:spcAft>
-              <a:buClrTx/>
-              <a:buSzTx/>
-              <a:buFont typeface="Arial"/>
-              <a:buChar char="•"/>
-              <a:tabLst/>
-              <a:defRPr/>
-            </a:pPr>
-            <a:r>
-              <a:rPr lang="en-US" dirty="0"/>
-              <a:t>https://</a:t>
-            </a:r>
-            <a:r>
-              <a:rPr lang="en-US" dirty="0" err="1"/>
-              <a:t>cordova.apache.org</a:t>
-            </a:r>
-            <a:endParaRPr lang="en-US" dirty="0"/>
-          </a:p>
-          <a:p>
-            <a:pPr marL="171450" indent="-171450">
-              <a:buFont typeface="Arial"/>
-              <a:buChar char="•"/>
-            </a:pPr>
-            <a:endParaRPr lang="en-US" altLang="ko-KR" dirty="0"/>
           </a:p>
         </p:txBody>
       </p:sp>
@@ -4072,7 +3850,7 @@
     </p:spTree>
     <p:extLst>
       <p:ext uri="{BB962C8B-B14F-4D97-AF65-F5344CB8AC3E}">
-        <p14:creationId xmlns:p14="http://schemas.microsoft.com/office/powerpoint/2010/main" val="2362397345"/>
+        <p14:creationId xmlns:p14="http://schemas.microsoft.com/office/powerpoint/2010/main" val="441908279"/>
       </p:ext>
     </p:extLst>
   </p:cSld>
@@ -4143,7 +3921,290 @@
               <a:tabLst/>
               <a:defRPr/>
             </a:pPr>
+            <a:r>
+              <a:rPr lang="en-US" b="1" dirty="0"/>
+              <a:t>Notes:</a:t>
+            </a:r>
+          </a:p>
+          <a:p>
+            <a:pPr marL="0" marR="0" lvl="0" indent="0" algn="l" defTabSz="914400" rtl="0" eaLnBrk="1" fontAlgn="auto" latinLnBrk="0" hangingPunct="1">
+              <a:lnSpc>
+                <a:spcPct val="100000"/>
+              </a:lnSpc>
+              <a:spcBef>
+                <a:spcPts val="0"/>
+              </a:spcBef>
+              <a:spcAft>
+                <a:spcPts val="0"/>
+              </a:spcAft>
+              <a:buClrTx/>
+              <a:buSzTx/>
+              <a:buFont typeface="Arial" pitchFamily="34" charset="0"/>
+              <a:buChar char="•"/>
+              <a:tabLst/>
+              <a:defRPr/>
+            </a:pPr>
+            <a:r>
+              <a:rPr lang="en-US" dirty="0"/>
+              <a:t> </a:t>
+            </a:r>
+            <a:r>
+              <a:rPr lang="en-US" dirty="0" err="1"/>
+              <a:t>Xamarin</a:t>
+            </a:r>
+            <a:r>
+              <a:rPr lang="en-US" dirty="0"/>
+              <a:t> is the only major framework that compiles to respective native binaries for a 100% native application. </a:t>
+            </a:r>
+          </a:p>
+          <a:p>
+            <a:pPr marL="0" marR="0" lvl="0" indent="0" algn="l" defTabSz="914400" rtl="0" eaLnBrk="1" fontAlgn="auto" latinLnBrk="0" hangingPunct="1">
+              <a:lnSpc>
+                <a:spcPct val="100000"/>
+              </a:lnSpc>
+              <a:spcBef>
+                <a:spcPts val="0"/>
+              </a:spcBef>
+              <a:spcAft>
+                <a:spcPts val="0"/>
+              </a:spcAft>
+              <a:buClrTx/>
+              <a:buSzTx/>
+              <a:buFont typeface="Arial" pitchFamily="34" charset="0"/>
+              <a:buChar char="•"/>
+              <a:tabLst/>
+              <a:defRPr/>
+            </a:pPr>
+            <a:r>
+              <a:rPr lang="en-US" dirty="0"/>
+              <a:t> </a:t>
+            </a:r>
+            <a:r>
+              <a:rPr lang="en-US" dirty="0" err="1"/>
+              <a:t>Appcelerator’s</a:t>
+            </a:r>
+            <a:r>
+              <a:rPr lang="en-US" dirty="0"/>
+              <a:t> Titanium, </a:t>
+            </a:r>
+            <a:r>
+              <a:rPr lang="en-US" dirty="0" err="1"/>
+              <a:t>Telerik’s</a:t>
+            </a:r>
+            <a:r>
+              <a:rPr lang="en-US" dirty="0"/>
+              <a:t> </a:t>
+            </a:r>
+            <a:r>
+              <a:rPr lang="en-US" dirty="0" err="1"/>
+              <a:t>NativeScript</a:t>
+            </a:r>
+            <a:r>
+              <a:rPr lang="en-US" dirty="0"/>
+              <a:t> and Facebook’s React Native have 100% native UIs but offshore their logic to the native JavaScript engine.</a:t>
+            </a:r>
+          </a:p>
+          <a:p>
+            <a:pPr marL="0" marR="0" lvl="0" indent="0" algn="l" defTabSz="914400" rtl="0" eaLnBrk="1" fontAlgn="auto" latinLnBrk="0" hangingPunct="1">
+              <a:lnSpc>
+                <a:spcPct val="100000"/>
+              </a:lnSpc>
+              <a:spcBef>
+                <a:spcPts val="0"/>
+              </a:spcBef>
+              <a:spcAft>
+                <a:spcPts val="0"/>
+              </a:spcAft>
+              <a:buClrTx/>
+              <a:buSzTx/>
+              <a:buFontTx/>
+              <a:buNone/>
+              <a:tabLst/>
+              <a:defRPr/>
+            </a:pPr>
             <a:endParaRPr lang="en-US" dirty="0"/>
+          </a:p>
+          <a:p>
+            <a:pPr marL="0" marR="0" lvl="0" indent="0" algn="l" defTabSz="914400" rtl="0" eaLnBrk="1" fontAlgn="auto" latinLnBrk="0" hangingPunct="1">
+              <a:lnSpc>
+                <a:spcPct val="100000"/>
+              </a:lnSpc>
+              <a:spcBef>
+                <a:spcPts val="0"/>
+              </a:spcBef>
+              <a:spcAft>
+                <a:spcPts val="0"/>
+              </a:spcAft>
+              <a:buClrTx/>
+              <a:buSzTx/>
+              <a:buFontTx/>
+              <a:buNone/>
+              <a:tabLst/>
+              <a:defRPr/>
+            </a:pPr>
+            <a:r>
+              <a:rPr lang="en-US" b="1" dirty="0"/>
+              <a:t>References:</a:t>
+            </a:r>
+          </a:p>
+          <a:p>
+            <a:pPr marL="171450" marR="0" lvl="0" indent="-171450" algn="l" defTabSz="914400" rtl="0" eaLnBrk="1" fontAlgn="auto" latinLnBrk="0" hangingPunct="1">
+              <a:lnSpc>
+                <a:spcPct val="100000"/>
+              </a:lnSpc>
+              <a:spcBef>
+                <a:spcPts val="0"/>
+              </a:spcBef>
+              <a:spcAft>
+                <a:spcPts val="0"/>
+              </a:spcAft>
+              <a:buClrTx/>
+              <a:buSzTx/>
+              <a:buFont typeface="Arial"/>
+              <a:buChar char="•"/>
+              <a:tabLst/>
+              <a:defRPr/>
+            </a:pPr>
+            <a:r>
+              <a:rPr lang="en-US" dirty="0"/>
+              <a:t>https://</a:t>
+            </a:r>
+            <a:r>
+              <a:rPr lang="en-US" dirty="0" err="1"/>
+              <a:t>www.xamarin.com</a:t>
+            </a:r>
+            <a:r>
+              <a:rPr lang="en-US" dirty="0"/>
+              <a:t>/</a:t>
+            </a:r>
+          </a:p>
+          <a:p>
+            <a:pPr marL="171450" marR="0" lvl="0" indent="-171450" algn="l" defTabSz="914400" rtl="0" eaLnBrk="1" fontAlgn="auto" latinLnBrk="0" hangingPunct="1">
+              <a:lnSpc>
+                <a:spcPct val="100000"/>
+              </a:lnSpc>
+              <a:spcBef>
+                <a:spcPts val="0"/>
+              </a:spcBef>
+              <a:spcAft>
+                <a:spcPts val="0"/>
+              </a:spcAft>
+              <a:buClrTx/>
+              <a:buSzTx/>
+              <a:buFont typeface="Arial"/>
+              <a:buChar char="•"/>
+              <a:tabLst/>
+              <a:defRPr/>
+            </a:pPr>
+            <a:r>
+              <a:rPr lang="en-US" dirty="0"/>
+              <a:t>http://</a:t>
+            </a:r>
+            <a:r>
+              <a:rPr lang="en-US" dirty="0" err="1"/>
+              <a:t>www.appcelerator.com</a:t>
+            </a:r>
+            <a:r>
+              <a:rPr lang="en-US" dirty="0"/>
+              <a:t>/</a:t>
+            </a:r>
+          </a:p>
+          <a:p>
+            <a:pPr marL="171450" marR="0" lvl="0" indent="-171450" algn="l" defTabSz="914400" rtl="0" eaLnBrk="1" fontAlgn="auto" latinLnBrk="0" hangingPunct="1">
+              <a:lnSpc>
+                <a:spcPct val="100000"/>
+              </a:lnSpc>
+              <a:spcBef>
+                <a:spcPts val="0"/>
+              </a:spcBef>
+              <a:spcAft>
+                <a:spcPts val="0"/>
+              </a:spcAft>
+              <a:buClrTx/>
+              <a:buSzTx/>
+              <a:buFont typeface="Arial"/>
+              <a:buChar char="•"/>
+              <a:tabLst/>
+              <a:defRPr/>
+            </a:pPr>
+            <a:r>
+              <a:rPr lang="en-US" dirty="0"/>
+              <a:t>https://</a:t>
+            </a:r>
+            <a:r>
+              <a:rPr lang="en-US" dirty="0" err="1"/>
+              <a:t>facebook.github.io</a:t>
+            </a:r>
+            <a:r>
+              <a:rPr lang="en-US" dirty="0"/>
+              <a:t>/react-native/</a:t>
+            </a:r>
+          </a:p>
+          <a:p>
+            <a:pPr marL="171450" marR="0" lvl="0" indent="-171450" algn="l" defTabSz="914400" rtl="0" eaLnBrk="1" fontAlgn="auto" latinLnBrk="0" hangingPunct="1">
+              <a:lnSpc>
+                <a:spcPct val="100000"/>
+              </a:lnSpc>
+              <a:spcBef>
+                <a:spcPts val="0"/>
+              </a:spcBef>
+              <a:spcAft>
+                <a:spcPts val="0"/>
+              </a:spcAft>
+              <a:buClrTx/>
+              <a:buSzTx/>
+              <a:buFont typeface="Arial"/>
+              <a:buChar char="•"/>
+              <a:tabLst/>
+              <a:defRPr/>
+            </a:pPr>
+            <a:r>
+              <a:rPr lang="en-US" dirty="0"/>
+              <a:t>https://</a:t>
+            </a:r>
+            <a:r>
+              <a:rPr lang="en-US" dirty="0" err="1"/>
+              <a:t>www.nativescript.org</a:t>
+            </a:r>
+            <a:r>
+              <a:rPr lang="en-US" dirty="0"/>
+              <a:t>/</a:t>
+            </a:r>
+          </a:p>
+          <a:p>
+            <a:pPr marL="171450" marR="0" lvl="0" indent="-171450" algn="l" defTabSz="914400" rtl="0" eaLnBrk="1" fontAlgn="auto" latinLnBrk="0" hangingPunct="1">
+              <a:lnSpc>
+                <a:spcPct val="100000"/>
+              </a:lnSpc>
+              <a:spcBef>
+                <a:spcPts val="0"/>
+              </a:spcBef>
+              <a:spcAft>
+                <a:spcPts val="0"/>
+              </a:spcAft>
+              <a:buClrTx/>
+              <a:buSzTx/>
+              <a:buFont typeface="Arial"/>
+              <a:buChar char="•"/>
+              <a:tabLst/>
+              <a:defRPr/>
+            </a:pPr>
+            <a:r>
+              <a:rPr lang="en-US" dirty="0"/>
+              <a:t>https://</a:t>
+            </a:r>
+            <a:r>
+              <a:rPr lang="en-US" dirty="0" err="1"/>
+              <a:t>cordova.apache.org</a:t>
+            </a:r>
+            <a:endParaRPr lang="en-US" dirty="0"/>
+          </a:p>
+          <a:p>
+            <a:pPr marL="171450" indent="-171450">
+              <a:buFont typeface="Arial"/>
+              <a:buChar char="•"/>
+            </a:pPr>
+            <a:endParaRPr lang="en-US" altLang="ko-KR" dirty="0"/>
           </a:p>
         </p:txBody>
       </p:sp>
@@ -4173,7 +4234,7 @@
     </p:spTree>
     <p:extLst>
       <p:ext uri="{BB962C8B-B14F-4D97-AF65-F5344CB8AC3E}">
-        <p14:creationId xmlns:p14="http://schemas.microsoft.com/office/powerpoint/2010/main" val="3149177940"/>
+        <p14:creationId xmlns:p14="http://schemas.microsoft.com/office/powerpoint/2010/main" val="2362397345"/>
       </p:ext>
     </p:extLst>
   </p:cSld>
@@ -4244,40 +4305,7 @@
               <a:tabLst/>
               <a:defRPr/>
             </a:pPr>
-            <a:r>
-              <a:rPr lang="en-US" dirty="0"/>
-              <a:t>Answer: c</a:t>
-            </a:r>
-            <a:endParaRPr lang="en-US" u="sng" dirty="0">
-              <a:solidFill>
-                <a:schemeClr val="hlink"/>
-              </a:solidFill>
-              <a:hlinkClick r:id="rId3"/>
-            </a:endParaRPr>
-          </a:p>
-          <a:p>
-            <a:pPr marL="0" marR="0" lvl="0" indent="0" algn="l" defTabSz="914400" rtl="0" eaLnBrk="1" fontAlgn="auto" latinLnBrk="0" hangingPunct="1">
-              <a:lnSpc>
-                <a:spcPct val="100000"/>
-              </a:lnSpc>
-              <a:spcBef>
-                <a:spcPts val="0"/>
-              </a:spcBef>
-              <a:spcAft>
-                <a:spcPts val="0"/>
-              </a:spcAft>
-              <a:buClrTx/>
-              <a:buSzTx/>
-              <a:buFontTx/>
-              <a:buNone/>
-              <a:tabLst/>
-              <a:defRPr/>
-            </a:pPr>
-            <a:endParaRPr lang="en-US" u="none" dirty="0">
-              <a:solidFill>
-                <a:schemeClr val="hlink"/>
-              </a:solidFill>
-            </a:endParaRPr>
+            <a:endParaRPr lang="en-US" dirty="0"/>
           </a:p>
         </p:txBody>
       </p:sp>
@@ -4307,7 +4335,7 @@
     </p:spTree>
     <p:extLst>
       <p:ext uri="{BB962C8B-B14F-4D97-AF65-F5344CB8AC3E}">
-        <p14:creationId xmlns:p14="http://schemas.microsoft.com/office/powerpoint/2010/main" val="332430948"/>
+        <p14:creationId xmlns:p14="http://schemas.microsoft.com/office/powerpoint/2010/main" val="3149177940"/>
       </p:ext>
     </p:extLst>
   </p:cSld>
@@ -4380,7 +4408,7 @@
             </a:pPr>
             <a:r>
               <a:rPr lang="en-US" dirty="0"/>
-              <a:t>Answer: a</a:t>
+              <a:t>Answer: c</a:t>
             </a:r>
             <a:endParaRPr lang="en-US" u="sng" dirty="0">
               <a:solidFill>
@@ -4441,7 +4469,7 @@
     </p:spTree>
     <p:extLst>
       <p:ext uri="{BB962C8B-B14F-4D97-AF65-F5344CB8AC3E}">
-        <p14:creationId xmlns:p14="http://schemas.microsoft.com/office/powerpoint/2010/main" val="1676038808"/>
+        <p14:creationId xmlns:p14="http://schemas.microsoft.com/office/powerpoint/2010/main" val="332430948"/>
       </p:ext>
     </p:extLst>
   </p:cSld>
@@ -4514,7 +4542,7 @@
             </a:pPr>
             <a:r>
               <a:rPr lang="en-US" dirty="0"/>
-              <a:t>Answer: c</a:t>
+              <a:t>Answer: a</a:t>
             </a:r>
             <a:endParaRPr lang="en-US" u="sng" dirty="0">
               <a:solidFill>
@@ -4575,7 +4603,7 @@
     </p:spTree>
     <p:extLst>
       <p:ext uri="{BB962C8B-B14F-4D97-AF65-F5344CB8AC3E}">
-        <p14:creationId xmlns:p14="http://schemas.microsoft.com/office/powerpoint/2010/main" val="466146255"/>
+        <p14:creationId xmlns:p14="http://schemas.microsoft.com/office/powerpoint/2010/main" val="1676038808"/>
       </p:ext>
     </p:extLst>
   </p:cSld>
@@ -4648,7 +4676,7 @@
             </a:pPr>
             <a:r>
               <a:rPr lang="en-US" dirty="0"/>
-              <a:t>Answer: d</a:t>
+              <a:t>Answer: c</a:t>
             </a:r>
             <a:endParaRPr lang="en-US" u="sng" dirty="0">
               <a:solidFill>
@@ -4709,7 +4737,7 @@
     </p:spTree>
     <p:extLst>
       <p:ext uri="{BB962C8B-B14F-4D97-AF65-F5344CB8AC3E}">
-        <p14:creationId xmlns:p14="http://schemas.microsoft.com/office/powerpoint/2010/main" val="236420000"/>
+        <p14:creationId xmlns:p14="http://schemas.microsoft.com/office/powerpoint/2010/main" val="466146255"/>
       </p:ext>
     </p:extLst>
   </p:cSld>
@@ -4763,7 +4791,57 @@
           <a:bodyPr/>
           <a:lstStyle/>
           <a:p>
-            <a:endParaRPr lang="en-US" dirty="0"/>
+            <a:pPr marL="0" marR="0" lvl="0" indent="0" algn="l" defTabSz="914400" rtl="0" eaLnBrk="1" fontAlgn="auto" latinLnBrk="0" hangingPunct="1">
+              <a:lnSpc>
+                <a:spcPct val="100000"/>
+              </a:lnSpc>
+              <a:spcBef>
+                <a:spcPts val="0"/>
+              </a:spcBef>
+              <a:spcAft>
+                <a:spcPts val="0"/>
+              </a:spcAft>
+              <a:buClrTx/>
+              <a:buSzTx/>
+              <a:buFontTx/>
+              <a:buNone/>
+              <a:tabLst/>
+              <a:defRPr/>
+            </a:pPr>
+            <a:r>
+              <a:rPr lang="en-US" dirty="0"/>
+              <a:t>Answer: d</a:t>
+            </a:r>
+            <a:endParaRPr lang="en-US" u="sng" dirty="0">
+              <a:solidFill>
+                <a:schemeClr val="hlink"/>
+              </a:solidFill>
+              <a:hlinkClick r:id="rId3"/>
+            </a:endParaRPr>
+          </a:p>
+          <a:p>
+            <a:pPr marL="0" marR="0" lvl="0" indent="0" algn="l" defTabSz="914400" rtl="0" eaLnBrk="1" fontAlgn="auto" latinLnBrk="0" hangingPunct="1">
+              <a:lnSpc>
+                <a:spcPct val="100000"/>
+              </a:lnSpc>
+              <a:spcBef>
+                <a:spcPts val="0"/>
+              </a:spcBef>
+              <a:spcAft>
+                <a:spcPts val="0"/>
+              </a:spcAft>
+              <a:buClrTx/>
+              <a:buSzTx/>
+              <a:buFontTx/>
+              <a:buNone/>
+              <a:tabLst/>
+              <a:defRPr/>
+            </a:pPr>
+            <a:endParaRPr lang="en-US" u="none" dirty="0">
+              <a:solidFill>
+                <a:schemeClr val="hlink"/>
+              </a:solidFill>
+            </a:endParaRPr>
           </a:p>
         </p:txBody>
       </p:sp>
@@ -4785,6 +4863,90 @@
             <a:fld id="{01283FAC-A721-45A3-BBDE-EAF2B09B7CD9}" type="slidenum">
               <a:rPr lang="en-US" smtClean="0"/>
               <a:t>29</a:t>
+            </a:fld>
+            <a:endParaRPr lang="en-US"/>
+          </a:p>
+        </p:txBody>
+      </p:sp>
+    </p:spTree>
+    <p:extLst>
+      <p:ext uri="{BB962C8B-B14F-4D97-AF65-F5344CB8AC3E}">
+        <p14:creationId xmlns:p14="http://schemas.microsoft.com/office/powerpoint/2010/main" val="236420000"/>
+      </p:ext>
+    </p:extLst>
+  </p:cSld>
+  <p:clrMapOvr>
+    <a:masterClrMapping/>
+  </p:clrMapOvr>
+</p:notes>
+</file>
+
+<file path=ppt/notesSlides/notesSlide29.xml><?xml version="1.0" encoding="utf-8"?>
+<p:notes xmlns:a="http://schemas.openxmlformats.org/drawingml/2006/main" xmlns:r="http://schemas.openxmlformats.org/officeDocument/2006/relationships" xmlns:p="http://schemas.openxmlformats.org/presentationml/2006/main">
+  <p:cSld>
+    <p:spTree>
+      <p:nvGrpSpPr>
+        <p:cNvPr id="1" name=""/>
+        <p:cNvGrpSpPr/>
+        <p:nvPr/>
+      </p:nvGrpSpPr>
+      <p:grpSpPr>
+        <a:xfrm>
+          <a:off x="0" y="0"/>
+          <a:ext cx="0" cy="0"/>
+          <a:chOff x="0" y="0"/>
+          <a:chExt cx="0" cy="0"/>
+        </a:xfrm>
+      </p:grpSpPr>
+      <p:sp>
+        <p:nvSpPr>
+          <p:cNvPr id="2" name="Slide Image Placeholder 1"/>
+          <p:cNvSpPr>
+            <a:spLocks noGrp="1" noRot="1" noChangeAspect="1"/>
+          </p:cNvSpPr>
+          <p:nvPr>
+            <p:ph type="sldImg"/>
+          </p:nvPr>
+        </p:nvSpPr>
+        <p:spPr/>
+      </p:sp>
+      <p:sp>
+        <p:nvSpPr>
+          <p:cNvPr id="3" name="Notes Placeholder 2"/>
+          <p:cNvSpPr>
+            <a:spLocks noGrp="1"/>
+          </p:cNvSpPr>
+          <p:nvPr>
+            <p:ph type="body" idx="1"/>
+          </p:nvPr>
+        </p:nvSpPr>
+        <p:spPr/>
+        <p:txBody>
+          <a:bodyPr/>
+          <a:lstStyle/>
+          <a:p>
+            <a:endParaRPr lang="en-US" dirty="0"/>
+          </a:p>
+        </p:txBody>
+      </p:sp>
+      <p:sp>
+        <p:nvSpPr>
+          <p:cNvPr id="4" name="Slide Number Placeholder 3"/>
+          <p:cNvSpPr>
+            <a:spLocks noGrp="1"/>
+          </p:cNvSpPr>
+          <p:nvPr>
+            <p:ph type="sldNum" sz="quarter" idx="10"/>
+          </p:nvPr>
+        </p:nvSpPr>
+        <p:spPr/>
+        <p:txBody>
+          <a:bodyPr/>
+          <a:lstStyle/>
+          <a:p>
+            <a:fld id="{01283FAC-A721-45A3-BBDE-EAF2B09B7CD9}" type="slidenum">
+              <a:rPr lang="en-US" smtClean="0"/>
+              <a:t>30</a:t>
             </a:fld>
             <a:endParaRPr lang="en-US"/>
           </a:p>
@@ -5890,7 +6052,7 @@
             <a:fld id="{0459C166-16D3-4A25-A2F8-C51E0E346B22}" type="datetimeFigureOut">
               <a:rPr lang="en-US" smtClean="0"/>
               <a:pPr/>
-              <a:t>9/9/16</a:t>
+              <a:t>11/1/16</a:t>
             </a:fld>
             <a:endParaRPr lang="en-US"/>
           </a:p>
@@ -6060,7 +6222,7 @@
             <a:fld id="{0459C166-16D3-4A25-A2F8-C51E0E346B22}" type="datetimeFigureOut">
               <a:rPr lang="en-US" smtClean="0"/>
               <a:pPr/>
-              <a:t>9/9/16</a:t>
+              <a:t>11/1/16</a:t>
             </a:fld>
             <a:endParaRPr lang="en-US"/>
           </a:p>
@@ -6240,7 +6402,7 @@
             <a:fld id="{0459C166-16D3-4A25-A2F8-C51E0E346B22}" type="datetimeFigureOut">
               <a:rPr lang="en-US" smtClean="0"/>
               <a:pPr/>
-              <a:t>9/9/16</a:t>
+              <a:t>11/1/16</a:t>
             </a:fld>
             <a:endParaRPr lang="en-US"/>
           </a:p>
@@ -6410,7 +6572,7 @@
             <a:fld id="{0459C166-16D3-4A25-A2F8-C51E0E346B22}" type="datetimeFigureOut">
               <a:rPr lang="en-US" smtClean="0"/>
               <a:pPr/>
-              <a:t>9/9/16</a:t>
+              <a:t>11/1/16</a:t>
             </a:fld>
             <a:endParaRPr lang="en-US"/>
           </a:p>
@@ -6677,7 +6839,7 @@
             <a:fld id="{0459C166-16D3-4A25-A2F8-C51E0E346B22}" type="datetimeFigureOut">
               <a:rPr lang="en-US" smtClean="0"/>
               <a:pPr/>
-              <a:t>9/9/16</a:t>
+              <a:t>11/1/16</a:t>
             </a:fld>
             <a:endParaRPr lang="en-US"/>
           </a:p>
@@ -6924,7 +7086,7 @@
             <a:fld id="{0459C166-16D3-4A25-A2F8-C51E0E346B22}" type="datetimeFigureOut">
               <a:rPr lang="en-US" smtClean="0"/>
               <a:pPr/>
-              <a:t>9/9/16</a:t>
+              <a:t>11/1/16</a:t>
             </a:fld>
             <a:endParaRPr lang="en-US"/>
           </a:p>
@@ -7290,7 +7452,7 @@
             <a:fld id="{0459C166-16D3-4A25-A2F8-C51E0E346B22}" type="datetimeFigureOut">
               <a:rPr lang="en-US" smtClean="0"/>
               <a:pPr/>
-              <a:t>9/9/16</a:t>
+              <a:t>11/1/16</a:t>
             </a:fld>
             <a:endParaRPr lang="en-US"/>
           </a:p>
@@ -7409,7 +7571,7 @@
             <a:fld id="{0459C166-16D3-4A25-A2F8-C51E0E346B22}" type="datetimeFigureOut">
               <a:rPr lang="en-US" smtClean="0"/>
               <a:pPr/>
-              <a:t>9/9/16</a:t>
+              <a:t>11/1/16</a:t>
             </a:fld>
             <a:endParaRPr lang="en-US"/>
           </a:p>
@@ -7506,7 +7668,7 @@
             <a:fld id="{0459C166-16D3-4A25-A2F8-C51E0E346B22}" type="datetimeFigureOut">
               <a:rPr lang="en-US" smtClean="0"/>
               <a:pPr/>
-              <a:t>9/9/16</a:t>
+              <a:t>11/1/16</a:t>
             </a:fld>
             <a:endParaRPr lang="en-US"/>
           </a:p>
@@ -7783,7 +7945,7 @@
             <a:fld id="{0459C166-16D3-4A25-A2F8-C51E0E346B22}" type="datetimeFigureOut">
               <a:rPr lang="en-US" smtClean="0"/>
               <a:pPr/>
-              <a:t>9/9/16</a:t>
+              <a:t>11/1/16</a:t>
             </a:fld>
             <a:endParaRPr lang="en-US"/>
           </a:p>
@@ -8037,7 +8199,7 @@
             <a:fld id="{0459C166-16D3-4A25-A2F8-C51E0E346B22}" type="datetimeFigureOut">
               <a:rPr lang="en-US" smtClean="0"/>
               <a:pPr/>
-              <a:t>9/9/16</a:t>
+              <a:t>11/1/16</a:t>
             </a:fld>
             <a:endParaRPr lang="en-US"/>
           </a:p>
@@ -8250,7 +8412,7 @@
             <a:fld id="{0459C166-16D3-4A25-A2F8-C51E0E346B22}" type="datetimeFigureOut">
               <a:rPr lang="en-US" smtClean="0"/>
               <a:pPr/>
-              <a:t>9/9/16</a:t>
+              <a:t>11/1/16</a:t>
             </a:fld>
             <a:endParaRPr lang="en-US"/>
           </a:p>
@@ -8807,21 +8969,8 @@
                   <a:srgbClr val="000000"/>
                 </a:solidFill>
               </a:rPr>
-              <a:t>Native </a:t>
-            </a:r>
-            <a:r>
-              <a:rPr lang="en-US" sz="4800" dirty="0" smtClean="0">
-                <a:solidFill>
-                  <a:srgbClr val="000000"/>
-                </a:solidFill>
-              </a:rPr>
-              <a:t>Windows Development</a:t>
-            </a:r>
-            <a:endParaRPr lang="en-US" sz="4800" dirty="0">
-              <a:solidFill>
-                <a:srgbClr val="000000"/>
-              </a:solidFill>
-            </a:endParaRPr>
+              <a:t>Native Windows Development</a:t>
+            </a:r>
           </a:p>
         </p:txBody>
       </p:sp>
@@ -9299,23 +9448,7 @@
                     <a:srgbClr val="000000"/>
                   </a:solidFill>
                 </a:rPr>
-                <a:t>Windows </a:t>
-              </a:r>
-              <a:r>
-                <a:rPr lang="en-US" i="0" dirty="0" smtClean="0">
-                  <a:solidFill>
-                    <a:srgbClr val="000000"/>
-                  </a:solidFill>
-                </a:rPr>
-                <a:t>API </a:t>
-              </a:r>
-              <a:r>
-                <a:rPr lang="en-US" i="0" dirty="0">
-                  <a:solidFill>
-                    <a:srgbClr val="000000"/>
-                  </a:solidFill>
-                </a:rPr>
-                <a:t>uses the C# programming language</a:t>
+                <a:t>Windows API uses the C# programming language</a:t>
               </a:r>
             </a:p>
           </p:txBody>
@@ -9427,20 +9560,12 @@
           <a:lstStyle/>
           <a:p>
             <a:r>
-              <a:rPr lang="en-US" dirty="0" smtClean="0">
-                <a:solidFill>
-                  <a:srgbClr val="000000"/>
-                </a:solidFill>
-              </a:rPr>
-              <a:t>Windows: </a:t>
-            </a:r>
-            <a:r>
               <a:rPr lang="en-US" dirty="0">
                 <a:solidFill>
                   <a:srgbClr val="000000"/>
                 </a:solidFill>
               </a:rPr>
-              <a:t>Visual Studio</a:t>
+              <a:t>Windows: Visual Studio</a:t>
             </a:r>
           </a:p>
         </p:txBody>
@@ -9888,7 +10013,7 @@
         <p:spPr/>
         <p:txBody>
           <a:bodyPr>
-            <a:normAutofit fontScale="90000"/>
+            <a:normAutofit/>
           </a:bodyPr>
           <a:lstStyle/>
           <a:p>
@@ -12269,13 +12394,6 @@
   <p:clrMapOvr>
     <a:masterClrMapping/>
   </p:clrMapOvr>
-  <p:timing>
-    <p:tnLst>
-      <p:par>
-        <p:cTn id="1" dur="indefinite" restart="never" nodeType="tmRoot"/>
-      </p:par>
-    </p:tnLst>
-  </p:timing>
 </p:sld>
 </file>
 
@@ -12875,21 +12993,8 @@
                     <a:schemeClr val="tx1"/>
                   </a:solidFill>
                 </a:rPr>
-                <a:t>A cross-platform approach consolidates the skillsets </a:t>
+                <a:t>A cross-platform approach consolidates the skillsets needed</a:t>
               </a:r>
-              <a:r>
-                <a:rPr lang="en-US" sz="2800" dirty="0" smtClean="0">
-                  <a:solidFill>
-                    <a:schemeClr val="tx1"/>
-                  </a:solidFill>
-                </a:rPr>
-                <a:t>needed</a:t>
-              </a:r>
-              <a:endParaRPr lang="en-US" sz="2800" dirty="0">
-                <a:solidFill>
-                  <a:schemeClr val="tx1"/>
-                </a:solidFill>
-              </a:endParaRPr>
             </a:p>
           </p:txBody>
         </p:sp>
@@ -12967,28 +13072,27 @@
               <a:p>
                 <a:pPr algn="ctr"/>
                 <a:r>
-                  <a:rPr lang="en-US" dirty="0" err="1" smtClean="0"/>
+                  <a:rPr lang="en-US" dirty="0" err="1"/>
                   <a:t>iOS</a:t>
                 </a:r>
                 <a:r>
-                  <a:rPr lang="en-US" dirty="0" smtClean="0"/>
+                  <a:rPr lang="en-US" dirty="0"/>
                   <a:t> </a:t>
                 </a:r>
               </a:p>
               <a:p>
                 <a:pPr algn="ctr"/>
                 <a:r>
-                  <a:rPr lang="en-US" dirty="0" smtClean="0"/>
+                  <a:rPr lang="en-US" dirty="0"/>
                   <a:t>Objective C</a:t>
                 </a:r>
               </a:p>
               <a:p>
                 <a:pPr algn="ctr"/>
                 <a:r>
-                  <a:rPr lang="en-US" dirty="0" smtClean="0"/>
+                  <a:rPr lang="en-US" dirty="0"/>
                   <a:t>/Swift</a:t>
                 </a:r>
-                <a:endParaRPr lang="en-US" dirty="0"/>
               </a:p>
             </p:txBody>
           </p:sp>
@@ -13037,17 +13141,16 @@
               <a:p>
                 <a:pPr algn="ctr"/>
                 <a:r>
-                  <a:rPr lang="en-US" dirty="0" smtClean="0"/>
+                  <a:rPr lang="en-US" dirty="0"/>
                   <a:t>Android</a:t>
                 </a:r>
               </a:p>
               <a:p>
                 <a:pPr algn="ctr"/>
                 <a:r>
-                  <a:rPr lang="en-US" dirty="0" smtClean="0"/>
+                  <a:rPr lang="en-US" dirty="0"/>
                   <a:t>Java</a:t>
                 </a:r>
-                <a:endParaRPr lang="en-US" dirty="0"/>
               </a:p>
             </p:txBody>
           </p:sp>
@@ -13094,17 +13197,16 @@
               <a:p>
                 <a:pPr algn="ctr"/>
                 <a:r>
-                  <a:rPr lang="en-US" dirty="0" smtClean="0"/>
+                  <a:rPr lang="en-US" dirty="0"/>
                   <a:t>Windows</a:t>
                 </a:r>
               </a:p>
               <a:p>
                 <a:pPr algn="ctr"/>
                 <a:r>
-                  <a:rPr lang="en-US" dirty="0" smtClean="0"/>
+                  <a:rPr lang="en-US" dirty="0"/>
                   <a:t>C#</a:t>
                 </a:r>
-                <a:endParaRPr lang="en-US" dirty="0"/>
               </a:p>
             </p:txBody>
           </p:sp>
@@ -13268,20 +13370,15 @@
               <a:pPr marL="0" lvl="1" algn="ctr"/>
               <a:r>
                 <a:rPr lang="en-US" dirty="0"/>
-                <a:t>One programming language and </a:t>
-              </a:r>
-              <a:r>
-                <a:rPr lang="en-US" dirty="0" smtClean="0"/>
-                <a:t>environment</a:t>
+                <a:t>One programming language and environment</a:t>
               </a:r>
             </a:p>
             <a:p>
               <a:pPr marL="0" lvl="1" algn="ctr"/>
               <a:r>
-                <a:rPr lang="en-US" dirty="0" smtClean="0"/>
+                <a:rPr lang="en-US" dirty="0"/>
                 <a:t>(C# or HTML5 or JavaScript)</a:t>
               </a:r>
-              <a:endParaRPr lang="en-US" dirty="0"/>
             </a:p>
           </p:txBody>
         </p:sp>
@@ -13296,17 +13393,3979 @@
   <p:clrMapOvr>
     <a:masterClrMapping/>
   </p:clrMapOvr>
-  <p:timing>
-    <p:tnLst>
-      <p:par>
-        <p:cTn id="1" dur="indefinite" restart="never" nodeType="tmRoot"/>
-      </p:par>
-    </p:tnLst>
-  </p:timing>
 </p:sld>
 </file>
 
 <file path=ppt/slides/slide19.xml><?xml version="1.0" encoding="utf-8"?>
+<p:sld xmlns:a="http://schemas.openxmlformats.org/drawingml/2006/main" xmlns:r="http://schemas.openxmlformats.org/officeDocument/2006/relationships" xmlns:p="http://schemas.openxmlformats.org/presentationml/2006/main">
+  <p:cSld>
+    <p:spTree>
+      <p:nvGrpSpPr>
+        <p:cNvPr id="1" name=""/>
+        <p:cNvGrpSpPr/>
+        <p:nvPr/>
+      </p:nvGrpSpPr>
+      <p:grpSpPr>
+        <a:xfrm>
+          <a:off x="0" y="0"/>
+          <a:ext cx="0" cy="0"/>
+          <a:chOff x="0" y="0"/>
+          <a:chExt cx="0" cy="0"/>
+        </a:xfrm>
+      </p:grpSpPr>
+      <p:sp>
+        <p:nvSpPr>
+          <p:cNvPr id="2" name="Title 1"/>
+          <p:cNvSpPr>
+            <a:spLocks noGrp="1"/>
+          </p:cNvSpPr>
+          <p:nvPr>
+            <p:ph type="title"/>
+          </p:nvPr>
+        </p:nvSpPr>
+        <p:spPr/>
+        <p:txBody>
+          <a:bodyPr>
+            <a:normAutofit/>
+          </a:bodyPr>
+          <a:lstStyle/>
+          <a:p>
+            <a:r>
+              <a:rPr lang="en-US" dirty="0"/>
+              <a:t>Universal Windows Platform (UWP)</a:t>
+            </a:r>
+            <a:br>
+              <a:rPr lang="en-US" dirty="0"/>
+            </a:br>
+            <a:r>
+              <a:rPr lang="en-US" dirty="0"/>
+              <a:t>Apps Run On All Windows 10 Devices</a:t>
+            </a:r>
+          </a:p>
+        </p:txBody>
+      </p:sp>
+      <p:sp>
+        <p:nvSpPr>
+          <p:cNvPr id="3" name="Content Placeholder 2"/>
+          <p:cNvSpPr>
+            <a:spLocks noGrp="1"/>
+          </p:cNvSpPr>
+          <p:nvPr>
+            <p:ph idx="1"/>
+          </p:nvPr>
+        </p:nvSpPr>
+        <p:spPr>
+          <a:xfrm>
+            <a:off x="795867" y="2709333"/>
+            <a:ext cx="10515600" cy="2167467"/>
+          </a:xfrm>
+        </p:spPr>
+        <p:txBody>
+          <a:bodyPr anchor="ctr">
+            <a:normAutofit/>
+          </a:bodyPr>
+          <a:lstStyle/>
+          <a:p>
+            <a:pPr lvl="1">
+              <a:buFont typeface="Wingdings" charset="2"/>
+              <a:buChar char="§"/>
+            </a:pPr>
+            <a:r>
+              <a:rPr lang="en-US" sz="2800" dirty="0" smtClean="0"/>
+              <a:t>Run </a:t>
+            </a:r>
+            <a:r>
+              <a:rPr lang="en-US" sz="2800" dirty="0"/>
+              <a:t>on Windows 10 phones and tablets </a:t>
+            </a:r>
+          </a:p>
+          <a:p>
+            <a:pPr lvl="1">
+              <a:buFont typeface="Wingdings" charset="2"/>
+              <a:buChar char="§"/>
+            </a:pPr>
+            <a:r>
+              <a:rPr lang="en-US" sz="2800" dirty="0"/>
+              <a:t>Run on Windows 10 PCs</a:t>
+            </a:r>
+          </a:p>
+          <a:p>
+            <a:pPr lvl="1">
+              <a:buFont typeface="Wingdings" charset="2"/>
+              <a:buChar char="§"/>
+            </a:pPr>
+            <a:r>
+              <a:rPr lang="en-US" sz="2800" dirty="0"/>
+              <a:t>Run on Xbox</a:t>
+            </a:r>
+          </a:p>
+          <a:p>
+            <a:pPr lvl="1">
+              <a:buFont typeface="Wingdings" charset="2"/>
+              <a:buChar char="§"/>
+            </a:pPr>
+            <a:r>
+              <a:rPr lang="en-US" sz="2800" dirty="0"/>
+              <a:t>Run on </a:t>
+            </a:r>
+            <a:r>
+              <a:rPr lang="en-US" sz="2800" dirty="0" smtClean="0"/>
+              <a:t>HoloLens</a:t>
+            </a:r>
+            <a:endParaRPr lang="en-US" sz="2800" dirty="0"/>
+          </a:p>
+        </p:txBody>
+      </p:sp>
+      <p:grpSp>
+        <p:nvGrpSpPr>
+          <p:cNvPr id="6" name="Group 5"/>
+          <p:cNvGrpSpPr/>
+          <p:nvPr/>
+        </p:nvGrpSpPr>
+        <p:grpSpPr>
+          <a:xfrm>
+            <a:off x="0" y="1744122"/>
+            <a:ext cx="12192000" cy="965211"/>
+            <a:chOff x="0" y="1744122"/>
+            <a:chExt cx="12192000" cy="965211"/>
+          </a:xfrm>
+        </p:grpSpPr>
+        <p:sp>
+          <p:nvSpPr>
+            <p:cNvPr id="5" name="Rectangle 4"/>
+            <p:cNvSpPr/>
+            <p:nvPr/>
+          </p:nvSpPr>
+          <p:spPr>
+            <a:xfrm>
+              <a:off x="0" y="1744122"/>
+              <a:ext cx="12192000" cy="965211"/>
+            </a:xfrm>
+            <a:prstGeom prst="rect">
+              <a:avLst/>
+            </a:prstGeom>
+            <a:solidFill>
+              <a:srgbClr val="2E75B5"/>
+            </a:solidFill>
+            <a:ln>
+              <a:noFill/>
+            </a:ln>
+          </p:spPr>
+          <p:style>
+            <a:lnRef idx="2">
+              <a:schemeClr val="accent1">
+                <a:shade val="50000"/>
+              </a:schemeClr>
+            </a:lnRef>
+            <a:fillRef idx="1">
+              <a:schemeClr val="accent1"/>
+            </a:fillRef>
+            <a:effectRef idx="0">
+              <a:schemeClr val="accent1"/>
+            </a:effectRef>
+            <a:fontRef idx="minor">
+              <a:schemeClr val="lt1"/>
+            </a:fontRef>
+          </p:style>
+          <p:txBody>
+            <a:bodyPr rtlCol="0" anchor="ctr"/>
+            <a:lstStyle/>
+            <a:p>
+              <a:pPr algn="ctr"/>
+              <a:endParaRPr lang="en-US" dirty="0">
+                <a:solidFill>
+                  <a:schemeClr val="bg1"/>
+                </a:solidFill>
+              </a:endParaRPr>
+            </a:p>
+          </p:txBody>
+        </p:sp>
+        <p:sp>
+          <p:nvSpPr>
+            <p:cNvPr id="4" name="TextBox 3"/>
+            <p:cNvSpPr txBox="1"/>
+            <p:nvPr/>
+          </p:nvSpPr>
+          <p:spPr>
+            <a:xfrm>
+              <a:off x="1231900" y="1986662"/>
+              <a:ext cx="9728200" cy="480131"/>
+            </a:xfrm>
+            <a:prstGeom prst="rect">
+              <a:avLst/>
+            </a:prstGeom>
+            <a:noFill/>
+          </p:spPr>
+          <p:txBody>
+            <a:bodyPr wrap="square" rtlCol="0">
+              <a:spAutoFit/>
+            </a:bodyPr>
+            <a:lstStyle/>
+            <a:p>
+              <a:pPr lvl="0">
+                <a:lnSpc>
+                  <a:spcPct val="90000"/>
+                </a:lnSpc>
+                <a:spcBef>
+                  <a:spcPts val="1000"/>
+                </a:spcBef>
+              </a:pPr>
+              <a:r>
+                <a:rPr lang="en-US" sz="2800" dirty="0">
+                  <a:solidFill>
+                    <a:prstClr val="white"/>
+                  </a:solidFill>
+                </a:rPr>
+                <a:t>Code in C# using </a:t>
+              </a:r>
+              <a:r>
+                <a:rPr lang="en-US" sz="2800" dirty="0" err="1">
+                  <a:solidFill>
+                    <a:prstClr val="white"/>
+                  </a:solidFill>
+                </a:rPr>
+                <a:t>Xamarin</a:t>
+              </a:r>
+              <a:r>
+                <a:rPr lang="en-US" sz="2800" dirty="0">
+                  <a:solidFill>
+                    <a:prstClr val="white"/>
+                  </a:solidFill>
+                </a:rPr>
+                <a:t> in a UWP </a:t>
+              </a:r>
+              <a:r>
+                <a:rPr lang="en-US" sz="2800" dirty="0" smtClean="0">
+                  <a:solidFill>
+                    <a:prstClr val="white"/>
+                  </a:solidFill>
+                </a:rPr>
+                <a:t>project</a:t>
+              </a:r>
+              <a:endParaRPr lang="en-US" sz="2800" dirty="0">
+                <a:solidFill>
+                  <a:prstClr val="white"/>
+                </a:solidFill>
+              </a:endParaRPr>
+            </a:p>
+          </p:txBody>
+        </p:sp>
+      </p:grpSp>
+      <p:grpSp>
+        <p:nvGrpSpPr>
+          <p:cNvPr id="36" name="Group 35"/>
+          <p:cNvGrpSpPr/>
+          <p:nvPr/>
+        </p:nvGrpSpPr>
+        <p:grpSpPr>
+          <a:xfrm>
+            <a:off x="8952219" y="3578877"/>
+            <a:ext cx="540634" cy="944629"/>
+            <a:chOff x="7096843" y="4777016"/>
+            <a:chExt cx="654167" cy="1143001"/>
+          </a:xfrm>
+        </p:grpSpPr>
+        <p:sp>
+          <p:nvSpPr>
+            <p:cNvPr id="37" name="Rectangle 36"/>
+            <p:cNvSpPr/>
+            <p:nvPr/>
+          </p:nvSpPr>
+          <p:spPr>
+            <a:xfrm>
+              <a:off x="7096843" y="4777016"/>
+              <a:ext cx="654167" cy="1143001"/>
+            </a:xfrm>
+            <a:prstGeom prst="rect">
+              <a:avLst/>
+            </a:prstGeom>
+            <a:solidFill>
+              <a:schemeClr val="bg1">
+                <a:lumMod val="50000"/>
+              </a:schemeClr>
+            </a:solidFill>
+            <a:ln>
+              <a:noFill/>
+            </a:ln>
+          </p:spPr>
+          <p:style>
+            <a:lnRef idx="2">
+              <a:schemeClr val="accent1">
+                <a:shade val="50000"/>
+              </a:schemeClr>
+            </a:lnRef>
+            <a:fillRef idx="1">
+              <a:schemeClr val="accent1"/>
+            </a:fillRef>
+            <a:effectRef idx="0">
+              <a:schemeClr val="accent1"/>
+            </a:effectRef>
+            <a:fontRef idx="minor">
+              <a:schemeClr val="lt1"/>
+            </a:fontRef>
+          </p:style>
+          <p:txBody>
+            <a:bodyPr rtlCol="0" anchor="ctr"/>
+            <a:lstStyle/>
+            <a:p>
+              <a:pPr algn="ctr"/>
+              <a:endParaRPr lang="en-US" dirty="0">
+                <a:solidFill>
+                  <a:schemeClr val="bg1"/>
+                </a:solidFill>
+              </a:endParaRPr>
+            </a:p>
+          </p:txBody>
+        </p:sp>
+        <p:sp>
+          <p:nvSpPr>
+            <p:cNvPr id="38" name="Rectangle 37"/>
+            <p:cNvSpPr/>
+            <p:nvPr/>
+          </p:nvSpPr>
+          <p:spPr>
+            <a:xfrm>
+              <a:off x="7142797" y="4860815"/>
+              <a:ext cx="562259" cy="918637"/>
+            </a:xfrm>
+            <a:prstGeom prst="rect">
+              <a:avLst/>
+            </a:prstGeom>
+            <a:solidFill>
+              <a:schemeClr val="bg1">
+                <a:lumMod val="65000"/>
+              </a:schemeClr>
+            </a:solidFill>
+            <a:ln>
+              <a:noFill/>
+            </a:ln>
+          </p:spPr>
+          <p:style>
+            <a:lnRef idx="2">
+              <a:schemeClr val="accent1">
+                <a:shade val="50000"/>
+              </a:schemeClr>
+            </a:lnRef>
+            <a:fillRef idx="1">
+              <a:schemeClr val="accent1"/>
+            </a:fillRef>
+            <a:effectRef idx="0">
+              <a:schemeClr val="accent1"/>
+            </a:effectRef>
+            <a:fontRef idx="minor">
+              <a:schemeClr val="lt1"/>
+            </a:fontRef>
+          </p:style>
+          <p:txBody>
+            <a:bodyPr rtlCol="0" anchor="ctr"/>
+            <a:lstStyle/>
+            <a:p>
+              <a:pPr algn="ctr"/>
+              <a:endParaRPr lang="en-US" dirty="0">
+                <a:solidFill>
+                  <a:schemeClr val="bg1"/>
+                </a:solidFill>
+              </a:endParaRPr>
+            </a:p>
+          </p:txBody>
+        </p:sp>
+        <p:sp>
+          <p:nvSpPr>
+            <p:cNvPr id="39" name="Oval 38"/>
+            <p:cNvSpPr/>
+            <p:nvPr/>
+          </p:nvSpPr>
+          <p:spPr>
+            <a:xfrm>
+              <a:off x="7380676" y="5809187"/>
+              <a:ext cx="86502" cy="86502"/>
+            </a:xfrm>
+            <a:prstGeom prst="ellipse">
+              <a:avLst/>
+            </a:prstGeom>
+            <a:solidFill>
+              <a:schemeClr val="bg1">
+                <a:lumMod val="65000"/>
+              </a:schemeClr>
+            </a:solidFill>
+            <a:ln>
+              <a:noFill/>
+            </a:ln>
+          </p:spPr>
+          <p:style>
+            <a:lnRef idx="2">
+              <a:schemeClr val="accent1">
+                <a:shade val="50000"/>
+              </a:schemeClr>
+            </a:lnRef>
+            <a:fillRef idx="1">
+              <a:schemeClr val="accent1"/>
+            </a:fillRef>
+            <a:effectRef idx="0">
+              <a:schemeClr val="accent1"/>
+            </a:effectRef>
+            <a:fontRef idx="minor">
+              <a:schemeClr val="lt1"/>
+            </a:fontRef>
+          </p:style>
+          <p:txBody>
+            <a:bodyPr rtlCol="0" anchor="ctr"/>
+            <a:lstStyle/>
+            <a:p>
+              <a:pPr algn="ctr"/>
+              <a:endParaRPr lang="en-US" dirty="0">
+                <a:solidFill>
+                  <a:schemeClr val="bg1"/>
+                </a:solidFill>
+              </a:endParaRPr>
+            </a:p>
+          </p:txBody>
+        </p:sp>
+        <p:sp>
+          <p:nvSpPr>
+            <p:cNvPr id="40" name="Oval 39"/>
+            <p:cNvSpPr/>
+            <p:nvPr/>
+          </p:nvSpPr>
+          <p:spPr>
+            <a:xfrm>
+              <a:off x="7516849" y="4799453"/>
+              <a:ext cx="38925" cy="38925"/>
+            </a:xfrm>
+            <a:prstGeom prst="ellipse">
+              <a:avLst/>
+            </a:prstGeom>
+            <a:solidFill>
+              <a:schemeClr val="bg1">
+                <a:lumMod val="65000"/>
+              </a:schemeClr>
+            </a:solidFill>
+            <a:ln>
+              <a:noFill/>
+            </a:ln>
+          </p:spPr>
+          <p:style>
+            <a:lnRef idx="2">
+              <a:schemeClr val="accent1">
+                <a:shade val="50000"/>
+              </a:schemeClr>
+            </a:lnRef>
+            <a:fillRef idx="1">
+              <a:schemeClr val="accent1"/>
+            </a:fillRef>
+            <a:effectRef idx="0">
+              <a:schemeClr val="accent1"/>
+            </a:effectRef>
+            <a:fontRef idx="minor">
+              <a:schemeClr val="lt1"/>
+            </a:fontRef>
+          </p:style>
+          <p:txBody>
+            <a:bodyPr rtlCol="0" anchor="ctr"/>
+            <a:lstStyle/>
+            <a:p>
+              <a:pPr algn="ctr"/>
+              <a:endParaRPr lang="en-US" dirty="0">
+                <a:solidFill>
+                  <a:schemeClr val="bg1"/>
+                </a:solidFill>
+              </a:endParaRPr>
+            </a:p>
+          </p:txBody>
+        </p:sp>
+        <p:cxnSp>
+          <p:nvCxnSpPr>
+            <p:cNvPr id="41" name="Straight Connector 40"/>
+            <p:cNvCxnSpPr/>
+            <p:nvPr/>
+          </p:nvCxnSpPr>
+          <p:spPr>
+            <a:xfrm>
+              <a:off x="7373242" y="4817120"/>
+              <a:ext cx="76026" cy="0"/>
+            </a:xfrm>
+            <a:prstGeom prst="line">
+              <a:avLst/>
+            </a:prstGeom>
+            <a:ln w="19050">
+              <a:solidFill>
+                <a:schemeClr val="bg1">
+                  <a:lumMod val="65000"/>
+                </a:schemeClr>
+              </a:solidFill>
+            </a:ln>
+          </p:spPr>
+          <p:style>
+            <a:lnRef idx="1">
+              <a:schemeClr val="accent1"/>
+            </a:lnRef>
+            <a:fillRef idx="0">
+              <a:schemeClr val="accent1"/>
+            </a:fillRef>
+            <a:effectRef idx="0">
+              <a:schemeClr val="accent1"/>
+            </a:effectRef>
+            <a:fontRef idx="minor">
+              <a:schemeClr val="tx1"/>
+            </a:fontRef>
+          </p:style>
+        </p:cxnSp>
+        <p:sp>
+          <p:nvSpPr>
+            <p:cNvPr id="43" name="Freeform 19"/>
+            <p:cNvSpPr>
+              <a:spLocks/>
+            </p:cNvSpPr>
+            <p:nvPr/>
+          </p:nvSpPr>
+          <p:spPr bwMode="auto">
+            <a:xfrm>
+              <a:off x="7404076" y="5165403"/>
+              <a:ext cx="162131" cy="143223"/>
+            </a:xfrm>
+            <a:custGeom>
+              <a:avLst/>
+              <a:gdLst>
+                <a:gd name="T0" fmla="*/ 0 w 911"/>
+                <a:gd name="T1" fmla="*/ 136 h 807"/>
+                <a:gd name="T2" fmla="*/ 911 w 911"/>
+                <a:gd name="T3" fmla="*/ 0 h 807"/>
+                <a:gd name="T4" fmla="*/ 911 w 911"/>
+                <a:gd name="T5" fmla="*/ 13 h 807"/>
+                <a:gd name="T6" fmla="*/ 911 w 911"/>
+                <a:gd name="T7" fmla="*/ 801 h 807"/>
+                <a:gd name="T8" fmla="*/ 0 w 911"/>
+                <a:gd name="T9" fmla="*/ 807 h 807"/>
+                <a:gd name="T10" fmla="*/ 0 w 911"/>
+                <a:gd name="T11" fmla="*/ 136 h 807"/>
+                <a:gd name="T12" fmla="*/ 0 w 911"/>
+                <a:gd name="T13" fmla="*/ 136 h 807"/>
+              </a:gdLst>
+              <a:ahLst/>
+              <a:cxnLst>
+                <a:cxn ang="0">
+                  <a:pos x="T0" y="T1"/>
+                </a:cxn>
+                <a:cxn ang="0">
+                  <a:pos x="T2" y="T3"/>
+                </a:cxn>
+                <a:cxn ang="0">
+                  <a:pos x="T4" y="T5"/>
+                </a:cxn>
+                <a:cxn ang="0">
+                  <a:pos x="T6" y="T7"/>
+                </a:cxn>
+                <a:cxn ang="0">
+                  <a:pos x="T8" y="T9"/>
+                </a:cxn>
+                <a:cxn ang="0">
+                  <a:pos x="T10" y="T11"/>
+                </a:cxn>
+                <a:cxn ang="0">
+                  <a:pos x="T12" y="T13"/>
+                </a:cxn>
+              </a:cxnLst>
+              <a:rect l="0" t="0" r="r" b="b"/>
+              <a:pathLst>
+                <a:path w="911" h="807">
+                  <a:moveTo>
+                    <a:pt x="0" y="136"/>
+                  </a:moveTo>
+                  <a:cubicBezTo>
+                    <a:pt x="302" y="87"/>
+                    <a:pt x="610" y="44"/>
+                    <a:pt x="911" y="0"/>
+                  </a:cubicBezTo>
+                  <a:cubicBezTo>
+                    <a:pt x="911" y="13"/>
+                    <a:pt x="911" y="13"/>
+                    <a:pt x="911" y="13"/>
+                  </a:cubicBezTo>
+                  <a:cubicBezTo>
+                    <a:pt x="911" y="801"/>
+                    <a:pt x="911" y="801"/>
+                    <a:pt x="911" y="801"/>
+                  </a:cubicBezTo>
+                  <a:cubicBezTo>
+                    <a:pt x="610" y="801"/>
+                    <a:pt x="302" y="807"/>
+                    <a:pt x="0" y="807"/>
+                  </a:cubicBezTo>
+                  <a:cubicBezTo>
+                    <a:pt x="0" y="585"/>
+                    <a:pt x="0" y="358"/>
+                    <a:pt x="0" y="136"/>
+                  </a:cubicBezTo>
+                  <a:cubicBezTo>
+                    <a:pt x="0" y="136"/>
+                    <a:pt x="0" y="136"/>
+                    <a:pt x="0" y="136"/>
+                  </a:cubicBezTo>
+                  <a:close/>
+                </a:path>
+              </a:pathLst>
+            </a:custGeom>
+            <a:solidFill>
+              <a:schemeClr val="bg1"/>
+            </a:solidFill>
+            <a:ln>
+              <a:noFill/>
+            </a:ln>
+            <a:extLst>
+              <a:ext uri="{91240B29-F687-4f45-9708-019B960494DF}">
+                <a14:hiddenLine xmlns:a14="http://schemas.microsoft.com/office/drawing/2010/main" xmlns="" w="9525">
+                  <a:solidFill>
+                    <a:srgbClr val="000000"/>
+                  </a:solidFill>
+                  <a:round/>
+                  <a:headEnd/>
+                  <a:tailEnd/>
+                </a14:hiddenLine>
+              </a:ext>
+            </a:extLst>
+          </p:spPr>
+          <p:txBody>
+            <a:bodyPr vert="horz" wrap="square" lIns="91440" tIns="45720" rIns="91440" bIns="45720" numCol="1" anchor="t" anchorCtr="0" compatLnSpc="1">
+              <a:prstTxWarp prst="textNoShape">
+                <a:avLst/>
+              </a:prstTxWarp>
+            </a:bodyPr>
+            <a:lstStyle/>
+            <a:p>
+              <a:endParaRPr lang="en-US"/>
+            </a:p>
+          </p:txBody>
+        </p:sp>
+        <p:sp>
+          <p:nvSpPr>
+            <p:cNvPr id="44" name="Freeform 20"/>
+            <p:cNvSpPr>
+              <a:spLocks/>
+            </p:cNvSpPr>
+            <p:nvPr/>
+          </p:nvSpPr>
+          <p:spPr bwMode="auto">
+            <a:xfrm>
+              <a:off x="7267155" y="5191700"/>
+              <a:ext cx="122577" cy="118012"/>
+            </a:xfrm>
+            <a:custGeom>
+              <a:avLst/>
+              <a:gdLst>
+                <a:gd name="T0" fmla="*/ 0 w 689"/>
+                <a:gd name="T1" fmla="*/ 93 h 665"/>
+                <a:gd name="T2" fmla="*/ 689 w 689"/>
+                <a:gd name="T3" fmla="*/ 0 h 665"/>
+                <a:gd name="T4" fmla="*/ 689 w 689"/>
+                <a:gd name="T5" fmla="*/ 659 h 665"/>
+                <a:gd name="T6" fmla="*/ 0 w 689"/>
+                <a:gd name="T7" fmla="*/ 665 h 665"/>
+                <a:gd name="T8" fmla="*/ 0 w 689"/>
+                <a:gd name="T9" fmla="*/ 93 h 665"/>
+                <a:gd name="T10" fmla="*/ 0 w 689"/>
+                <a:gd name="T11" fmla="*/ 93 h 665"/>
+              </a:gdLst>
+              <a:ahLst/>
+              <a:cxnLst>
+                <a:cxn ang="0">
+                  <a:pos x="T0" y="T1"/>
+                </a:cxn>
+                <a:cxn ang="0">
+                  <a:pos x="T2" y="T3"/>
+                </a:cxn>
+                <a:cxn ang="0">
+                  <a:pos x="T4" y="T5"/>
+                </a:cxn>
+                <a:cxn ang="0">
+                  <a:pos x="T6" y="T7"/>
+                </a:cxn>
+                <a:cxn ang="0">
+                  <a:pos x="T8" y="T9"/>
+                </a:cxn>
+                <a:cxn ang="0">
+                  <a:pos x="T10" y="T11"/>
+                </a:cxn>
+              </a:cxnLst>
+              <a:rect l="0" t="0" r="r" b="b"/>
+              <a:pathLst>
+                <a:path w="689" h="665">
+                  <a:moveTo>
+                    <a:pt x="0" y="93"/>
+                  </a:moveTo>
+                  <a:cubicBezTo>
+                    <a:pt x="227" y="56"/>
+                    <a:pt x="455" y="25"/>
+                    <a:pt x="689" y="0"/>
+                  </a:cubicBezTo>
+                  <a:cubicBezTo>
+                    <a:pt x="689" y="222"/>
+                    <a:pt x="689" y="437"/>
+                    <a:pt x="689" y="659"/>
+                  </a:cubicBezTo>
+                  <a:cubicBezTo>
+                    <a:pt x="455" y="659"/>
+                    <a:pt x="227" y="665"/>
+                    <a:pt x="0" y="665"/>
+                  </a:cubicBezTo>
+                  <a:cubicBezTo>
+                    <a:pt x="0" y="93"/>
+                    <a:pt x="0" y="93"/>
+                    <a:pt x="0" y="93"/>
+                  </a:cubicBezTo>
+                  <a:cubicBezTo>
+                    <a:pt x="0" y="93"/>
+                    <a:pt x="0" y="93"/>
+                    <a:pt x="0" y="93"/>
+                  </a:cubicBezTo>
+                  <a:close/>
+                </a:path>
+              </a:pathLst>
+            </a:custGeom>
+            <a:solidFill>
+              <a:schemeClr val="bg1"/>
+            </a:solidFill>
+            <a:ln>
+              <a:noFill/>
+            </a:ln>
+            <a:extLst>
+              <a:ext uri="{91240B29-F687-4f45-9708-019B960494DF}">
+                <a14:hiddenLine xmlns:a14="http://schemas.microsoft.com/office/drawing/2010/main" xmlns="" w="9525">
+                  <a:solidFill>
+                    <a:srgbClr val="000000"/>
+                  </a:solidFill>
+                  <a:round/>
+                  <a:headEnd/>
+                  <a:tailEnd/>
+                </a14:hiddenLine>
+              </a:ext>
+            </a:extLst>
+          </p:spPr>
+          <p:txBody>
+            <a:bodyPr vert="horz" wrap="square" lIns="91440" tIns="45720" rIns="91440" bIns="45720" numCol="1" anchor="t" anchorCtr="0" compatLnSpc="1">
+              <a:prstTxWarp prst="textNoShape">
+                <a:avLst/>
+              </a:prstTxWarp>
+            </a:bodyPr>
+            <a:lstStyle/>
+            <a:p>
+              <a:endParaRPr lang="en-US"/>
+            </a:p>
+          </p:txBody>
+        </p:sp>
+        <p:sp>
+          <p:nvSpPr>
+            <p:cNvPr id="45" name="Freeform 21"/>
+            <p:cNvSpPr>
+              <a:spLocks/>
+            </p:cNvSpPr>
+            <p:nvPr/>
+          </p:nvSpPr>
+          <p:spPr bwMode="auto">
+            <a:xfrm>
+              <a:off x="7267155" y="5321666"/>
+              <a:ext cx="122577" cy="118012"/>
+            </a:xfrm>
+            <a:custGeom>
+              <a:avLst/>
+              <a:gdLst>
+                <a:gd name="T0" fmla="*/ 0 w 689"/>
+                <a:gd name="T1" fmla="*/ 0 h 665"/>
+                <a:gd name="T2" fmla="*/ 689 w 689"/>
+                <a:gd name="T3" fmla="*/ 0 h 665"/>
+                <a:gd name="T4" fmla="*/ 689 w 689"/>
+                <a:gd name="T5" fmla="*/ 665 h 665"/>
+                <a:gd name="T6" fmla="*/ 0 w 689"/>
+                <a:gd name="T7" fmla="*/ 573 h 665"/>
+                <a:gd name="T8" fmla="*/ 0 w 689"/>
+                <a:gd name="T9" fmla="*/ 0 h 665"/>
+              </a:gdLst>
+              <a:ahLst/>
+              <a:cxnLst>
+                <a:cxn ang="0">
+                  <a:pos x="T0" y="T1"/>
+                </a:cxn>
+                <a:cxn ang="0">
+                  <a:pos x="T2" y="T3"/>
+                </a:cxn>
+                <a:cxn ang="0">
+                  <a:pos x="T4" y="T5"/>
+                </a:cxn>
+                <a:cxn ang="0">
+                  <a:pos x="T6" y="T7"/>
+                </a:cxn>
+                <a:cxn ang="0">
+                  <a:pos x="T8" y="T9"/>
+                </a:cxn>
+              </a:cxnLst>
+              <a:rect l="0" t="0" r="r" b="b"/>
+              <a:pathLst>
+                <a:path w="689" h="665">
+                  <a:moveTo>
+                    <a:pt x="0" y="0"/>
+                  </a:moveTo>
+                  <a:cubicBezTo>
+                    <a:pt x="227" y="0"/>
+                    <a:pt x="455" y="6"/>
+                    <a:pt x="689" y="0"/>
+                  </a:cubicBezTo>
+                  <a:cubicBezTo>
+                    <a:pt x="689" y="222"/>
+                    <a:pt x="689" y="443"/>
+                    <a:pt x="689" y="665"/>
+                  </a:cubicBezTo>
+                  <a:cubicBezTo>
+                    <a:pt x="455" y="634"/>
+                    <a:pt x="227" y="603"/>
+                    <a:pt x="0" y="573"/>
+                  </a:cubicBezTo>
+                  <a:lnTo>
+                    <a:pt x="0" y="0"/>
+                  </a:lnTo>
+                  <a:close/>
+                </a:path>
+              </a:pathLst>
+            </a:custGeom>
+            <a:solidFill>
+              <a:schemeClr val="bg1"/>
+            </a:solidFill>
+            <a:ln>
+              <a:noFill/>
+            </a:ln>
+            <a:extLst>
+              <a:ext uri="{91240B29-F687-4f45-9708-019B960494DF}">
+                <a14:hiddenLine xmlns:a14="http://schemas.microsoft.com/office/drawing/2010/main" xmlns="" w="9525">
+                  <a:solidFill>
+                    <a:srgbClr val="000000"/>
+                  </a:solidFill>
+                  <a:round/>
+                  <a:headEnd/>
+                  <a:tailEnd/>
+                </a14:hiddenLine>
+              </a:ext>
+            </a:extLst>
+          </p:spPr>
+          <p:txBody>
+            <a:bodyPr vert="horz" wrap="square" lIns="91440" tIns="45720" rIns="91440" bIns="45720" numCol="1" anchor="t" anchorCtr="0" compatLnSpc="1">
+              <a:prstTxWarp prst="textNoShape">
+                <a:avLst/>
+              </a:prstTxWarp>
+            </a:bodyPr>
+            <a:lstStyle/>
+            <a:p>
+              <a:endParaRPr lang="en-US"/>
+            </a:p>
+          </p:txBody>
+        </p:sp>
+        <p:sp>
+          <p:nvSpPr>
+            <p:cNvPr id="46" name="Freeform 22"/>
+            <p:cNvSpPr>
+              <a:spLocks/>
+            </p:cNvSpPr>
+            <p:nvPr/>
+          </p:nvSpPr>
+          <p:spPr bwMode="auto">
+            <a:xfrm>
+              <a:off x="7404076" y="5322753"/>
+              <a:ext cx="162131" cy="142136"/>
+            </a:xfrm>
+            <a:custGeom>
+              <a:avLst/>
+              <a:gdLst>
+                <a:gd name="T0" fmla="*/ 0 w 911"/>
+                <a:gd name="T1" fmla="*/ 0 h 801"/>
+                <a:gd name="T2" fmla="*/ 911 w 911"/>
+                <a:gd name="T3" fmla="*/ 0 h 801"/>
+                <a:gd name="T4" fmla="*/ 911 w 911"/>
+                <a:gd name="T5" fmla="*/ 764 h 801"/>
+                <a:gd name="T6" fmla="*/ 911 w 911"/>
+                <a:gd name="T7" fmla="*/ 801 h 801"/>
+                <a:gd name="T8" fmla="*/ 0 w 911"/>
+                <a:gd name="T9" fmla="*/ 671 h 801"/>
+                <a:gd name="T10" fmla="*/ 0 w 911"/>
+                <a:gd name="T11" fmla="*/ 0 h 801"/>
+              </a:gdLst>
+              <a:ahLst/>
+              <a:cxnLst>
+                <a:cxn ang="0">
+                  <a:pos x="T0" y="T1"/>
+                </a:cxn>
+                <a:cxn ang="0">
+                  <a:pos x="T2" y="T3"/>
+                </a:cxn>
+                <a:cxn ang="0">
+                  <a:pos x="T4" y="T5"/>
+                </a:cxn>
+                <a:cxn ang="0">
+                  <a:pos x="T6" y="T7"/>
+                </a:cxn>
+                <a:cxn ang="0">
+                  <a:pos x="T8" y="T9"/>
+                </a:cxn>
+                <a:cxn ang="0">
+                  <a:pos x="T10" y="T11"/>
+                </a:cxn>
+              </a:cxnLst>
+              <a:rect l="0" t="0" r="r" b="b"/>
+              <a:pathLst>
+                <a:path w="911" h="801">
+                  <a:moveTo>
+                    <a:pt x="0" y="0"/>
+                  </a:moveTo>
+                  <a:cubicBezTo>
+                    <a:pt x="302" y="0"/>
+                    <a:pt x="610" y="0"/>
+                    <a:pt x="911" y="0"/>
+                  </a:cubicBezTo>
+                  <a:cubicBezTo>
+                    <a:pt x="911" y="764"/>
+                    <a:pt x="911" y="764"/>
+                    <a:pt x="911" y="764"/>
+                  </a:cubicBezTo>
+                  <a:cubicBezTo>
+                    <a:pt x="911" y="801"/>
+                    <a:pt x="911" y="801"/>
+                    <a:pt x="911" y="801"/>
+                  </a:cubicBezTo>
+                  <a:cubicBezTo>
+                    <a:pt x="610" y="751"/>
+                    <a:pt x="302" y="714"/>
+                    <a:pt x="0" y="671"/>
+                  </a:cubicBezTo>
+                  <a:cubicBezTo>
+                    <a:pt x="0" y="450"/>
+                    <a:pt x="0" y="228"/>
+                    <a:pt x="0" y="0"/>
+                  </a:cubicBezTo>
+                  <a:close/>
+                </a:path>
+              </a:pathLst>
+            </a:custGeom>
+            <a:solidFill>
+              <a:schemeClr val="bg1"/>
+            </a:solidFill>
+            <a:ln>
+              <a:noFill/>
+            </a:ln>
+            <a:extLst>
+              <a:ext uri="{91240B29-F687-4f45-9708-019B960494DF}">
+                <a14:hiddenLine xmlns:a14="http://schemas.microsoft.com/office/drawing/2010/main" xmlns="" w="9525">
+                  <a:solidFill>
+                    <a:srgbClr val="000000"/>
+                  </a:solidFill>
+                  <a:round/>
+                  <a:headEnd/>
+                  <a:tailEnd/>
+                </a14:hiddenLine>
+              </a:ext>
+            </a:extLst>
+          </p:spPr>
+          <p:txBody>
+            <a:bodyPr vert="horz" wrap="square" lIns="91440" tIns="45720" rIns="91440" bIns="45720" numCol="1" anchor="t" anchorCtr="0" compatLnSpc="1">
+              <a:prstTxWarp prst="textNoShape">
+                <a:avLst/>
+              </a:prstTxWarp>
+            </a:bodyPr>
+            <a:lstStyle/>
+            <a:p>
+              <a:endParaRPr lang="en-US"/>
+            </a:p>
+          </p:txBody>
+        </p:sp>
+      </p:grpSp>
+      <p:grpSp>
+        <p:nvGrpSpPr>
+          <p:cNvPr id="68" name="Group 67"/>
+          <p:cNvGrpSpPr/>
+          <p:nvPr/>
+        </p:nvGrpSpPr>
+        <p:grpSpPr>
+          <a:xfrm>
+            <a:off x="8433995" y="5365541"/>
+            <a:ext cx="1673467" cy="957766"/>
+            <a:chOff x="10348297" y="5747762"/>
+            <a:chExt cx="1383031" cy="791542"/>
+          </a:xfrm>
+        </p:grpSpPr>
+        <p:grpSp>
+          <p:nvGrpSpPr>
+            <p:cNvPr id="61" name="Group 60"/>
+            <p:cNvGrpSpPr/>
+            <p:nvPr/>
+          </p:nvGrpSpPr>
+          <p:grpSpPr>
+            <a:xfrm>
+              <a:off x="10348297" y="5747762"/>
+              <a:ext cx="1383031" cy="791542"/>
+              <a:chOff x="9252938" y="5260813"/>
+              <a:chExt cx="1143001" cy="654167"/>
+            </a:xfrm>
+          </p:grpSpPr>
+          <p:sp>
+            <p:nvSpPr>
+              <p:cNvPr id="48" name="Rectangle 47"/>
+              <p:cNvSpPr/>
+              <p:nvPr/>
+            </p:nvSpPr>
+            <p:spPr>
+              <a:xfrm rot="5400000">
+                <a:off x="9497355" y="5016396"/>
+                <a:ext cx="654167" cy="1143001"/>
+              </a:xfrm>
+              <a:prstGeom prst="rect">
+                <a:avLst/>
+              </a:prstGeom>
+              <a:solidFill>
+                <a:schemeClr val="bg1">
+                  <a:lumMod val="50000"/>
+                </a:schemeClr>
+              </a:solidFill>
+              <a:ln>
+                <a:noFill/>
+              </a:ln>
+            </p:spPr>
+            <p:style>
+              <a:lnRef idx="2">
+                <a:schemeClr val="accent1">
+                  <a:shade val="50000"/>
+                </a:schemeClr>
+              </a:lnRef>
+              <a:fillRef idx="1">
+                <a:schemeClr val="accent1"/>
+              </a:fillRef>
+              <a:effectRef idx="0">
+                <a:schemeClr val="accent1"/>
+              </a:effectRef>
+              <a:fontRef idx="minor">
+                <a:schemeClr val="lt1"/>
+              </a:fontRef>
+            </p:style>
+            <p:txBody>
+              <a:bodyPr rtlCol="0" anchor="ctr"/>
+              <a:lstStyle/>
+              <a:p>
+                <a:pPr algn="ctr"/>
+                <a:endParaRPr lang="en-US" dirty="0">
+                  <a:solidFill>
+                    <a:schemeClr val="bg1"/>
+                  </a:solidFill>
+                </a:endParaRPr>
+              </a:p>
+            </p:txBody>
+          </p:sp>
+          <p:sp>
+            <p:nvSpPr>
+              <p:cNvPr id="49" name="Rectangle 48"/>
+              <p:cNvSpPr/>
+              <p:nvPr/>
+            </p:nvSpPr>
+            <p:spPr>
+              <a:xfrm rot="5400000">
+                <a:off x="9571692" y="5128578"/>
+                <a:ext cx="562259" cy="918637"/>
+              </a:xfrm>
+              <a:prstGeom prst="rect">
+                <a:avLst/>
+              </a:prstGeom>
+              <a:solidFill>
+                <a:schemeClr val="bg1">
+                  <a:lumMod val="65000"/>
+                </a:schemeClr>
+              </a:solidFill>
+              <a:ln>
+                <a:noFill/>
+              </a:ln>
+            </p:spPr>
+            <p:style>
+              <a:lnRef idx="2">
+                <a:schemeClr val="accent1">
+                  <a:shade val="50000"/>
+                </a:schemeClr>
+              </a:lnRef>
+              <a:fillRef idx="1">
+                <a:schemeClr val="accent1"/>
+              </a:fillRef>
+              <a:effectRef idx="0">
+                <a:schemeClr val="accent1"/>
+              </a:effectRef>
+              <a:fontRef idx="minor">
+                <a:schemeClr val="lt1"/>
+              </a:fontRef>
+            </p:style>
+            <p:txBody>
+              <a:bodyPr rtlCol="0" anchor="ctr"/>
+              <a:lstStyle/>
+              <a:p>
+                <a:pPr algn="ctr"/>
+                <a:endParaRPr lang="en-US" dirty="0">
+                  <a:solidFill>
+                    <a:schemeClr val="bg1"/>
+                  </a:solidFill>
+                </a:endParaRPr>
+              </a:p>
+            </p:txBody>
+          </p:sp>
+          <p:sp>
+            <p:nvSpPr>
+              <p:cNvPr id="50" name="Oval 49"/>
+              <p:cNvSpPr/>
+              <p:nvPr/>
+            </p:nvSpPr>
+            <p:spPr>
+              <a:xfrm rot="5400000">
+                <a:off x="9284917" y="5556669"/>
+                <a:ext cx="62455" cy="62455"/>
+              </a:xfrm>
+              <a:prstGeom prst="ellipse">
+                <a:avLst/>
+              </a:prstGeom>
+              <a:solidFill>
+                <a:schemeClr val="bg1">
+                  <a:lumMod val="65000"/>
+                </a:schemeClr>
+              </a:solidFill>
+              <a:ln>
+                <a:noFill/>
+              </a:ln>
+            </p:spPr>
+            <p:style>
+              <a:lnRef idx="2">
+                <a:schemeClr val="accent1">
+                  <a:shade val="50000"/>
+                </a:schemeClr>
+              </a:lnRef>
+              <a:fillRef idx="1">
+                <a:schemeClr val="accent1"/>
+              </a:fillRef>
+              <a:effectRef idx="0">
+                <a:schemeClr val="accent1"/>
+              </a:effectRef>
+              <a:fontRef idx="minor">
+                <a:schemeClr val="lt1"/>
+              </a:fontRef>
+            </p:style>
+            <p:txBody>
+              <a:bodyPr rtlCol="0" anchor="ctr"/>
+              <a:lstStyle/>
+              <a:p>
+                <a:pPr algn="ctr"/>
+                <a:endParaRPr lang="en-US" dirty="0">
+                  <a:solidFill>
+                    <a:schemeClr val="bg1"/>
+                  </a:solidFill>
+                </a:endParaRPr>
+              </a:p>
+            </p:txBody>
+          </p:sp>
+        </p:grpSp>
+        <p:grpSp>
+          <p:nvGrpSpPr>
+            <p:cNvPr id="58" name="Group 57"/>
+            <p:cNvGrpSpPr/>
+            <p:nvPr/>
+          </p:nvGrpSpPr>
+          <p:grpSpPr>
+            <a:xfrm rot="16200000">
+              <a:off x="10858624" y="5955363"/>
+              <a:ext cx="362377" cy="361853"/>
+              <a:chOff x="9708067" y="5431126"/>
+              <a:chExt cx="299485" cy="299052"/>
+            </a:xfrm>
+          </p:grpSpPr>
+          <p:sp>
+            <p:nvSpPr>
+              <p:cNvPr id="54" name="Freeform 19"/>
+              <p:cNvSpPr>
+                <a:spLocks/>
+              </p:cNvSpPr>
+              <p:nvPr/>
+            </p:nvSpPr>
+            <p:spPr bwMode="auto">
+              <a:xfrm rot="5400000">
+                <a:off x="9854875" y="5577500"/>
+                <a:ext cx="162131" cy="143223"/>
+              </a:xfrm>
+              <a:custGeom>
+                <a:avLst/>
+                <a:gdLst>
+                  <a:gd name="T0" fmla="*/ 0 w 911"/>
+                  <a:gd name="T1" fmla="*/ 136 h 807"/>
+                  <a:gd name="T2" fmla="*/ 911 w 911"/>
+                  <a:gd name="T3" fmla="*/ 0 h 807"/>
+                  <a:gd name="T4" fmla="*/ 911 w 911"/>
+                  <a:gd name="T5" fmla="*/ 13 h 807"/>
+                  <a:gd name="T6" fmla="*/ 911 w 911"/>
+                  <a:gd name="T7" fmla="*/ 801 h 807"/>
+                  <a:gd name="T8" fmla="*/ 0 w 911"/>
+                  <a:gd name="T9" fmla="*/ 807 h 807"/>
+                  <a:gd name="T10" fmla="*/ 0 w 911"/>
+                  <a:gd name="T11" fmla="*/ 136 h 807"/>
+                  <a:gd name="T12" fmla="*/ 0 w 911"/>
+                  <a:gd name="T13" fmla="*/ 136 h 807"/>
+                </a:gdLst>
+                <a:ahLst/>
+                <a:cxnLst>
+                  <a:cxn ang="0">
+                    <a:pos x="T0" y="T1"/>
+                  </a:cxn>
+                  <a:cxn ang="0">
+                    <a:pos x="T2" y="T3"/>
+                  </a:cxn>
+                  <a:cxn ang="0">
+                    <a:pos x="T4" y="T5"/>
+                  </a:cxn>
+                  <a:cxn ang="0">
+                    <a:pos x="T6" y="T7"/>
+                  </a:cxn>
+                  <a:cxn ang="0">
+                    <a:pos x="T8" y="T9"/>
+                  </a:cxn>
+                  <a:cxn ang="0">
+                    <a:pos x="T10" y="T11"/>
+                  </a:cxn>
+                  <a:cxn ang="0">
+                    <a:pos x="T12" y="T13"/>
+                  </a:cxn>
+                </a:cxnLst>
+                <a:rect l="0" t="0" r="r" b="b"/>
+                <a:pathLst>
+                  <a:path w="911" h="807">
+                    <a:moveTo>
+                      <a:pt x="0" y="136"/>
+                    </a:moveTo>
+                    <a:cubicBezTo>
+                      <a:pt x="302" y="87"/>
+                      <a:pt x="610" y="44"/>
+                      <a:pt x="911" y="0"/>
+                    </a:cubicBezTo>
+                    <a:cubicBezTo>
+                      <a:pt x="911" y="13"/>
+                      <a:pt x="911" y="13"/>
+                      <a:pt x="911" y="13"/>
+                    </a:cubicBezTo>
+                    <a:cubicBezTo>
+                      <a:pt x="911" y="801"/>
+                      <a:pt x="911" y="801"/>
+                      <a:pt x="911" y="801"/>
+                    </a:cubicBezTo>
+                    <a:cubicBezTo>
+                      <a:pt x="610" y="801"/>
+                      <a:pt x="302" y="807"/>
+                      <a:pt x="0" y="807"/>
+                    </a:cubicBezTo>
+                    <a:cubicBezTo>
+                      <a:pt x="0" y="585"/>
+                      <a:pt x="0" y="358"/>
+                      <a:pt x="0" y="136"/>
+                    </a:cubicBezTo>
+                    <a:cubicBezTo>
+                      <a:pt x="0" y="136"/>
+                      <a:pt x="0" y="136"/>
+                      <a:pt x="0" y="136"/>
+                    </a:cubicBezTo>
+                    <a:close/>
+                  </a:path>
+                </a:pathLst>
+              </a:custGeom>
+              <a:solidFill>
+                <a:schemeClr val="bg1"/>
+              </a:solidFill>
+              <a:ln>
+                <a:noFill/>
+              </a:ln>
+              <a:extLst>
+                <a:ext uri="{91240B29-F687-4f45-9708-019B960494DF}">
+                  <a14:hiddenLine xmlns:a14="http://schemas.microsoft.com/office/drawing/2010/main" xmlns="" w="9525">
+                    <a:solidFill>
+                      <a:srgbClr val="000000"/>
+                    </a:solidFill>
+                    <a:round/>
+                    <a:headEnd/>
+                    <a:tailEnd/>
+                  </a14:hiddenLine>
+                </a:ext>
+              </a:extLst>
+            </p:spPr>
+            <p:txBody>
+              <a:bodyPr vert="horz" wrap="square" lIns="91440" tIns="45720" rIns="91440" bIns="45720" numCol="1" anchor="t" anchorCtr="0" compatLnSpc="1">
+                <a:prstTxWarp prst="textNoShape">
+                  <a:avLst/>
+                </a:prstTxWarp>
+              </a:bodyPr>
+              <a:lstStyle/>
+              <a:p>
+                <a:endParaRPr lang="en-US"/>
+              </a:p>
+            </p:txBody>
+          </p:sp>
+          <p:sp>
+            <p:nvSpPr>
+              <p:cNvPr id="55" name="Freeform 20"/>
+              <p:cNvSpPr>
+                <a:spLocks/>
+              </p:cNvSpPr>
+              <p:nvPr/>
+            </p:nvSpPr>
+            <p:spPr bwMode="auto">
+              <a:xfrm rot="5400000">
+                <a:off x="9860961" y="5433409"/>
+                <a:ext cx="122577" cy="118012"/>
+              </a:xfrm>
+              <a:custGeom>
+                <a:avLst/>
+                <a:gdLst>
+                  <a:gd name="T0" fmla="*/ 0 w 689"/>
+                  <a:gd name="T1" fmla="*/ 93 h 665"/>
+                  <a:gd name="T2" fmla="*/ 689 w 689"/>
+                  <a:gd name="T3" fmla="*/ 0 h 665"/>
+                  <a:gd name="T4" fmla="*/ 689 w 689"/>
+                  <a:gd name="T5" fmla="*/ 659 h 665"/>
+                  <a:gd name="T6" fmla="*/ 0 w 689"/>
+                  <a:gd name="T7" fmla="*/ 665 h 665"/>
+                  <a:gd name="T8" fmla="*/ 0 w 689"/>
+                  <a:gd name="T9" fmla="*/ 93 h 665"/>
+                  <a:gd name="T10" fmla="*/ 0 w 689"/>
+                  <a:gd name="T11" fmla="*/ 93 h 665"/>
+                </a:gdLst>
+                <a:ahLst/>
+                <a:cxnLst>
+                  <a:cxn ang="0">
+                    <a:pos x="T0" y="T1"/>
+                  </a:cxn>
+                  <a:cxn ang="0">
+                    <a:pos x="T2" y="T3"/>
+                  </a:cxn>
+                  <a:cxn ang="0">
+                    <a:pos x="T4" y="T5"/>
+                  </a:cxn>
+                  <a:cxn ang="0">
+                    <a:pos x="T6" y="T7"/>
+                  </a:cxn>
+                  <a:cxn ang="0">
+                    <a:pos x="T8" y="T9"/>
+                  </a:cxn>
+                  <a:cxn ang="0">
+                    <a:pos x="T10" y="T11"/>
+                  </a:cxn>
+                </a:cxnLst>
+                <a:rect l="0" t="0" r="r" b="b"/>
+                <a:pathLst>
+                  <a:path w="689" h="665">
+                    <a:moveTo>
+                      <a:pt x="0" y="93"/>
+                    </a:moveTo>
+                    <a:cubicBezTo>
+                      <a:pt x="227" y="56"/>
+                      <a:pt x="455" y="25"/>
+                      <a:pt x="689" y="0"/>
+                    </a:cubicBezTo>
+                    <a:cubicBezTo>
+                      <a:pt x="689" y="222"/>
+                      <a:pt x="689" y="437"/>
+                      <a:pt x="689" y="659"/>
+                    </a:cubicBezTo>
+                    <a:cubicBezTo>
+                      <a:pt x="455" y="659"/>
+                      <a:pt x="227" y="665"/>
+                      <a:pt x="0" y="665"/>
+                    </a:cubicBezTo>
+                    <a:cubicBezTo>
+                      <a:pt x="0" y="93"/>
+                      <a:pt x="0" y="93"/>
+                      <a:pt x="0" y="93"/>
+                    </a:cubicBezTo>
+                    <a:cubicBezTo>
+                      <a:pt x="0" y="93"/>
+                      <a:pt x="0" y="93"/>
+                      <a:pt x="0" y="93"/>
+                    </a:cubicBezTo>
+                    <a:close/>
+                  </a:path>
+                </a:pathLst>
+              </a:custGeom>
+              <a:solidFill>
+                <a:schemeClr val="bg1"/>
+              </a:solidFill>
+              <a:ln>
+                <a:noFill/>
+              </a:ln>
+              <a:extLst>
+                <a:ext uri="{91240B29-F687-4f45-9708-019B960494DF}">
+                  <a14:hiddenLine xmlns:a14="http://schemas.microsoft.com/office/drawing/2010/main" xmlns="" w="9525">
+                    <a:solidFill>
+                      <a:srgbClr val="000000"/>
+                    </a:solidFill>
+                    <a:round/>
+                    <a:headEnd/>
+                    <a:tailEnd/>
+                  </a14:hiddenLine>
+                </a:ext>
+              </a:extLst>
+            </p:spPr>
+            <p:txBody>
+              <a:bodyPr vert="horz" wrap="square" lIns="91440" tIns="45720" rIns="91440" bIns="45720" numCol="1" anchor="t" anchorCtr="0" compatLnSpc="1">
+                <a:prstTxWarp prst="textNoShape">
+                  <a:avLst/>
+                </a:prstTxWarp>
+              </a:bodyPr>
+              <a:lstStyle/>
+              <a:p>
+                <a:endParaRPr lang="en-US"/>
+              </a:p>
+            </p:txBody>
+          </p:sp>
+          <p:sp>
+            <p:nvSpPr>
+              <p:cNvPr id="56" name="Freeform 21"/>
+              <p:cNvSpPr>
+                <a:spLocks/>
+              </p:cNvSpPr>
+              <p:nvPr/>
+            </p:nvSpPr>
+            <p:spPr bwMode="auto">
+              <a:xfrm rot="5400000">
+                <a:off x="9730995" y="5433409"/>
+                <a:ext cx="122577" cy="118012"/>
+              </a:xfrm>
+              <a:custGeom>
+                <a:avLst/>
+                <a:gdLst>
+                  <a:gd name="T0" fmla="*/ 0 w 689"/>
+                  <a:gd name="T1" fmla="*/ 0 h 665"/>
+                  <a:gd name="T2" fmla="*/ 689 w 689"/>
+                  <a:gd name="T3" fmla="*/ 0 h 665"/>
+                  <a:gd name="T4" fmla="*/ 689 w 689"/>
+                  <a:gd name="T5" fmla="*/ 665 h 665"/>
+                  <a:gd name="T6" fmla="*/ 0 w 689"/>
+                  <a:gd name="T7" fmla="*/ 573 h 665"/>
+                  <a:gd name="T8" fmla="*/ 0 w 689"/>
+                  <a:gd name="T9" fmla="*/ 0 h 665"/>
+                </a:gdLst>
+                <a:ahLst/>
+                <a:cxnLst>
+                  <a:cxn ang="0">
+                    <a:pos x="T0" y="T1"/>
+                  </a:cxn>
+                  <a:cxn ang="0">
+                    <a:pos x="T2" y="T3"/>
+                  </a:cxn>
+                  <a:cxn ang="0">
+                    <a:pos x="T4" y="T5"/>
+                  </a:cxn>
+                  <a:cxn ang="0">
+                    <a:pos x="T6" y="T7"/>
+                  </a:cxn>
+                  <a:cxn ang="0">
+                    <a:pos x="T8" y="T9"/>
+                  </a:cxn>
+                </a:cxnLst>
+                <a:rect l="0" t="0" r="r" b="b"/>
+                <a:pathLst>
+                  <a:path w="689" h="665">
+                    <a:moveTo>
+                      <a:pt x="0" y="0"/>
+                    </a:moveTo>
+                    <a:cubicBezTo>
+                      <a:pt x="227" y="0"/>
+                      <a:pt x="455" y="6"/>
+                      <a:pt x="689" y="0"/>
+                    </a:cubicBezTo>
+                    <a:cubicBezTo>
+                      <a:pt x="689" y="222"/>
+                      <a:pt x="689" y="443"/>
+                      <a:pt x="689" y="665"/>
+                    </a:cubicBezTo>
+                    <a:cubicBezTo>
+                      <a:pt x="455" y="634"/>
+                      <a:pt x="227" y="603"/>
+                      <a:pt x="0" y="573"/>
+                    </a:cubicBezTo>
+                    <a:lnTo>
+                      <a:pt x="0" y="0"/>
+                    </a:lnTo>
+                    <a:close/>
+                  </a:path>
+                </a:pathLst>
+              </a:custGeom>
+              <a:solidFill>
+                <a:schemeClr val="bg1"/>
+              </a:solidFill>
+              <a:ln>
+                <a:noFill/>
+              </a:ln>
+              <a:extLst>
+                <a:ext uri="{91240B29-F687-4f45-9708-019B960494DF}">
+                  <a14:hiddenLine xmlns:a14="http://schemas.microsoft.com/office/drawing/2010/main" xmlns="" w="9525">
+                    <a:solidFill>
+                      <a:srgbClr val="000000"/>
+                    </a:solidFill>
+                    <a:round/>
+                    <a:headEnd/>
+                    <a:tailEnd/>
+                  </a14:hiddenLine>
+                </a:ext>
+              </a:extLst>
+            </p:spPr>
+            <p:txBody>
+              <a:bodyPr vert="horz" wrap="square" lIns="91440" tIns="45720" rIns="91440" bIns="45720" numCol="1" anchor="t" anchorCtr="0" compatLnSpc="1">
+                <a:prstTxWarp prst="textNoShape">
+                  <a:avLst/>
+                </a:prstTxWarp>
+              </a:bodyPr>
+              <a:lstStyle/>
+              <a:p>
+                <a:endParaRPr lang="en-US"/>
+              </a:p>
+            </p:txBody>
+          </p:sp>
+          <p:sp>
+            <p:nvSpPr>
+              <p:cNvPr id="57" name="Freeform 22"/>
+              <p:cNvSpPr>
+                <a:spLocks/>
+              </p:cNvSpPr>
+              <p:nvPr/>
+            </p:nvSpPr>
+            <p:spPr bwMode="auto">
+              <a:xfrm rot="5400000">
+                <a:off x="9698069" y="5578045"/>
+                <a:ext cx="162131" cy="142136"/>
+              </a:xfrm>
+              <a:custGeom>
+                <a:avLst/>
+                <a:gdLst>
+                  <a:gd name="T0" fmla="*/ 0 w 911"/>
+                  <a:gd name="T1" fmla="*/ 0 h 801"/>
+                  <a:gd name="T2" fmla="*/ 911 w 911"/>
+                  <a:gd name="T3" fmla="*/ 0 h 801"/>
+                  <a:gd name="T4" fmla="*/ 911 w 911"/>
+                  <a:gd name="T5" fmla="*/ 764 h 801"/>
+                  <a:gd name="T6" fmla="*/ 911 w 911"/>
+                  <a:gd name="T7" fmla="*/ 801 h 801"/>
+                  <a:gd name="T8" fmla="*/ 0 w 911"/>
+                  <a:gd name="T9" fmla="*/ 671 h 801"/>
+                  <a:gd name="T10" fmla="*/ 0 w 911"/>
+                  <a:gd name="T11" fmla="*/ 0 h 801"/>
+                </a:gdLst>
+                <a:ahLst/>
+                <a:cxnLst>
+                  <a:cxn ang="0">
+                    <a:pos x="T0" y="T1"/>
+                  </a:cxn>
+                  <a:cxn ang="0">
+                    <a:pos x="T2" y="T3"/>
+                  </a:cxn>
+                  <a:cxn ang="0">
+                    <a:pos x="T4" y="T5"/>
+                  </a:cxn>
+                  <a:cxn ang="0">
+                    <a:pos x="T6" y="T7"/>
+                  </a:cxn>
+                  <a:cxn ang="0">
+                    <a:pos x="T8" y="T9"/>
+                  </a:cxn>
+                  <a:cxn ang="0">
+                    <a:pos x="T10" y="T11"/>
+                  </a:cxn>
+                </a:cxnLst>
+                <a:rect l="0" t="0" r="r" b="b"/>
+                <a:pathLst>
+                  <a:path w="911" h="801">
+                    <a:moveTo>
+                      <a:pt x="0" y="0"/>
+                    </a:moveTo>
+                    <a:cubicBezTo>
+                      <a:pt x="302" y="0"/>
+                      <a:pt x="610" y="0"/>
+                      <a:pt x="911" y="0"/>
+                    </a:cubicBezTo>
+                    <a:cubicBezTo>
+                      <a:pt x="911" y="764"/>
+                      <a:pt x="911" y="764"/>
+                      <a:pt x="911" y="764"/>
+                    </a:cubicBezTo>
+                    <a:cubicBezTo>
+                      <a:pt x="911" y="801"/>
+                      <a:pt x="911" y="801"/>
+                      <a:pt x="911" y="801"/>
+                    </a:cubicBezTo>
+                    <a:cubicBezTo>
+                      <a:pt x="610" y="751"/>
+                      <a:pt x="302" y="714"/>
+                      <a:pt x="0" y="671"/>
+                    </a:cubicBezTo>
+                    <a:cubicBezTo>
+                      <a:pt x="0" y="450"/>
+                      <a:pt x="0" y="228"/>
+                      <a:pt x="0" y="0"/>
+                    </a:cubicBezTo>
+                    <a:close/>
+                  </a:path>
+                </a:pathLst>
+              </a:custGeom>
+              <a:solidFill>
+                <a:schemeClr val="bg1"/>
+              </a:solidFill>
+              <a:ln>
+                <a:noFill/>
+              </a:ln>
+              <a:extLst>
+                <a:ext uri="{91240B29-F687-4f45-9708-019B960494DF}">
+                  <a14:hiddenLine xmlns:a14="http://schemas.microsoft.com/office/drawing/2010/main" xmlns="" w="9525">
+                    <a:solidFill>
+                      <a:srgbClr val="000000"/>
+                    </a:solidFill>
+                    <a:round/>
+                    <a:headEnd/>
+                    <a:tailEnd/>
+                  </a14:hiddenLine>
+                </a:ext>
+              </a:extLst>
+            </p:spPr>
+            <p:txBody>
+              <a:bodyPr vert="horz" wrap="square" lIns="91440" tIns="45720" rIns="91440" bIns="45720" numCol="1" anchor="t" anchorCtr="0" compatLnSpc="1">
+                <a:prstTxWarp prst="textNoShape">
+                  <a:avLst/>
+                </a:prstTxWarp>
+              </a:bodyPr>
+              <a:lstStyle/>
+              <a:p>
+                <a:endParaRPr lang="en-US"/>
+              </a:p>
+            </p:txBody>
+          </p:sp>
+        </p:grpSp>
+      </p:grpSp>
+      <p:grpSp>
+        <p:nvGrpSpPr>
+          <p:cNvPr id="85" name="Group 84"/>
+          <p:cNvGrpSpPr/>
+          <p:nvPr/>
+        </p:nvGrpSpPr>
+        <p:grpSpPr>
+          <a:xfrm>
+            <a:off x="5747827" y="4403507"/>
+            <a:ext cx="2356460" cy="1341263"/>
+            <a:chOff x="5446218" y="4562902"/>
+            <a:chExt cx="2356460" cy="1341263"/>
+          </a:xfrm>
+        </p:grpSpPr>
+        <p:grpSp>
+          <p:nvGrpSpPr>
+            <p:cNvPr id="13" name="Group 12"/>
+            <p:cNvGrpSpPr/>
+            <p:nvPr/>
+          </p:nvGrpSpPr>
+          <p:grpSpPr>
+            <a:xfrm>
+              <a:off x="5446218" y="4562902"/>
+              <a:ext cx="2356460" cy="1341263"/>
+              <a:chOff x="2865713" y="3390900"/>
+              <a:chExt cx="2833699" cy="1612901"/>
+            </a:xfrm>
+          </p:grpSpPr>
+          <p:sp>
+            <p:nvSpPr>
+              <p:cNvPr id="14" name="Parallelogram 13"/>
+              <p:cNvSpPr/>
+              <p:nvPr/>
+            </p:nvSpPr>
+            <p:spPr>
+              <a:xfrm>
+                <a:off x="3602052" y="3390900"/>
+                <a:ext cx="2097360" cy="980103"/>
+              </a:xfrm>
+              <a:prstGeom prst="parallelogram">
+                <a:avLst/>
+              </a:prstGeom>
+              <a:solidFill>
+                <a:schemeClr val="bg1">
+                  <a:lumMod val="50000"/>
+                </a:schemeClr>
+              </a:solidFill>
+              <a:ln>
+                <a:noFill/>
+              </a:ln>
+            </p:spPr>
+            <p:style>
+              <a:lnRef idx="2">
+                <a:schemeClr val="accent1">
+                  <a:shade val="50000"/>
+                </a:schemeClr>
+              </a:lnRef>
+              <a:fillRef idx="1">
+                <a:schemeClr val="accent1"/>
+              </a:fillRef>
+              <a:effectRef idx="0">
+                <a:schemeClr val="accent1"/>
+              </a:effectRef>
+              <a:fontRef idx="minor">
+                <a:schemeClr val="lt1"/>
+              </a:fontRef>
+            </p:style>
+            <p:txBody>
+              <a:bodyPr rtlCol="0" anchor="ctr"/>
+              <a:lstStyle/>
+              <a:p>
+                <a:pPr algn="ctr"/>
+                <a:endParaRPr lang="en-US" dirty="0">
+                  <a:solidFill>
+                    <a:schemeClr val="bg1"/>
+                  </a:solidFill>
+                </a:endParaRPr>
+              </a:p>
+            </p:txBody>
+          </p:sp>
+          <p:sp>
+            <p:nvSpPr>
+              <p:cNvPr id="15" name="Parallelogram 14"/>
+              <p:cNvSpPr/>
+              <p:nvPr/>
+            </p:nvSpPr>
+            <p:spPr>
+              <a:xfrm>
+                <a:off x="3648852" y="3470645"/>
+                <a:ext cx="1982469" cy="873155"/>
+              </a:xfrm>
+              <a:prstGeom prst="parallelogram">
+                <a:avLst/>
+              </a:prstGeom>
+              <a:solidFill>
+                <a:schemeClr val="bg1">
+                  <a:lumMod val="65000"/>
+                </a:schemeClr>
+              </a:solidFill>
+              <a:ln>
+                <a:noFill/>
+              </a:ln>
+            </p:spPr>
+            <p:style>
+              <a:lnRef idx="2">
+                <a:schemeClr val="accent1">
+                  <a:shade val="50000"/>
+                </a:schemeClr>
+              </a:lnRef>
+              <a:fillRef idx="1">
+                <a:schemeClr val="accent1"/>
+              </a:fillRef>
+              <a:effectRef idx="0">
+                <a:schemeClr val="accent1"/>
+              </a:effectRef>
+              <a:fontRef idx="minor">
+                <a:schemeClr val="lt1"/>
+              </a:fontRef>
+            </p:style>
+            <p:txBody>
+              <a:bodyPr rtlCol="0" anchor="ctr"/>
+              <a:lstStyle/>
+              <a:p>
+                <a:pPr algn="ctr"/>
+                <a:endParaRPr lang="en-US" dirty="0">
+                  <a:solidFill>
+                    <a:schemeClr val="bg1"/>
+                  </a:solidFill>
+                </a:endParaRPr>
+              </a:p>
+            </p:txBody>
+          </p:sp>
+          <p:sp>
+            <p:nvSpPr>
+              <p:cNvPr id="16" name="Parallelogram 15"/>
+              <p:cNvSpPr/>
+              <p:nvPr/>
+            </p:nvSpPr>
+            <p:spPr>
+              <a:xfrm rot="10800000">
+                <a:off x="2865713" y="4371004"/>
+                <a:ext cx="2585503" cy="632797"/>
+              </a:xfrm>
+              <a:prstGeom prst="parallelogram">
+                <a:avLst>
+                  <a:gd name="adj" fmla="val 116272"/>
+                </a:avLst>
+              </a:prstGeom>
+              <a:solidFill>
+                <a:schemeClr val="bg1">
+                  <a:lumMod val="50000"/>
+                </a:schemeClr>
+              </a:solidFill>
+              <a:ln>
+                <a:noFill/>
+              </a:ln>
+            </p:spPr>
+            <p:style>
+              <a:lnRef idx="2">
+                <a:schemeClr val="accent1">
+                  <a:shade val="50000"/>
+                </a:schemeClr>
+              </a:lnRef>
+              <a:fillRef idx="1">
+                <a:schemeClr val="accent1"/>
+              </a:fillRef>
+              <a:effectRef idx="0">
+                <a:schemeClr val="accent1"/>
+              </a:effectRef>
+              <a:fontRef idx="minor">
+                <a:schemeClr val="lt1"/>
+              </a:fontRef>
+            </p:style>
+            <p:txBody>
+              <a:bodyPr rtlCol="0" anchor="ctr"/>
+              <a:lstStyle/>
+              <a:p>
+                <a:pPr algn="ctr"/>
+                <a:endParaRPr lang="en-US" dirty="0">
+                  <a:solidFill>
+                    <a:schemeClr val="bg1"/>
+                  </a:solidFill>
+                </a:endParaRPr>
+              </a:p>
+            </p:txBody>
+          </p:sp>
+          <p:sp>
+            <p:nvSpPr>
+              <p:cNvPr id="17" name="Parallelogram 16"/>
+              <p:cNvSpPr/>
+              <p:nvPr/>
+            </p:nvSpPr>
+            <p:spPr>
+              <a:xfrm rot="10800000">
+                <a:off x="3250520" y="4475006"/>
+                <a:ext cx="1980211" cy="273910"/>
+              </a:xfrm>
+              <a:prstGeom prst="parallelogram">
+                <a:avLst>
+                  <a:gd name="adj" fmla="val 116272"/>
+                </a:avLst>
+              </a:prstGeom>
+              <a:solidFill>
+                <a:srgbClr val="8D8787"/>
+              </a:solidFill>
+              <a:ln>
+                <a:noFill/>
+              </a:ln>
+            </p:spPr>
+            <p:style>
+              <a:lnRef idx="2">
+                <a:schemeClr val="accent1">
+                  <a:shade val="50000"/>
+                </a:schemeClr>
+              </a:lnRef>
+              <a:fillRef idx="1">
+                <a:schemeClr val="accent1"/>
+              </a:fillRef>
+              <a:effectRef idx="0">
+                <a:schemeClr val="accent1"/>
+              </a:effectRef>
+              <a:fontRef idx="minor">
+                <a:schemeClr val="lt1"/>
+              </a:fontRef>
+            </p:style>
+            <p:txBody>
+              <a:bodyPr rot="0" spcFirstLastPara="0" vertOverflow="overflow" horzOverflow="overflow" vert="horz" wrap="square" lIns="91440" tIns="45720" rIns="91440" bIns="45720" numCol="1" spcCol="0" rtlCol="0" fromWordArt="0" anchor="ctr" anchorCtr="0" forceAA="0" compatLnSpc="1">
+                <a:prstTxWarp prst="textNoShape">
+                  <a:avLst/>
+                </a:prstTxWarp>
+                <a:noAutofit/>
+              </a:bodyPr>
+              <a:lstStyle/>
+              <a:p>
+                <a:pPr algn="ctr"/>
+                <a:endParaRPr lang="en-US" dirty="0">
+                  <a:solidFill>
+                    <a:schemeClr val="bg1"/>
+                  </a:solidFill>
+                </a:endParaRPr>
+              </a:p>
+            </p:txBody>
+          </p:sp>
+          <p:sp>
+            <p:nvSpPr>
+              <p:cNvPr id="18" name="Parallelogram 17"/>
+              <p:cNvSpPr/>
+              <p:nvPr/>
+            </p:nvSpPr>
+            <p:spPr>
+              <a:xfrm rot="10800000">
+                <a:off x="3587489" y="4776121"/>
+                <a:ext cx="721780" cy="136957"/>
+              </a:xfrm>
+              <a:prstGeom prst="parallelogram">
+                <a:avLst>
+                  <a:gd name="adj" fmla="val 116272"/>
+                </a:avLst>
+              </a:prstGeom>
+              <a:solidFill>
+                <a:schemeClr val="bg1">
+                  <a:lumMod val="65000"/>
+                </a:schemeClr>
+              </a:solidFill>
+              <a:ln>
+                <a:noFill/>
+              </a:ln>
+            </p:spPr>
+            <p:style>
+              <a:lnRef idx="2">
+                <a:schemeClr val="accent1">
+                  <a:shade val="50000"/>
+                </a:schemeClr>
+              </a:lnRef>
+              <a:fillRef idx="1">
+                <a:schemeClr val="accent1"/>
+              </a:fillRef>
+              <a:effectRef idx="0">
+                <a:schemeClr val="accent1"/>
+              </a:effectRef>
+              <a:fontRef idx="minor">
+                <a:schemeClr val="lt1"/>
+              </a:fontRef>
+            </p:style>
+            <p:txBody>
+              <a:bodyPr rot="0" spcFirstLastPara="0" vertOverflow="overflow" horzOverflow="overflow" vert="horz" wrap="square" lIns="91440" tIns="45720" rIns="91440" bIns="45720" numCol="1" spcCol="0" rtlCol="0" fromWordArt="0" anchor="ctr" anchorCtr="0" forceAA="0" compatLnSpc="1">
+                <a:prstTxWarp prst="textNoShape">
+                  <a:avLst/>
+                </a:prstTxWarp>
+                <a:noAutofit/>
+              </a:bodyPr>
+              <a:lstStyle/>
+              <a:p>
+                <a:pPr algn="ctr"/>
+                <a:endParaRPr lang="en-US" dirty="0">
+                  <a:solidFill>
+                    <a:schemeClr val="bg1"/>
+                  </a:solidFill>
+                </a:endParaRPr>
+              </a:p>
+            </p:txBody>
+          </p:sp>
+        </p:grpSp>
+        <p:grpSp>
+          <p:nvGrpSpPr>
+            <p:cNvPr id="62" name="Group 61"/>
+            <p:cNvGrpSpPr/>
+            <p:nvPr/>
+          </p:nvGrpSpPr>
+          <p:grpSpPr>
+            <a:xfrm rot="16200000">
+              <a:off x="6740570" y="4811341"/>
+              <a:ext cx="362377" cy="361853"/>
+              <a:chOff x="9708067" y="5431126"/>
+              <a:chExt cx="299485" cy="299052"/>
+            </a:xfrm>
+          </p:grpSpPr>
+          <p:sp>
+            <p:nvSpPr>
+              <p:cNvPr id="63" name="Freeform 19"/>
+              <p:cNvSpPr>
+                <a:spLocks/>
+              </p:cNvSpPr>
+              <p:nvPr/>
+            </p:nvSpPr>
+            <p:spPr bwMode="auto">
+              <a:xfrm rot="5400000">
+                <a:off x="9854875" y="5577500"/>
+                <a:ext cx="162131" cy="143223"/>
+              </a:xfrm>
+              <a:custGeom>
+                <a:avLst/>
+                <a:gdLst>
+                  <a:gd name="T0" fmla="*/ 0 w 911"/>
+                  <a:gd name="T1" fmla="*/ 136 h 807"/>
+                  <a:gd name="T2" fmla="*/ 911 w 911"/>
+                  <a:gd name="T3" fmla="*/ 0 h 807"/>
+                  <a:gd name="T4" fmla="*/ 911 w 911"/>
+                  <a:gd name="T5" fmla="*/ 13 h 807"/>
+                  <a:gd name="T6" fmla="*/ 911 w 911"/>
+                  <a:gd name="T7" fmla="*/ 801 h 807"/>
+                  <a:gd name="T8" fmla="*/ 0 w 911"/>
+                  <a:gd name="T9" fmla="*/ 807 h 807"/>
+                  <a:gd name="T10" fmla="*/ 0 w 911"/>
+                  <a:gd name="T11" fmla="*/ 136 h 807"/>
+                  <a:gd name="T12" fmla="*/ 0 w 911"/>
+                  <a:gd name="T13" fmla="*/ 136 h 807"/>
+                </a:gdLst>
+                <a:ahLst/>
+                <a:cxnLst>
+                  <a:cxn ang="0">
+                    <a:pos x="T0" y="T1"/>
+                  </a:cxn>
+                  <a:cxn ang="0">
+                    <a:pos x="T2" y="T3"/>
+                  </a:cxn>
+                  <a:cxn ang="0">
+                    <a:pos x="T4" y="T5"/>
+                  </a:cxn>
+                  <a:cxn ang="0">
+                    <a:pos x="T6" y="T7"/>
+                  </a:cxn>
+                  <a:cxn ang="0">
+                    <a:pos x="T8" y="T9"/>
+                  </a:cxn>
+                  <a:cxn ang="0">
+                    <a:pos x="T10" y="T11"/>
+                  </a:cxn>
+                  <a:cxn ang="0">
+                    <a:pos x="T12" y="T13"/>
+                  </a:cxn>
+                </a:cxnLst>
+                <a:rect l="0" t="0" r="r" b="b"/>
+                <a:pathLst>
+                  <a:path w="911" h="807">
+                    <a:moveTo>
+                      <a:pt x="0" y="136"/>
+                    </a:moveTo>
+                    <a:cubicBezTo>
+                      <a:pt x="302" y="87"/>
+                      <a:pt x="610" y="44"/>
+                      <a:pt x="911" y="0"/>
+                    </a:cubicBezTo>
+                    <a:cubicBezTo>
+                      <a:pt x="911" y="13"/>
+                      <a:pt x="911" y="13"/>
+                      <a:pt x="911" y="13"/>
+                    </a:cubicBezTo>
+                    <a:cubicBezTo>
+                      <a:pt x="911" y="801"/>
+                      <a:pt x="911" y="801"/>
+                      <a:pt x="911" y="801"/>
+                    </a:cubicBezTo>
+                    <a:cubicBezTo>
+                      <a:pt x="610" y="801"/>
+                      <a:pt x="302" y="807"/>
+                      <a:pt x="0" y="807"/>
+                    </a:cubicBezTo>
+                    <a:cubicBezTo>
+                      <a:pt x="0" y="585"/>
+                      <a:pt x="0" y="358"/>
+                      <a:pt x="0" y="136"/>
+                    </a:cubicBezTo>
+                    <a:cubicBezTo>
+                      <a:pt x="0" y="136"/>
+                      <a:pt x="0" y="136"/>
+                      <a:pt x="0" y="136"/>
+                    </a:cubicBezTo>
+                    <a:close/>
+                  </a:path>
+                </a:pathLst>
+              </a:custGeom>
+              <a:solidFill>
+                <a:schemeClr val="bg1"/>
+              </a:solidFill>
+              <a:ln>
+                <a:noFill/>
+              </a:ln>
+              <a:extLst>
+                <a:ext uri="{91240B29-F687-4f45-9708-019B960494DF}">
+                  <a14:hiddenLine xmlns:a14="http://schemas.microsoft.com/office/drawing/2010/main" xmlns="" w="9525">
+                    <a:solidFill>
+                      <a:srgbClr val="000000"/>
+                    </a:solidFill>
+                    <a:round/>
+                    <a:headEnd/>
+                    <a:tailEnd/>
+                  </a14:hiddenLine>
+                </a:ext>
+              </a:extLst>
+            </p:spPr>
+            <p:txBody>
+              <a:bodyPr vert="horz" wrap="square" lIns="91440" tIns="45720" rIns="91440" bIns="45720" numCol="1" anchor="t" anchorCtr="0" compatLnSpc="1">
+                <a:prstTxWarp prst="textNoShape">
+                  <a:avLst/>
+                </a:prstTxWarp>
+              </a:bodyPr>
+              <a:lstStyle/>
+              <a:p>
+                <a:endParaRPr lang="en-US"/>
+              </a:p>
+            </p:txBody>
+          </p:sp>
+          <p:sp>
+            <p:nvSpPr>
+              <p:cNvPr id="64" name="Freeform 20"/>
+              <p:cNvSpPr>
+                <a:spLocks/>
+              </p:cNvSpPr>
+              <p:nvPr/>
+            </p:nvSpPr>
+            <p:spPr bwMode="auto">
+              <a:xfrm rot="5400000">
+                <a:off x="9860961" y="5433409"/>
+                <a:ext cx="122577" cy="118012"/>
+              </a:xfrm>
+              <a:custGeom>
+                <a:avLst/>
+                <a:gdLst>
+                  <a:gd name="T0" fmla="*/ 0 w 689"/>
+                  <a:gd name="T1" fmla="*/ 93 h 665"/>
+                  <a:gd name="T2" fmla="*/ 689 w 689"/>
+                  <a:gd name="T3" fmla="*/ 0 h 665"/>
+                  <a:gd name="T4" fmla="*/ 689 w 689"/>
+                  <a:gd name="T5" fmla="*/ 659 h 665"/>
+                  <a:gd name="T6" fmla="*/ 0 w 689"/>
+                  <a:gd name="T7" fmla="*/ 665 h 665"/>
+                  <a:gd name="T8" fmla="*/ 0 w 689"/>
+                  <a:gd name="T9" fmla="*/ 93 h 665"/>
+                  <a:gd name="T10" fmla="*/ 0 w 689"/>
+                  <a:gd name="T11" fmla="*/ 93 h 665"/>
+                </a:gdLst>
+                <a:ahLst/>
+                <a:cxnLst>
+                  <a:cxn ang="0">
+                    <a:pos x="T0" y="T1"/>
+                  </a:cxn>
+                  <a:cxn ang="0">
+                    <a:pos x="T2" y="T3"/>
+                  </a:cxn>
+                  <a:cxn ang="0">
+                    <a:pos x="T4" y="T5"/>
+                  </a:cxn>
+                  <a:cxn ang="0">
+                    <a:pos x="T6" y="T7"/>
+                  </a:cxn>
+                  <a:cxn ang="0">
+                    <a:pos x="T8" y="T9"/>
+                  </a:cxn>
+                  <a:cxn ang="0">
+                    <a:pos x="T10" y="T11"/>
+                  </a:cxn>
+                </a:cxnLst>
+                <a:rect l="0" t="0" r="r" b="b"/>
+                <a:pathLst>
+                  <a:path w="689" h="665">
+                    <a:moveTo>
+                      <a:pt x="0" y="93"/>
+                    </a:moveTo>
+                    <a:cubicBezTo>
+                      <a:pt x="227" y="56"/>
+                      <a:pt x="455" y="25"/>
+                      <a:pt x="689" y="0"/>
+                    </a:cubicBezTo>
+                    <a:cubicBezTo>
+                      <a:pt x="689" y="222"/>
+                      <a:pt x="689" y="437"/>
+                      <a:pt x="689" y="659"/>
+                    </a:cubicBezTo>
+                    <a:cubicBezTo>
+                      <a:pt x="455" y="659"/>
+                      <a:pt x="227" y="665"/>
+                      <a:pt x="0" y="665"/>
+                    </a:cubicBezTo>
+                    <a:cubicBezTo>
+                      <a:pt x="0" y="93"/>
+                      <a:pt x="0" y="93"/>
+                      <a:pt x="0" y="93"/>
+                    </a:cubicBezTo>
+                    <a:cubicBezTo>
+                      <a:pt x="0" y="93"/>
+                      <a:pt x="0" y="93"/>
+                      <a:pt x="0" y="93"/>
+                    </a:cubicBezTo>
+                    <a:close/>
+                  </a:path>
+                </a:pathLst>
+              </a:custGeom>
+              <a:solidFill>
+                <a:schemeClr val="bg1"/>
+              </a:solidFill>
+              <a:ln>
+                <a:noFill/>
+              </a:ln>
+              <a:extLst>
+                <a:ext uri="{91240B29-F687-4f45-9708-019B960494DF}">
+                  <a14:hiddenLine xmlns:a14="http://schemas.microsoft.com/office/drawing/2010/main" xmlns="" w="9525">
+                    <a:solidFill>
+                      <a:srgbClr val="000000"/>
+                    </a:solidFill>
+                    <a:round/>
+                    <a:headEnd/>
+                    <a:tailEnd/>
+                  </a14:hiddenLine>
+                </a:ext>
+              </a:extLst>
+            </p:spPr>
+            <p:txBody>
+              <a:bodyPr vert="horz" wrap="square" lIns="91440" tIns="45720" rIns="91440" bIns="45720" numCol="1" anchor="t" anchorCtr="0" compatLnSpc="1">
+                <a:prstTxWarp prst="textNoShape">
+                  <a:avLst/>
+                </a:prstTxWarp>
+              </a:bodyPr>
+              <a:lstStyle/>
+              <a:p>
+                <a:endParaRPr lang="en-US"/>
+              </a:p>
+            </p:txBody>
+          </p:sp>
+          <p:sp>
+            <p:nvSpPr>
+              <p:cNvPr id="65" name="Freeform 21"/>
+              <p:cNvSpPr>
+                <a:spLocks/>
+              </p:cNvSpPr>
+              <p:nvPr/>
+            </p:nvSpPr>
+            <p:spPr bwMode="auto">
+              <a:xfrm rot="5400000">
+                <a:off x="9730995" y="5433409"/>
+                <a:ext cx="122577" cy="118012"/>
+              </a:xfrm>
+              <a:custGeom>
+                <a:avLst/>
+                <a:gdLst>
+                  <a:gd name="T0" fmla="*/ 0 w 689"/>
+                  <a:gd name="T1" fmla="*/ 0 h 665"/>
+                  <a:gd name="T2" fmla="*/ 689 w 689"/>
+                  <a:gd name="T3" fmla="*/ 0 h 665"/>
+                  <a:gd name="T4" fmla="*/ 689 w 689"/>
+                  <a:gd name="T5" fmla="*/ 665 h 665"/>
+                  <a:gd name="T6" fmla="*/ 0 w 689"/>
+                  <a:gd name="T7" fmla="*/ 573 h 665"/>
+                  <a:gd name="T8" fmla="*/ 0 w 689"/>
+                  <a:gd name="T9" fmla="*/ 0 h 665"/>
+                </a:gdLst>
+                <a:ahLst/>
+                <a:cxnLst>
+                  <a:cxn ang="0">
+                    <a:pos x="T0" y="T1"/>
+                  </a:cxn>
+                  <a:cxn ang="0">
+                    <a:pos x="T2" y="T3"/>
+                  </a:cxn>
+                  <a:cxn ang="0">
+                    <a:pos x="T4" y="T5"/>
+                  </a:cxn>
+                  <a:cxn ang="0">
+                    <a:pos x="T6" y="T7"/>
+                  </a:cxn>
+                  <a:cxn ang="0">
+                    <a:pos x="T8" y="T9"/>
+                  </a:cxn>
+                </a:cxnLst>
+                <a:rect l="0" t="0" r="r" b="b"/>
+                <a:pathLst>
+                  <a:path w="689" h="665">
+                    <a:moveTo>
+                      <a:pt x="0" y="0"/>
+                    </a:moveTo>
+                    <a:cubicBezTo>
+                      <a:pt x="227" y="0"/>
+                      <a:pt x="455" y="6"/>
+                      <a:pt x="689" y="0"/>
+                    </a:cubicBezTo>
+                    <a:cubicBezTo>
+                      <a:pt x="689" y="222"/>
+                      <a:pt x="689" y="443"/>
+                      <a:pt x="689" y="665"/>
+                    </a:cubicBezTo>
+                    <a:cubicBezTo>
+                      <a:pt x="455" y="634"/>
+                      <a:pt x="227" y="603"/>
+                      <a:pt x="0" y="573"/>
+                    </a:cubicBezTo>
+                    <a:lnTo>
+                      <a:pt x="0" y="0"/>
+                    </a:lnTo>
+                    <a:close/>
+                  </a:path>
+                </a:pathLst>
+              </a:custGeom>
+              <a:solidFill>
+                <a:schemeClr val="bg1"/>
+              </a:solidFill>
+              <a:ln>
+                <a:noFill/>
+              </a:ln>
+              <a:extLst>
+                <a:ext uri="{91240B29-F687-4f45-9708-019B960494DF}">
+                  <a14:hiddenLine xmlns:a14="http://schemas.microsoft.com/office/drawing/2010/main" xmlns="" w="9525">
+                    <a:solidFill>
+                      <a:srgbClr val="000000"/>
+                    </a:solidFill>
+                    <a:round/>
+                    <a:headEnd/>
+                    <a:tailEnd/>
+                  </a14:hiddenLine>
+                </a:ext>
+              </a:extLst>
+            </p:spPr>
+            <p:txBody>
+              <a:bodyPr vert="horz" wrap="square" lIns="91440" tIns="45720" rIns="91440" bIns="45720" numCol="1" anchor="t" anchorCtr="0" compatLnSpc="1">
+                <a:prstTxWarp prst="textNoShape">
+                  <a:avLst/>
+                </a:prstTxWarp>
+              </a:bodyPr>
+              <a:lstStyle/>
+              <a:p>
+                <a:endParaRPr lang="en-US"/>
+              </a:p>
+            </p:txBody>
+          </p:sp>
+          <p:sp>
+            <p:nvSpPr>
+              <p:cNvPr id="66" name="Freeform 22"/>
+              <p:cNvSpPr>
+                <a:spLocks/>
+              </p:cNvSpPr>
+              <p:nvPr/>
+            </p:nvSpPr>
+            <p:spPr bwMode="auto">
+              <a:xfrm rot="5400000">
+                <a:off x="9698069" y="5578045"/>
+                <a:ext cx="162131" cy="142136"/>
+              </a:xfrm>
+              <a:custGeom>
+                <a:avLst/>
+                <a:gdLst>
+                  <a:gd name="T0" fmla="*/ 0 w 911"/>
+                  <a:gd name="T1" fmla="*/ 0 h 801"/>
+                  <a:gd name="T2" fmla="*/ 911 w 911"/>
+                  <a:gd name="T3" fmla="*/ 0 h 801"/>
+                  <a:gd name="T4" fmla="*/ 911 w 911"/>
+                  <a:gd name="T5" fmla="*/ 764 h 801"/>
+                  <a:gd name="T6" fmla="*/ 911 w 911"/>
+                  <a:gd name="T7" fmla="*/ 801 h 801"/>
+                  <a:gd name="T8" fmla="*/ 0 w 911"/>
+                  <a:gd name="T9" fmla="*/ 671 h 801"/>
+                  <a:gd name="T10" fmla="*/ 0 w 911"/>
+                  <a:gd name="T11" fmla="*/ 0 h 801"/>
+                </a:gdLst>
+                <a:ahLst/>
+                <a:cxnLst>
+                  <a:cxn ang="0">
+                    <a:pos x="T0" y="T1"/>
+                  </a:cxn>
+                  <a:cxn ang="0">
+                    <a:pos x="T2" y="T3"/>
+                  </a:cxn>
+                  <a:cxn ang="0">
+                    <a:pos x="T4" y="T5"/>
+                  </a:cxn>
+                  <a:cxn ang="0">
+                    <a:pos x="T6" y="T7"/>
+                  </a:cxn>
+                  <a:cxn ang="0">
+                    <a:pos x="T8" y="T9"/>
+                  </a:cxn>
+                  <a:cxn ang="0">
+                    <a:pos x="T10" y="T11"/>
+                  </a:cxn>
+                </a:cxnLst>
+                <a:rect l="0" t="0" r="r" b="b"/>
+                <a:pathLst>
+                  <a:path w="911" h="801">
+                    <a:moveTo>
+                      <a:pt x="0" y="0"/>
+                    </a:moveTo>
+                    <a:cubicBezTo>
+                      <a:pt x="302" y="0"/>
+                      <a:pt x="610" y="0"/>
+                      <a:pt x="911" y="0"/>
+                    </a:cubicBezTo>
+                    <a:cubicBezTo>
+                      <a:pt x="911" y="764"/>
+                      <a:pt x="911" y="764"/>
+                      <a:pt x="911" y="764"/>
+                    </a:cubicBezTo>
+                    <a:cubicBezTo>
+                      <a:pt x="911" y="801"/>
+                      <a:pt x="911" y="801"/>
+                      <a:pt x="911" y="801"/>
+                    </a:cubicBezTo>
+                    <a:cubicBezTo>
+                      <a:pt x="610" y="751"/>
+                      <a:pt x="302" y="714"/>
+                      <a:pt x="0" y="671"/>
+                    </a:cubicBezTo>
+                    <a:cubicBezTo>
+                      <a:pt x="0" y="450"/>
+                      <a:pt x="0" y="228"/>
+                      <a:pt x="0" y="0"/>
+                    </a:cubicBezTo>
+                    <a:close/>
+                  </a:path>
+                </a:pathLst>
+              </a:custGeom>
+              <a:solidFill>
+                <a:schemeClr val="bg1"/>
+              </a:solidFill>
+              <a:ln>
+                <a:noFill/>
+              </a:ln>
+              <a:extLst>
+                <a:ext uri="{91240B29-F687-4f45-9708-019B960494DF}">
+                  <a14:hiddenLine xmlns:a14="http://schemas.microsoft.com/office/drawing/2010/main" xmlns="" w="9525">
+                    <a:solidFill>
+                      <a:srgbClr val="000000"/>
+                    </a:solidFill>
+                    <a:round/>
+                    <a:headEnd/>
+                    <a:tailEnd/>
+                  </a14:hiddenLine>
+                </a:ext>
+              </a:extLst>
+            </p:spPr>
+            <p:txBody>
+              <a:bodyPr vert="horz" wrap="square" lIns="91440" tIns="45720" rIns="91440" bIns="45720" numCol="1" anchor="t" anchorCtr="0" compatLnSpc="1">
+                <a:prstTxWarp prst="textNoShape">
+                  <a:avLst/>
+                </a:prstTxWarp>
+              </a:bodyPr>
+              <a:lstStyle/>
+              <a:p>
+                <a:endParaRPr lang="en-US"/>
+              </a:p>
+            </p:txBody>
+          </p:sp>
+        </p:grpSp>
+      </p:grpSp>
+      <p:grpSp>
+        <p:nvGrpSpPr>
+          <p:cNvPr id="86" name="Group 85"/>
+          <p:cNvGrpSpPr/>
+          <p:nvPr/>
+        </p:nvGrpSpPr>
+        <p:grpSpPr>
+          <a:xfrm>
+            <a:off x="10528466" y="3655643"/>
+            <a:ext cx="1223267" cy="2203716"/>
+            <a:chOff x="10528466" y="3655643"/>
+            <a:chExt cx="1223267" cy="2203716"/>
+          </a:xfrm>
+        </p:grpSpPr>
+        <p:grpSp>
+          <p:nvGrpSpPr>
+            <p:cNvPr id="19" name="Group 18"/>
+            <p:cNvGrpSpPr>
+              <a:grpSpLocks noChangeAspect="1"/>
+            </p:cNvGrpSpPr>
+            <p:nvPr/>
+          </p:nvGrpSpPr>
+          <p:grpSpPr>
+            <a:xfrm>
+              <a:off x="10528466" y="3655643"/>
+              <a:ext cx="1223267" cy="2203716"/>
+              <a:chOff x="7653540" y="2295205"/>
+              <a:chExt cx="1485900" cy="2676850"/>
+            </a:xfrm>
+          </p:grpSpPr>
+          <p:sp>
+            <p:nvSpPr>
+              <p:cNvPr id="20" name="Rectangle 19"/>
+              <p:cNvSpPr/>
+              <p:nvPr/>
+            </p:nvSpPr>
+            <p:spPr>
+              <a:xfrm>
+                <a:off x="7653540" y="2295205"/>
+                <a:ext cx="1485900" cy="2676846"/>
+              </a:xfrm>
+              <a:prstGeom prst="rect">
+                <a:avLst/>
+              </a:prstGeom>
+              <a:solidFill>
+                <a:schemeClr val="bg2">
+                  <a:lumMod val="50000"/>
+                </a:schemeClr>
+              </a:solidFill>
+              <a:ln>
+                <a:noFill/>
+              </a:ln>
+            </p:spPr>
+            <p:style>
+              <a:lnRef idx="2">
+                <a:schemeClr val="accent1">
+                  <a:shade val="50000"/>
+                </a:schemeClr>
+              </a:lnRef>
+              <a:fillRef idx="1">
+                <a:schemeClr val="accent1"/>
+              </a:fillRef>
+              <a:effectRef idx="0">
+                <a:schemeClr val="accent1"/>
+              </a:effectRef>
+              <a:fontRef idx="minor">
+                <a:schemeClr val="lt1"/>
+              </a:fontRef>
+            </p:style>
+            <p:txBody>
+              <a:bodyPr rtlCol="0" anchor="ctr"/>
+              <a:lstStyle/>
+              <a:p>
+                <a:pPr algn="ctr"/>
+                <a:endParaRPr lang="en-US" dirty="0">
+                  <a:solidFill>
+                    <a:schemeClr val="bg1"/>
+                  </a:solidFill>
+                </a:endParaRPr>
+              </a:p>
+            </p:txBody>
+          </p:sp>
+          <p:sp>
+            <p:nvSpPr>
+              <p:cNvPr id="21" name="Oval 20"/>
+              <p:cNvSpPr/>
+              <p:nvPr/>
+            </p:nvSpPr>
+            <p:spPr>
+              <a:xfrm>
+                <a:off x="8894899" y="3249446"/>
+                <a:ext cx="147804" cy="147804"/>
+              </a:xfrm>
+              <a:prstGeom prst="ellipse">
+                <a:avLst/>
+              </a:prstGeom>
+              <a:solidFill>
+                <a:schemeClr val="bg1">
+                  <a:lumMod val="65000"/>
+                </a:schemeClr>
+              </a:solidFill>
+              <a:ln>
+                <a:noFill/>
+              </a:ln>
+            </p:spPr>
+            <p:style>
+              <a:lnRef idx="2">
+                <a:schemeClr val="accent1">
+                  <a:shade val="50000"/>
+                </a:schemeClr>
+              </a:lnRef>
+              <a:fillRef idx="1">
+                <a:schemeClr val="accent1"/>
+              </a:fillRef>
+              <a:effectRef idx="0">
+                <a:schemeClr val="accent1"/>
+              </a:effectRef>
+              <a:fontRef idx="minor">
+                <a:schemeClr val="lt1"/>
+              </a:fontRef>
+            </p:style>
+            <p:txBody>
+              <a:bodyPr rtlCol="0" anchor="ctr"/>
+              <a:lstStyle/>
+              <a:p>
+                <a:pPr algn="ctr"/>
+                <a:endParaRPr lang="en-US" dirty="0">
+                  <a:solidFill>
+                    <a:schemeClr val="bg1"/>
+                  </a:solidFill>
+                </a:endParaRPr>
+              </a:p>
+            </p:txBody>
+          </p:sp>
+          <p:sp>
+            <p:nvSpPr>
+              <p:cNvPr id="22" name="Rectangle 21"/>
+              <p:cNvSpPr/>
+              <p:nvPr/>
+            </p:nvSpPr>
+            <p:spPr>
+              <a:xfrm>
+                <a:off x="7797801" y="2419349"/>
+                <a:ext cx="977900" cy="229149"/>
+              </a:xfrm>
+              <a:prstGeom prst="rect">
+                <a:avLst/>
+              </a:prstGeom>
+              <a:solidFill>
+                <a:schemeClr val="bg1">
+                  <a:lumMod val="65000"/>
+                </a:schemeClr>
+              </a:solidFill>
+              <a:ln>
+                <a:noFill/>
+              </a:ln>
+            </p:spPr>
+            <p:style>
+              <a:lnRef idx="2">
+                <a:schemeClr val="accent1">
+                  <a:shade val="50000"/>
+                </a:schemeClr>
+              </a:lnRef>
+              <a:fillRef idx="1">
+                <a:schemeClr val="accent1"/>
+              </a:fillRef>
+              <a:effectRef idx="0">
+                <a:schemeClr val="accent1"/>
+              </a:effectRef>
+              <a:fontRef idx="minor">
+                <a:schemeClr val="lt1"/>
+              </a:fontRef>
+            </p:style>
+            <p:txBody>
+              <a:bodyPr rtlCol="0" anchor="ctr"/>
+              <a:lstStyle/>
+              <a:p>
+                <a:pPr algn="ctr"/>
+                <a:endParaRPr lang="en-US" dirty="0">
+                  <a:solidFill>
+                    <a:schemeClr val="bg1"/>
+                  </a:solidFill>
+                </a:endParaRPr>
+              </a:p>
+            </p:txBody>
+          </p:sp>
+          <p:sp>
+            <p:nvSpPr>
+              <p:cNvPr id="23" name="Rectangle 22"/>
+              <p:cNvSpPr/>
+              <p:nvPr/>
+            </p:nvSpPr>
+            <p:spPr>
+              <a:xfrm>
+                <a:off x="7797801" y="2712068"/>
+                <a:ext cx="977900" cy="229149"/>
+              </a:xfrm>
+              <a:prstGeom prst="rect">
+                <a:avLst/>
+              </a:prstGeom>
+              <a:solidFill>
+                <a:schemeClr val="bg1">
+                  <a:lumMod val="65000"/>
+                </a:schemeClr>
+              </a:solidFill>
+              <a:ln>
+                <a:noFill/>
+              </a:ln>
+            </p:spPr>
+            <p:style>
+              <a:lnRef idx="2">
+                <a:schemeClr val="accent1">
+                  <a:shade val="50000"/>
+                </a:schemeClr>
+              </a:lnRef>
+              <a:fillRef idx="1">
+                <a:schemeClr val="accent1"/>
+              </a:fillRef>
+              <a:effectRef idx="0">
+                <a:schemeClr val="accent1"/>
+              </a:effectRef>
+              <a:fontRef idx="minor">
+                <a:schemeClr val="lt1"/>
+              </a:fontRef>
+            </p:style>
+            <p:txBody>
+              <a:bodyPr rtlCol="0" anchor="ctr"/>
+              <a:lstStyle/>
+              <a:p>
+                <a:pPr algn="ctr"/>
+                <a:endParaRPr lang="en-US" dirty="0">
+                  <a:solidFill>
+                    <a:schemeClr val="bg1"/>
+                  </a:solidFill>
+                </a:endParaRPr>
+              </a:p>
+            </p:txBody>
+          </p:sp>
+          <p:sp>
+            <p:nvSpPr>
+              <p:cNvPr id="24" name="Rectangle 23"/>
+              <p:cNvSpPr/>
+              <p:nvPr/>
+            </p:nvSpPr>
+            <p:spPr>
+              <a:xfrm>
+                <a:off x="7876226" y="4112218"/>
+                <a:ext cx="51949" cy="859837"/>
+              </a:xfrm>
+              <a:prstGeom prst="rect">
+                <a:avLst/>
+              </a:prstGeom>
+              <a:solidFill>
+                <a:schemeClr val="bg1">
+                  <a:lumMod val="50000"/>
+                </a:schemeClr>
+              </a:solidFill>
+              <a:ln>
+                <a:noFill/>
+              </a:ln>
+            </p:spPr>
+            <p:style>
+              <a:lnRef idx="2">
+                <a:schemeClr val="accent1">
+                  <a:shade val="50000"/>
+                </a:schemeClr>
+              </a:lnRef>
+              <a:fillRef idx="1">
+                <a:schemeClr val="accent1"/>
+              </a:fillRef>
+              <a:effectRef idx="0">
+                <a:schemeClr val="accent1"/>
+              </a:effectRef>
+              <a:fontRef idx="minor">
+                <a:schemeClr val="lt1"/>
+              </a:fontRef>
+            </p:style>
+            <p:txBody>
+              <a:bodyPr rtlCol="0" anchor="ctr"/>
+              <a:lstStyle/>
+              <a:p>
+                <a:pPr algn="ctr"/>
+                <a:endParaRPr lang="en-US" dirty="0">
+                  <a:solidFill>
+                    <a:schemeClr val="bg1"/>
+                  </a:solidFill>
+                </a:endParaRPr>
+              </a:p>
+            </p:txBody>
+          </p:sp>
+          <p:sp>
+            <p:nvSpPr>
+              <p:cNvPr id="25" name="Rectangle 24"/>
+              <p:cNvSpPr/>
+              <p:nvPr/>
+            </p:nvSpPr>
+            <p:spPr>
+              <a:xfrm>
+                <a:off x="7965126" y="4112217"/>
+                <a:ext cx="51949" cy="859837"/>
+              </a:xfrm>
+              <a:prstGeom prst="rect">
+                <a:avLst/>
+              </a:prstGeom>
+              <a:solidFill>
+                <a:schemeClr val="bg1">
+                  <a:lumMod val="50000"/>
+                </a:schemeClr>
+              </a:solidFill>
+              <a:ln>
+                <a:noFill/>
+              </a:ln>
+            </p:spPr>
+            <p:style>
+              <a:lnRef idx="2">
+                <a:schemeClr val="accent1">
+                  <a:shade val="50000"/>
+                </a:schemeClr>
+              </a:lnRef>
+              <a:fillRef idx="1">
+                <a:schemeClr val="accent1"/>
+              </a:fillRef>
+              <a:effectRef idx="0">
+                <a:schemeClr val="accent1"/>
+              </a:effectRef>
+              <a:fontRef idx="minor">
+                <a:schemeClr val="lt1"/>
+              </a:fontRef>
+            </p:style>
+            <p:txBody>
+              <a:bodyPr rtlCol="0" anchor="ctr"/>
+              <a:lstStyle/>
+              <a:p>
+                <a:pPr algn="ctr"/>
+                <a:endParaRPr lang="en-US" dirty="0">
+                  <a:solidFill>
+                    <a:schemeClr val="bg1"/>
+                  </a:solidFill>
+                </a:endParaRPr>
+              </a:p>
+            </p:txBody>
+          </p:sp>
+          <p:sp>
+            <p:nvSpPr>
+              <p:cNvPr id="26" name="Rectangle 25"/>
+              <p:cNvSpPr/>
+              <p:nvPr/>
+            </p:nvSpPr>
+            <p:spPr>
+              <a:xfrm>
+                <a:off x="8054026" y="4112216"/>
+                <a:ext cx="51949" cy="859837"/>
+              </a:xfrm>
+              <a:prstGeom prst="rect">
+                <a:avLst/>
+              </a:prstGeom>
+              <a:solidFill>
+                <a:schemeClr val="bg1">
+                  <a:lumMod val="50000"/>
+                </a:schemeClr>
+              </a:solidFill>
+              <a:ln>
+                <a:noFill/>
+              </a:ln>
+            </p:spPr>
+            <p:style>
+              <a:lnRef idx="2">
+                <a:schemeClr val="accent1">
+                  <a:shade val="50000"/>
+                </a:schemeClr>
+              </a:lnRef>
+              <a:fillRef idx="1">
+                <a:schemeClr val="accent1"/>
+              </a:fillRef>
+              <a:effectRef idx="0">
+                <a:schemeClr val="accent1"/>
+              </a:effectRef>
+              <a:fontRef idx="minor">
+                <a:schemeClr val="lt1"/>
+              </a:fontRef>
+            </p:style>
+            <p:txBody>
+              <a:bodyPr rtlCol="0" anchor="ctr"/>
+              <a:lstStyle/>
+              <a:p>
+                <a:pPr algn="ctr"/>
+                <a:endParaRPr lang="en-US" dirty="0">
+                  <a:solidFill>
+                    <a:schemeClr val="bg1"/>
+                  </a:solidFill>
+                </a:endParaRPr>
+              </a:p>
+            </p:txBody>
+          </p:sp>
+          <p:sp>
+            <p:nvSpPr>
+              <p:cNvPr id="27" name="Rectangle 26"/>
+              <p:cNvSpPr/>
+              <p:nvPr/>
+            </p:nvSpPr>
+            <p:spPr>
+              <a:xfrm>
+                <a:off x="8142926" y="4112216"/>
+                <a:ext cx="51949" cy="859837"/>
+              </a:xfrm>
+              <a:prstGeom prst="rect">
+                <a:avLst/>
+              </a:prstGeom>
+              <a:solidFill>
+                <a:schemeClr val="bg1">
+                  <a:lumMod val="50000"/>
+                </a:schemeClr>
+              </a:solidFill>
+              <a:ln>
+                <a:noFill/>
+              </a:ln>
+            </p:spPr>
+            <p:style>
+              <a:lnRef idx="2">
+                <a:schemeClr val="accent1">
+                  <a:shade val="50000"/>
+                </a:schemeClr>
+              </a:lnRef>
+              <a:fillRef idx="1">
+                <a:schemeClr val="accent1"/>
+              </a:fillRef>
+              <a:effectRef idx="0">
+                <a:schemeClr val="accent1"/>
+              </a:effectRef>
+              <a:fontRef idx="minor">
+                <a:schemeClr val="lt1"/>
+              </a:fontRef>
+            </p:style>
+            <p:txBody>
+              <a:bodyPr rtlCol="0" anchor="ctr"/>
+              <a:lstStyle/>
+              <a:p>
+                <a:pPr algn="ctr"/>
+                <a:endParaRPr lang="en-US" dirty="0">
+                  <a:solidFill>
+                    <a:schemeClr val="bg1"/>
+                  </a:solidFill>
+                </a:endParaRPr>
+              </a:p>
+            </p:txBody>
+          </p:sp>
+          <p:sp>
+            <p:nvSpPr>
+              <p:cNvPr id="28" name="Rectangle 27"/>
+              <p:cNvSpPr/>
+              <p:nvPr/>
+            </p:nvSpPr>
+            <p:spPr>
+              <a:xfrm>
+                <a:off x="8231826" y="4112218"/>
+                <a:ext cx="51949" cy="859837"/>
+              </a:xfrm>
+              <a:prstGeom prst="rect">
+                <a:avLst/>
+              </a:prstGeom>
+              <a:solidFill>
+                <a:schemeClr val="bg1">
+                  <a:lumMod val="50000"/>
+                </a:schemeClr>
+              </a:solidFill>
+              <a:ln>
+                <a:noFill/>
+              </a:ln>
+            </p:spPr>
+            <p:style>
+              <a:lnRef idx="2">
+                <a:schemeClr val="accent1">
+                  <a:shade val="50000"/>
+                </a:schemeClr>
+              </a:lnRef>
+              <a:fillRef idx="1">
+                <a:schemeClr val="accent1"/>
+              </a:fillRef>
+              <a:effectRef idx="0">
+                <a:schemeClr val="accent1"/>
+              </a:effectRef>
+              <a:fontRef idx="minor">
+                <a:schemeClr val="lt1"/>
+              </a:fontRef>
+            </p:style>
+            <p:txBody>
+              <a:bodyPr rtlCol="0" anchor="ctr"/>
+              <a:lstStyle/>
+              <a:p>
+                <a:pPr algn="ctr"/>
+                <a:endParaRPr lang="en-US" dirty="0">
+                  <a:solidFill>
+                    <a:schemeClr val="bg1"/>
+                  </a:solidFill>
+                </a:endParaRPr>
+              </a:p>
+            </p:txBody>
+          </p:sp>
+          <p:sp>
+            <p:nvSpPr>
+              <p:cNvPr id="29" name="Rectangle 28"/>
+              <p:cNvSpPr/>
+              <p:nvPr/>
+            </p:nvSpPr>
+            <p:spPr>
+              <a:xfrm>
+                <a:off x="8320726" y="4112217"/>
+                <a:ext cx="51949" cy="859837"/>
+              </a:xfrm>
+              <a:prstGeom prst="rect">
+                <a:avLst/>
+              </a:prstGeom>
+              <a:solidFill>
+                <a:schemeClr val="bg1">
+                  <a:lumMod val="50000"/>
+                </a:schemeClr>
+              </a:solidFill>
+              <a:ln>
+                <a:noFill/>
+              </a:ln>
+            </p:spPr>
+            <p:style>
+              <a:lnRef idx="2">
+                <a:schemeClr val="accent1">
+                  <a:shade val="50000"/>
+                </a:schemeClr>
+              </a:lnRef>
+              <a:fillRef idx="1">
+                <a:schemeClr val="accent1"/>
+              </a:fillRef>
+              <a:effectRef idx="0">
+                <a:schemeClr val="accent1"/>
+              </a:effectRef>
+              <a:fontRef idx="minor">
+                <a:schemeClr val="lt1"/>
+              </a:fontRef>
+            </p:style>
+            <p:txBody>
+              <a:bodyPr rtlCol="0" anchor="ctr"/>
+              <a:lstStyle/>
+              <a:p>
+                <a:pPr algn="ctr"/>
+                <a:endParaRPr lang="en-US" dirty="0">
+                  <a:solidFill>
+                    <a:schemeClr val="bg1"/>
+                  </a:solidFill>
+                </a:endParaRPr>
+              </a:p>
+            </p:txBody>
+          </p:sp>
+          <p:sp>
+            <p:nvSpPr>
+              <p:cNvPr id="30" name="Rectangle 29"/>
+              <p:cNvSpPr/>
+              <p:nvPr/>
+            </p:nvSpPr>
+            <p:spPr>
+              <a:xfrm>
+                <a:off x="8409626" y="4112216"/>
+                <a:ext cx="51949" cy="859837"/>
+              </a:xfrm>
+              <a:prstGeom prst="rect">
+                <a:avLst/>
+              </a:prstGeom>
+              <a:solidFill>
+                <a:schemeClr val="bg1">
+                  <a:lumMod val="50000"/>
+                </a:schemeClr>
+              </a:solidFill>
+              <a:ln>
+                <a:noFill/>
+              </a:ln>
+            </p:spPr>
+            <p:style>
+              <a:lnRef idx="2">
+                <a:schemeClr val="accent1">
+                  <a:shade val="50000"/>
+                </a:schemeClr>
+              </a:lnRef>
+              <a:fillRef idx="1">
+                <a:schemeClr val="accent1"/>
+              </a:fillRef>
+              <a:effectRef idx="0">
+                <a:schemeClr val="accent1"/>
+              </a:effectRef>
+              <a:fontRef idx="minor">
+                <a:schemeClr val="lt1"/>
+              </a:fontRef>
+            </p:style>
+            <p:txBody>
+              <a:bodyPr rtlCol="0" anchor="ctr"/>
+              <a:lstStyle/>
+              <a:p>
+                <a:pPr algn="ctr"/>
+                <a:endParaRPr lang="en-US" dirty="0">
+                  <a:solidFill>
+                    <a:schemeClr val="bg1"/>
+                  </a:solidFill>
+                </a:endParaRPr>
+              </a:p>
+            </p:txBody>
+          </p:sp>
+          <p:sp>
+            <p:nvSpPr>
+              <p:cNvPr id="31" name="Rectangle 30"/>
+              <p:cNvSpPr/>
+              <p:nvPr/>
+            </p:nvSpPr>
+            <p:spPr>
+              <a:xfrm>
+                <a:off x="8498526" y="4112216"/>
+                <a:ext cx="51949" cy="859837"/>
+              </a:xfrm>
+              <a:prstGeom prst="rect">
+                <a:avLst/>
+              </a:prstGeom>
+              <a:solidFill>
+                <a:schemeClr val="bg1">
+                  <a:lumMod val="50000"/>
+                </a:schemeClr>
+              </a:solidFill>
+              <a:ln>
+                <a:noFill/>
+              </a:ln>
+            </p:spPr>
+            <p:style>
+              <a:lnRef idx="2">
+                <a:schemeClr val="accent1">
+                  <a:shade val="50000"/>
+                </a:schemeClr>
+              </a:lnRef>
+              <a:fillRef idx="1">
+                <a:schemeClr val="accent1"/>
+              </a:fillRef>
+              <a:effectRef idx="0">
+                <a:schemeClr val="accent1"/>
+              </a:effectRef>
+              <a:fontRef idx="minor">
+                <a:schemeClr val="lt1"/>
+              </a:fontRef>
+            </p:style>
+            <p:txBody>
+              <a:bodyPr rtlCol="0" anchor="ctr"/>
+              <a:lstStyle/>
+              <a:p>
+                <a:pPr algn="ctr"/>
+                <a:endParaRPr lang="en-US" dirty="0">
+                  <a:solidFill>
+                    <a:schemeClr val="bg1"/>
+                  </a:solidFill>
+                </a:endParaRPr>
+              </a:p>
+            </p:txBody>
+          </p:sp>
+          <p:sp>
+            <p:nvSpPr>
+              <p:cNvPr id="32" name="Rectangle 31"/>
+              <p:cNvSpPr/>
+              <p:nvPr/>
+            </p:nvSpPr>
+            <p:spPr>
+              <a:xfrm>
+                <a:off x="8587426" y="4112216"/>
+                <a:ext cx="51949" cy="859837"/>
+              </a:xfrm>
+              <a:prstGeom prst="rect">
+                <a:avLst/>
+              </a:prstGeom>
+              <a:solidFill>
+                <a:schemeClr val="bg1">
+                  <a:lumMod val="50000"/>
+                </a:schemeClr>
+              </a:solidFill>
+              <a:ln>
+                <a:noFill/>
+              </a:ln>
+            </p:spPr>
+            <p:style>
+              <a:lnRef idx="2">
+                <a:schemeClr val="accent1">
+                  <a:shade val="50000"/>
+                </a:schemeClr>
+              </a:lnRef>
+              <a:fillRef idx="1">
+                <a:schemeClr val="accent1"/>
+              </a:fillRef>
+              <a:effectRef idx="0">
+                <a:schemeClr val="accent1"/>
+              </a:effectRef>
+              <a:fontRef idx="minor">
+                <a:schemeClr val="lt1"/>
+              </a:fontRef>
+            </p:style>
+            <p:txBody>
+              <a:bodyPr rtlCol="0" anchor="ctr"/>
+              <a:lstStyle/>
+              <a:p>
+                <a:pPr algn="ctr"/>
+                <a:endParaRPr lang="en-US" dirty="0">
+                  <a:solidFill>
+                    <a:schemeClr val="bg1"/>
+                  </a:solidFill>
+                </a:endParaRPr>
+              </a:p>
+            </p:txBody>
+          </p:sp>
+          <p:sp>
+            <p:nvSpPr>
+              <p:cNvPr id="33" name="Rectangle 32"/>
+              <p:cNvSpPr/>
+              <p:nvPr/>
+            </p:nvSpPr>
+            <p:spPr>
+              <a:xfrm>
+                <a:off x="8676326" y="4112215"/>
+                <a:ext cx="51949" cy="859837"/>
+              </a:xfrm>
+              <a:prstGeom prst="rect">
+                <a:avLst/>
+              </a:prstGeom>
+              <a:solidFill>
+                <a:schemeClr val="bg1">
+                  <a:lumMod val="50000"/>
+                </a:schemeClr>
+              </a:solidFill>
+              <a:ln>
+                <a:noFill/>
+              </a:ln>
+            </p:spPr>
+            <p:style>
+              <a:lnRef idx="2">
+                <a:schemeClr val="accent1">
+                  <a:shade val="50000"/>
+                </a:schemeClr>
+              </a:lnRef>
+              <a:fillRef idx="1">
+                <a:schemeClr val="accent1"/>
+              </a:fillRef>
+              <a:effectRef idx="0">
+                <a:schemeClr val="accent1"/>
+              </a:effectRef>
+              <a:fontRef idx="minor">
+                <a:schemeClr val="lt1"/>
+              </a:fontRef>
+            </p:style>
+            <p:txBody>
+              <a:bodyPr rtlCol="0" anchor="ctr"/>
+              <a:lstStyle/>
+              <a:p>
+                <a:pPr algn="ctr"/>
+                <a:endParaRPr lang="en-US" dirty="0">
+                  <a:solidFill>
+                    <a:schemeClr val="bg1"/>
+                  </a:solidFill>
+                </a:endParaRPr>
+              </a:p>
+            </p:txBody>
+          </p:sp>
+          <p:sp>
+            <p:nvSpPr>
+              <p:cNvPr id="34" name="Rectangle 33"/>
+              <p:cNvSpPr/>
+              <p:nvPr/>
+            </p:nvSpPr>
+            <p:spPr>
+              <a:xfrm>
+                <a:off x="8765226" y="4112214"/>
+                <a:ext cx="51949" cy="859837"/>
+              </a:xfrm>
+              <a:prstGeom prst="rect">
+                <a:avLst/>
+              </a:prstGeom>
+              <a:solidFill>
+                <a:schemeClr val="bg1">
+                  <a:lumMod val="50000"/>
+                </a:schemeClr>
+              </a:solidFill>
+              <a:ln>
+                <a:noFill/>
+              </a:ln>
+            </p:spPr>
+            <p:style>
+              <a:lnRef idx="2">
+                <a:schemeClr val="accent1">
+                  <a:shade val="50000"/>
+                </a:schemeClr>
+              </a:lnRef>
+              <a:fillRef idx="1">
+                <a:schemeClr val="accent1"/>
+              </a:fillRef>
+              <a:effectRef idx="0">
+                <a:schemeClr val="accent1"/>
+              </a:effectRef>
+              <a:fontRef idx="minor">
+                <a:schemeClr val="lt1"/>
+              </a:fontRef>
+            </p:style>
+            <p:txBody>
+              <a:bodyPr rtlCol="0" anchor="ctr"/>
+              <a:lstStyle/>
+              <a:p>
+                <a:pPr algn="ctr"/>
+                <a:endParaRPr lang="en-US" dirty="0">
+                  <a:solidFill>
+                    <a:schemeClr val="bg1"/>
+                  </a:solidFill>
+                </a:endParaRPr>
+              </a:p>
+            </p:txBody>
+          </p:sp>
+          <p:sp>
+            <p:nvSpPr>
+              <p:cNvPr id="35" name="Rectangle 34"/>
+              <p:cNvSpPr/>
+              <p:nvPr/>
+            </p:nvSpPr>
+            <p:spPr>
+              <a:xfrm>
+                <a:off x="8854126" y="4112214"/>
+                <a:ext cx="51949" cy="859837"/>
+              </a:xfrm>
+              <a:prstGeom prst="rect">
+                <a:avLst/>
+              </a:prstGeom>
+              <a:solidFill>
+                <a:schemeClr val="bg1">
+                  <a:lumMod val="50000"/>
+                </a:schemeClr>
+              </a:solidFill>
+              <a:ln>
+                <a:noFill/>
+              </a:ln>
+            </p:spPr>
+            <p:style>
+              <a:lnRef idx="2">
+                <a:schemeClr val="accent1">
+                  <a:shade val="50000"/>
+                </a:schemeClr>
+              </a:lnRef>
+              <a:fillRef idx="1">
+                <a:schemeClr val="accent1"/>
+              </a:fillRef>
+              <a:effectRef idx="0">
+                <a:schemeClr val="accent1"/>
+              </a:effectRef>
+              <a:fontRef idx="minor">
+                <a:schemeClr val="lt1"/>
+              </a:fontRef>
+            </p:style>
+            <p:txBody>
+              <a:bodyPr rtlCol="0" anchor="ctr"/>
+              <a:lstStyle/>
+              <a:p>
+                <a:pPr algn="ctr"/>
+                <a:endParaRPr lang="en-US" dirty="0">
+                  <a:solidFill>
+                    <a:schemeClr val="bg1"/>
+                  </a:solidFill>
+                </a:endParaRPr>
+              </a:p>
+            </p:txBody>
+          </p:sp>
+        </p:grpSp>
+        <p:grpSp>
+          <p:nvGrpSpPr>
+            <p:cNvPr id="80" name="Group 79"/>
+            <p:cNvGrpSpPr/>
+            <p:nvPr/>
+          </p:nvGrpSpPr>
+          <p:grpSpPr>
+            <a:xfrm rot="16200000">
+              <a:off x="10883794" y="4473884"/>
+              <a:ext cx="362377" cy="361853"/>
+              <a:chOff x="9708067" y="5431126"/>
+              <a:chExt cx="299485" cy="299052"/>
+            </a:xfrm>
+          </p:grpSpPr>
+          <p:sp>
+            <p:nvSpPr>
+              <p:cNvPr id="81" name="Freeform 19"/>
+              <p:cNvSpPr>
+                <a:spLocks/>
+              </p:cNvSpPr>
+              <p:nvPr/>
+            </p:nvSpPr>
+            <p:spPr bwMode="auto">
+              <a:xfrm rot="5400000">
+                <a:off x="9854875" y="5577500"/>
+                <a:ext cx="162131" cy="143223"/>
+              </a:xfrm>
+              <a:custGeom>
+                <a:avLst/>
+                <a:gdLst>
+                  <a:gd name="T0" fmla="*/ 0 w 911"/>
+                  <a:gd name="T1" fmla="*/ 136 h 807"/>
+                  <a:gd name="T2" fmla="*/ 911 w 911"/>
+                  <a:gd name="T3" fmla="*/ 0 h 807"/>
+                  <a:gd name="T4" fmla="*/ 911 w 911"/>
+                  <a:gd name="T5" fmla="*/ 13 h 807"/>
+                  <a:gd name="T6" fmla="*/ 911 w 911"/>
+                  <a:gd name="T7" fmla="*/ 801 h 807"/>
+                  <a:gd name="T8" fmla="*/ 0 w 911"/>
+                  <a:gd name="T9" fmla="*/ 807 h 807"/>
+                  <a:gd name="T10" fmla="*/ 0 w 911"/>
+                  <a:gd name="T11" fmla="*/ 136 h 807"/>
+                  <a:gd name="T12" fmla="*/ 0 w 911"/>
+                  <a:gd name="T13" fmla="*/ 136 h 807"/>
+                </a:gdLst>
+                <a:ahLst/>
+                <a:cxnLst>
+                  <a:cxn ang="0">
+                    <a:pos x="T0" y="T1"/>
+                  </a:cxn>
+                  <a:cxn ang="0">
+                    <a:pos x="T2" y="T3"/>
+                  </a:cxn>
+                  <a:cxn ang="0">
+                    <a:pos x="T4" y="T5"/>
+                  </a:cxn>
+                  <a:cxn ang="0">
+                    <a:pos x="T6" y="T7"/>
+                  </a:cxn>
+                  <a:cxn ang="0">
+                    <a:pos x="T8" y="T9"/>
+                  </a:cxn>
+                  <a:cxn ang="0">
+                    <a:pos x="T10" y="T11"/>
+                  </a:cxn>
+                  <a:cxn ang="0">
+                    <a:pos x="T12" y="T13"/>
+                  </a:cxn>
+                </a:cxnLst>
+                <a:rect l="0" t="0" r="r" b="b"/>
+                <a:pathLst>
+                  <a:path w="911" h="807">
+                    <a:moveTo>
+                      <a:pt x="0" y="136"/>
+                    </a:moveTo>
+                    <a:cubicBezTo>
+                      <a:pt x="302" y="87"/>
+                      <a:pt x="610" y="44"/>
+                      <a:pt x="911" y="0"/>
+                    </a:cubicBezTo>
+                    <a:cubicBezTo>
+                      <a:pt x="911" y="13"/>
+                      <a:pt x="911" y="13"/>
+                      <a:pt x="911" y="13"/>
+                    </a:cubicBezTo>
+                    <a:cubicBezTo>
+                      <a:pt x="911" y="801"/>
+                      <a:pt x="911" y="801"/>
+                      <a:pt x="911" y="801"/>
+                    </a:cubicBezTo>
+                    <a:cubicBezTo>
+                      <a:pt x="610" y="801"/>
+                      <a:pt x="302" y="807"/>
+                      <a:pt x="0" y="807"/>
+                    </a:cubicBezTo>
+                    <a:cubicBezTo>
+                      <a:pt x="0" y="585"/>
+                      <a:pt x="0" y="358"/>
+                      <a:pt x="0" y="136"/>
+                    </a:cubicBezTo>
+                    <a:cubicBezTo>
+                      <a:pt x="0" y="136"/>
+                      <a:pt x="0" y="136"/>
+                      <a:pt x="0" y="136"/>
+                    </a:cubicBezTo>
+                    <a:close/>
+                  </a:path>
+                </a:pathLst>
+              </a:custGeom>
+              <a:solidFill>
+                <a:schemeClr val="bg1"/>
+              </a:solidFill>
+              <a:ln>
+                <a:noFill/>
+              </a:ln>
+              <a:extLst>
+                <a:ext uri="{91240B29-F687-4f45-9708-019B960494DF}">
+                  <a14:hiddenLine xmlns:a14="http://schemas.microsoft.com/office/drawing/2010/main" xmlns="" w="9525">
+                    <a:solidFill>
+                      <a:srgbClr val="000000"/>
+                    </a:solidFill>
+                    <a:round/>
+                    <a:headEnd/>
+                    <a:tailEnd/>
+                  </a14:hiddenLine>
+                </a:ext>
+              </a:extLst>
+            </p:spPr>
+            <p:txBody>
+              <a:bodyPr vert="horz" wrap="square" lIns="91440" tIns="45720" rIns="91440" bIns="45720" numCol="1" anchor="t" anchorCtr="0" compatLnSpc="1">
+                <a:prstTxWarp prst="textNoShape">
+                  <a:avLst/>
+                </a:prstTxWarp>
+              </a:bodyPr>
+              <a:lstStyle/>
+              <a:p>
+                <a:endParaRPr lang="en-US"/>
+              </a:p>
+            </p:txBody>
+          </p:sp>
+          <p:sp>
+            <p:nvSpPr>
+              <p:cNvPr id="82" name="Freeform 20"/>
+              <p:cNvSpPr>
+                <a:spLocks/>
+              </p:cNvSpPr>
+              <p:nvPr/>
+            </p:nvSpPr>
+            <p:spPr bwMode="auto">
+              <a:xfrm rot="5400000">
+                <a:off x="9860961" y="5433409"/>
+                <a:ext cx="122577" cy="118012"/>
+              </a:xfrm>
+              <a:custGeom>
+                <a:avLst/>
+                <a:gdLst>
+                  <a:gd name="T0" fmla="*/ 0 w 689"/>
+                  <a:gd name="T1" fmla="*/ 93 h 665"/>
+                  <a:gd name="T2" fmla="*/ 689 w 689"/>
+                  <a:gd name="T3" fmla="*/ 0 h 665"/>
+                  <a:gd name="T4" fmla="*/ 689 w 689"/>
+                  <a:gd name="T5" fmla="*/ 659 h 665"/>
+                  <a:gd name="T6" fmla="*/ 0 w 689"/>
+                  <a:gd name="T7" fmla="*/ 665 h 665"/>
+                  <a:gd name="T8" fmla="*/ 0 w 689"/>
+                  <a:gd name="T9" fmla="*/ 93 h 665"/>
+                  <a:gd name="T10" fmla="*/ 0 w 689"/>
+                  <a:gd name="T11" fmla="*/ 93 h 665"/>
+                </a:gdLst>
+                <a:ahLst/>
+                <a:cxnLst>
+                  <a:cxn ang="0">
+                    <a:pos x="T0" y="T1"/>
+                  </a:cxn>
+                  <a:cxn ang="0">
+                    <a:pos x="T2" y="T3"/>
+                  </a:cxn>
+                  <a:cxn ang="0">
+                    <a:pos x="T4" y="T5"/>
+                  </a:cxn>
+                  <a:cxn ang="0">
+                    <a:pos x="T6" y="T7"/>
+                  </a:cxn>
+                  <a:cxn ang="0">
+                    <a:pos x="T8" y="T9"/>
+                  </a:cxn>
+                  <a:cxn ang="0">
+                    <a:pos x="T10" y="T11"/>
+                  </a:cxn>
+                </a:cxnLst>
+                <a:rect l="0" t="0" r="r" b="b"/>
+                <a:pathLst>
+                  <a:path w="689" h="665">
+                    <a:moveTo>
+                      <a:pt x="0" y="93"/>
+                    </a:moveTo>
+                    <a:cubicBezTo>
+                      <a:pt x="227" y="56"/>
+                      <a:pt x="455" y="25"/>
+                      <a:pt x="689" y="0"/>
+                    </a:cubicBezTo>
+                    <a:cubicBezTo>
+                      <a:pt x="689" y="222"/>
+                      <a:pt x="689" y="437"/>
+                      <a:pt x="689" y="659"/>
+                    </a:cubicBezTo>
+                    <a:cubicBezTo>
+                      <a:pt x="455" y="659"/>
+                      <a:pt x="227" y="665"/>
+                      <a:pt x="0" y="665"/>
+                    </a:cubicBezTo>
+                    <a:cubicBezTo>
+                      <a:pt x="0" y="93"/>
+                      <a:pt x="0" y="93"/>
+                      <a:pt x="0" y="93"/>
+                    </a:cubicBezTo>
+                    <a:cubicBezTo>
+                      <a:pt x="0" y="93"/>
+                      <a:pt x="0" y="93"/>
+                      <a:pt x="0" y="93"/>
+                    </a:cubicBezTo>
+                    <a:close/>
+                  </a:path>
+                </a:pathLst>
+              </a:custGeom>
+              <a:solidFill>
+                <a:schemeClr val="bg1"/>
+              </a:solidFill>
+              <a:ln>
+                <a:noFill/>
+              </a:ln>
+              <a:extLst>
+                <a:ext uri="{91240B29-F687-4f45-9708-019B960494DF}">
+                  <a14:hiddenLine xmlns:a14="http://schemas.microsoft.com/office/drawing/2010/main" xmlns="" w="9525">
+                    <a:solidFill>
+                      <a:srgbClr val="000000"/>
+                    </a:solidFill>
+                    <a:round/>
+                    <a:headEnd/>
+                    <a:tailEnd/>
+                  </a14:hiddenLine>
+                </a:ext>
+              </a:extLst>
+            </p:spPr>
+            <p:txBody>
+              <a:bodyPr vert="horz" wrap="square" lIns="91440" tIns="45720" rIns="91440" bIns="45720" numCol="1" anchor="t" anchorCtr="0" compatLnSpc="1">
+                <a:prstTxWarp prst="textNoShape">
+                  <a:avLst/>
+                </a:prstTxWarp>
+              </a:bodyPr>
+              <a:lstStyle/>
+              <a:p>
+                <a:endParaRPr lang="en-US"/>
+              </a:p>
+            </p:txBody>
+          </p:sp>
+          <p:sp>
+            <p:nvSpPr>
+              <p:cNvPr id="83" name="Freeform 21"/>
+              <p:cNvSpPr>
+                <a:spLocks/>
+              </p:cNvSpPr>
+              <p:nvPr/>
+            </p:nvSpPr>
+            <p:spPr bwMode="auto">
+              <a:xfrm rot="5400000">
+                <a:off x="9730995" y="5433409"/>
+                <a:ext cx="122577" cy="118012"/>
+              </a:xfrm>
+              <a:custGeom>
+                <a:avLst/>
+                <a:gdLst>
+                  <a:gd name="T0" fmla="*/ 0 w 689"/>
+                  <a:gd name="T1" fmla="*/ 0 h 665"/>
+                  <a:gd name="T2" fmla="*/ 689 w 689"/>
+                  <a:gd name="T3" fmla="*/ 0 h 665"/>
+                  <a:gd name="T4" fmla="*/ 689 w 689"/>
+                  <a:gd name="T5" fmla="*/ 665 h 665"/>
+                  <a:gd name="T6" fmla="*/ 0 w 689"/>
+                  <a:gd name="T7" fmla="*/ 573 h 665"/>
+                  <a:gd name="T8" fmla="*/ 0 w 689"/>
+                  <a:gd name="T9" fmla="*/ 0 h 665"/>
+                </a:gdLst>
+                <a:ahLst/>
+                <a:cxnLst>
+                  <a:cxn ang="0">
+                    <a:pos x="T0" y="T1"/>
+                  </a:cxn>
+                  <a:cxn ang="0">
+                    <a:pos x="T2" y="T3"/>
+                  </a:cxn>
+                  <a:cxn ang="0">
+                    <a:pos x="T4" y="T5"/>
+                  </a:cxn>
+                  <a:cxn ang="0">
+                    <a:pos x="T6" y="T7"/>
+                  </a:cxn>
+                  <a:cxn ang="0">
+                    <a:pos x="T8" y="T9"/>
+                  </a:cxn>
+                </a:cxnLst>
+                <a:rect l="0" t="0" r="r" b="b"/>
+                <a:pathLst>
+                  <a:path w="689" h="665">
+                    <a:moveTo>
+                      <a:pt x="0" y="0"/>
+                    </a:moveTo>
+                    <a:cubicBezTo>
+                      <a:pt x="227" y="0"/>
+                      <a:pt x="455" y="6"/>
+                      <a:pt x="689" y="0"/>
+                    </a:cubicBezTo>
+                    <a:cubicBezTo>
+                      <a:pt x="689" y="222"/>
+                      <a:pt x="689" y="443"/>
+                      <a:pt x="689" y="665"/>
+                    </a:cubicBezTo>
+                    <a:cubicBezTo>
+                      <a:pt x="455" y="634"/>
+                      <a:pt x="227" y="603"/>
+                      <a:pt x="0" y="573"/>
+                    </a:cubicBezTo>
+                    <a:lnTo>
+                      <a:pt x="0" y="0"/>
+                    </a:lnTo>
+                    <a:close/>
+                  </a:path>
+                </a:pathLst>
+              </a:custGeom>
+              <a:solidFill>
+                <a:schemeClr val="bg1"/>
+              </a:solidFill>
+              <a:ln>
+                <a:noFill/>
+              </a:ln>
+              <a:extLst>
+                <a:ext uri="{91240B29-F687-4f45-9708-019B960494DF}">
+                  <a14:hiddenLine xmlns:a14="http://schemas.microsoft.com/office/drawing/2010/main" xmlns="" w="9525">
+                    <a:solidFill>
+                      <a:srgbClr val="000000"/>
+                    </a:solidFill>
+                    <a:round/>
+                    <a:headEnd/>
+                    <a:tailEnd/>
+                  </a14:hiddenLine>
+                </a:ext>
+              </a:extLst>
+            </p:spPr>
+            <p:txBody>
+              <a:bodyPr vert="horz" wrap="square" lIns="91440" tIns="45720" rIns="91440" bIns="45720" numCol="1" anchor="t" anchorCtr="0" compatLnSpc="1">
+                <a:prstTxWarp prst="textNoShape">
+                  <a:avLst/>
+                </a:prstTxWarp>
+              </a:bodyPr>
+              <a:lstStyle/>
+              <a:p>
+                <a:endParaRPr lang="en-US"/>
+              </a:p>
+            </p:txBody>
+          </p:sp>
+          <p:sp>
+            <p:nvSpPr>
+              <p:cNvPr id="84" name="Freeform 22"/>
+              <p:cNvSpPr>
+                <a:spLocks/>
+              </p:cNvSpPr>
+              <p:nvPr/>
+            </p:nvSpPr>
+            <p:spPr bwMode="auto">
+              <a:xfrm rot="5400000">
+                <a:off x="9698069" y="5578045"/>
+                <a:ext cx="162131" cy="142136"/>
+              </a:xfrm>
+              <a:custGeom>
+                <a:avLst/>
+                <a:gdLst>
+                  <a:gd name="T0" fmla="*/ 0 w 911"/>
+                  <a:gd name="T1" fmla="*/ 0 h 801"/>
+                  <a:gd name="T2" fmla="*/ 911 w 911"/>
+                  <a:gd name="T3" fmla="*/ 0 h 801"/>
+                  <a:gd name="T4" fmla="*/ 911 w 911"/>
+                  <a:gd name="T5" fmla="*/ 764 h 801"/>
+                  <a:gd name="T6" fmla="*/ 911 w 911"/>
+                  <a:gd name="T7" fmla="*/ 801 h 801"/>
+                  <a:gd name="T8" fmla="*/ 0 w 911"/>
+                  <a:gd name="T9" fmla="*/ 671 h 801"/>
+                  <a:gd name="T10" fmla="*/ 0 w 911"/>
+                  <a:gd name="T11" fmla="*/ 0 h 801"/>
+                </a:gdLst>
+                <a:ahLst/>
+                <a:cxnLst>
+                  <a:cxn ang="0">
+                    <a:pos x="T0" y="T1"/>
+                  </a:cxn>
+                  <a:cxn ang="0">
+                    <a:pos x="T2" y="T3"/>
+                  </a:cxn>
+                  <a:cxn ang="0">
+                    <a:pos x="T4" y="T5"/>
+                  </a:cxn>
+                  <a:cxn ang="0">
+                    <a:pos x="T6" y="T7"/>
+                  </a:cxn>
+                  <a:cxn ang="0">
+                    <a:pos x="T8" y="T9"/>
+                  </a:cxn>
+                  <a:cxn ang="0">
+                    <a:pos x="T10" y="T11"/>
+                  </a:cxn>
+                </a:cxnLst>
+                <a:rect l="0" t="0" r="r" b="b"/>
+                <a:pathLst>
+                  <a:path w="911" h="801">
+                    <a:moveTo>
+                      <a:pt x="0" y="0"/>
+                    </a:moveTo>
+                    <a:cubicBezTo>
+                      <a:pt x="302" y="0"/>
+                      <a:pt x="610" y="0"/>
+                      <a:pt x="911" y="0"/>
+                    </a:cubicBezTo>
+                    <a:cubicBezTo>
+                      <a:pt x="911" y="764"/>
+                      <a:pt x="911" y="764"/>
+                      <a:pt x="911" y="764"/>
+                    </a:cubicBezTo>
+                    <a:cubicBezTo>
+                      <a:pt x="911" y="801"/>
+                      <a:pt x="911" y="801"/>
+                      <a:pt x="911" y="801"/>
+                    </a:cubicBezTo>
+                    <a:cubicBezTo>
+                      <a:pt x="610" y="751"/>
+                      <a:pt x="302" y="714"/>
+                      <a:pt x="0" y="671"/>
+                    </a:cubicBezTo>
+                    <a:cubicBezTo>
+                      <a:pt x="0" y="450"/>
+                      <a:pt x="0" y="228"/>
+                      <a:pt x="0" y="0"/>
+                    </a:cubicBezTo>
+                    <a:close/>
+                  </a:path>
+                </a:pathLst>
+              </a:custGeom>
+              <a:solidFill>
+                <a:schemeClr val="bg1"/>
+              </a:solidFill>
+              <a:ln>
+                <a:noFill/>
+              </a:ln>
+              <a:extLst>
+                <a:ext uri="{91240B29-F687-4f45-9708-019B960494DF}">
+                  <a14:hiddenLine xmlns:a14="http://schemas.microsoft.com/office/drawing/2010/main" xmlns="" w="9525">
+                    <a:solidFill>
+                      <a:srgbClr val="000000"/>
+                    </a:solidFill>
+                    <a:round/>
+                    <a:headEnd/>
+                    <a:tailEnd/>
+                  </a14:hiddenLine>
+                </a:ext>
+              </a:extLst>
+            </p:spPr>
+            <p:txBody>
+              <a:bodyPr vert="horz" wrap="square" lIns="91440" tIns="45720" rIns="91440" bIns="45720" numCol="1" anchor="t" anchorCtr="0" compatLnSpc="1">
+                <a:prstTxWarp prst="textNoShape">
+                  <a:avLst/>
+                </a:prstTxWarp>
+              </a:bodyPr>
+              <a:lstStyle/>
+              <a:p>
+                <a:endParaRPr lang="en-US"/>
+              </a:p>
+            </p:txBody>
+          </p:sp>
+        </p:grpSp>
+      </p:grpSp>
+    </p:spTree>
+    <p:extLst>
+      <p:ext uri="{BB962C8B-B14F-4D97-AF65-F5344CB8AC3E}">
+        <p14:creationId xmlns:p14="http://schemas.microsoft.com/office/powerpoint/2010/main" val="484012872"/>
+      </p:ext>
+    </p:extLst>
+  </p:cSld>
+  <p:clrMapOvr>
+    <a:masterClrMapping/>
+  </p:clrMapOvr>
+</p:sld>
+</file>
+
+<file path=ppt/slides/slide2.xml><?xml version="1.0" encoding="utf-8"?>
+<p:sld xmlns:a="http://schemas.openxmlformats.org/drawingml/2006/main" xmlns:r="http://schemas.openxmlformats.org/officeDocument/2006/relationships" xmlns:p="http://schemas.openxmlformats.org/presentationml/2006/main">
+  <p:cSld>
+    <p:spTree>
+      <p:nvGrpSpPr>
+        <p:cNvPr id="1" name=""/>
+        <p:cNvGrpSpPr/>
+        <p:nvPr/>
+      </p:nvGrpSpPr>
+      <p:grpSpPr>
+        <a:xfrm>
+          <a:off x="0" y="0"/>
+          <a:ext cx="0" cy="0"/>
+          <a:chOff x="0" y="0"/>
+          <a:chExt cx="0" cy="0"/>
+        </a:xfrm>
+      </p:grpSpPr>
+      <p:sp>
+        <p:nvSpPr>
+          <p:cNvPr id="5" name="Rectangle 4"/>
+          <p:cNvSpPr/>
+          <p:nvPr/>
+        </p:nvSpPr>
+        <p:spPr>
+          <a:xfrm>
+            <a:off x="0" y="2423812"/>
+            <a:ext cx="12192000" cy="2782733"/>
+          </a:xfrm>
+          <a:prstGeom prst="rect">
+            <a:avLst/>
+          </a:prstGeom>
+          <a:solidFill>
+            <a:srgbClr val="0070C0"/>
+          </a:solidFill>
+          <a:ln w="9525" cap="flat" cmpd="sng" algn="ctr">
+            <a:noFill/>
+            <a:prstDash val="solid"/>
+          </a:ln>
+          <a:effectLst/>
+        </p:spPr>
+        <p:txBody>
+          <a:bodyPr rtlCol="0" anchor="ctr"/>
+          <a:lstStyle/>
+          <a:p>
+            <a:pPr marL="0" marR="0" lvl="0" indent="0" algn="ctr" defTabSz="914400" eaLnBrk="1" fontAlgn="auto" latinLnBrk="0" hangingPunct="1">
+              <a:lnSpc>
+                <a:spcPct val="100000"/>
+              </a:lnSpc>
+              <a:spcBef>
+                <a:spcPts val="0"/>
+              </a:spcBef>
+              <a:spcAft>
+                <a:spcPts val="0"/>
+              </a:spcAft>
+              <a:buClrTx/>
+              <a:buSzTx/>
+              <a:buFont typeface="Arial" panose="020B0604020202020204" pitchFamily="34" charset="0"/>
+              <a:buNone/>
+              <a:tabLst/>
+              <a:defRPr/>
+            </a:pPr>
+            <a:endParaRPr kumimoji="0" lang="en-US" sz="4000" i="1" u="none" strike="noStrike" kern="0" cap="none" spc="0" normalizeH="0" baseline="0" noProof="0" dirty="0">
+              <a:ln>
+                <a:noFill/>
+              </a:ln>
+              <a:solidFill>
+                <a:prstClr val="white"/>
+              </a:solidFill>
+              <a:effectLst/>
+              <a:uLnTx/>
+              <a:uFillTx/>
+              <a:latin typeface="+mj-lt"/>
+            </a:endParaRPr>
+          </a:p>
+        </p:txBody>
+      </p:sp>
+      <p:sp>
+        <p:nvSpPr>
+          <p:cNvPr id="2" name="Title 1"/>
+          <p:cNvSpPr>
+            <a:spLocks noGrp="1"/>
+          </p:cNvSpPr>
+          <p:nvPr>
+            <p:ph type="title"/>
+          </p:nvPr>
+        </p:nvSpPr>
+        <p:spPr>
+          <a:xfrm>
+            <a:off x="829987" y="365060"/>
+            <a:ext cx="3519421" cy="968466"/>
+          </a:xfrm>
+        </p:spPr>
+        <p:txBody>
+          <a:bodyPr/>
+          <a:lstStyle/>
+          <a:p>
+            <a:r>
+              <a:rPr lang="en-US" dirty="0"/>
+              <a:t>Topics</a:t>
+            </a:r>
+          </a:p>
+        </p:txBody>
+      </p:sp>
+      <p:sp>
+        <p:nvSpPr>
+          <p:cNvPr id="3" name="Content Placeholder 2"/>
+          <p:cNvSpPr>
+            <a:spLocks noGrp="1"/>
+          </p:cNvSpPr>
+          <p:nvPr>
+            <p:ph idx="1"/>
+          </p:nvPr>
+        </p:nvSpPr>
+        <p:spPr>
+          <a:xfrm>
+            <a:off x="838200" y="2747081"/>
+            <a:ext cx="10515600" cy="2233763"/>
+          </a:xfrm>
+        </p:spPr>
+        <p:txBody>
+          <a:bodyPr anchor="ctr">
+            <a:normAutofit/>
+          </a:bodyPr>
+          <a:lstStyle/>
+          <a:p>
+            <a:pPr marL="0" indent="0">
+              <a:buNone/>
+            </a:pPr>
+            <a:r>
+              <a:rPr lang="en-US" dirty="0">
+                <a:solidFill>
+                  <a:schemeClr val="bg1"/>
+                </a:solidFill>
+              </a:rPr>
+              <a:t>Types of Mobile Application Development</a:t>
+            </a:r>
+          </a:p>
+          <a:p>
+            <a:pPr lvl="1">
+              <a:buFont typeface="Wingdings" charset="2"/>
+              <a:buChar char="§"/>
+            </a:pPr>
+            <a:r>
+              <a:rPr lang="en-US" sz="2800" dirty="0">
+                <a:solidFill>
+                  <a:schemeClr val="bg1"/>
+                </a:solidFill>
+              </a:rPr>
+              <a:t>Native </a:t>
+            </a:r>
+          </a:p>
+          <a:p>
+            <a:pPr lvl="1">
+              <a:buFont typeface="Wingdings" charset="2"/>
+              <a:buChar char="§"/>
+            </a:pPr>
+            <a:r>
+              <a:rPr lang="en-US" sz="2800" dirty="0">
+                <a:solidFill>
+                  <a:schemeClr val="bg1"/>
+                </a:solidFill>
+              </a:rPr>
+              <a:t>Cross-platform </a:t>
+            </a:r>
+          </a:p>
+          <a:p>
+            <a:pPr lvl="1">
+              <a:buFont typeface="Wingdings" charset="2"/>
+              <a:buChar char="§"/>
+            </a:pPr>
+            <a:r>
+              <a:rPr lang="en-US" sz="2800" dirty="0">
+                <a:solidFill>
+                  <a:schemeClr val="bg1"/>
+                </a:solidFill>
+              </a:rPr>
+              <a:t>Hybrid</a:t>
+            </a:r>
+          </a:p>
+        </p:txBody>
+      </p:sp>
+    </p:spTree>
+    <p:extLst>
+      <p:ext uri="{BB962C8B-B14F-4D97-AF65-F5344CB8AC3E}">
+        <p14:creationId xmlns:p14="http://schemas.microsoft.com/office/powerpoint/2010/main" val="3269488740"/>
+      </p:ext>
+    </p:extLst>
+  </p:cSld>
+  <p:clrMapOvr>
+    <a:masterClrMapping/>
+  </p:clrMapOvr>
+</p:sld>
+</file>
+
+<file path=ppt/slides/slide20.xml><?xml version="1.0" encoding="utf-8"?>
 <p:sld xmlns:a="http://schemas.openxmlformats.org/drawingml/2006/main" xmlns:r="http://schemas.openxmlformats.org/officeDocument/2006/relationships" xmlns:p="http://schemas.openxmlformats.org/presentationml/2006/main">
   <p:cSld>
     <p:spTree>
@@ -13901,211 +17960,10 @@
   <p:clrMapOvr>
     <a:masterClrMapping/>
   </p:clrMapOvr>
-  <p:timing>
-    <p:tnLst>
-      <p:par>
-        <p:cTn id="1" dur="indefinite" restart="never" nodeType="tmRoot"/>
-      </p:par>
-    </p:tnLst>
-  </p:timing>
 </p:sld>
 </file>
 
-<file path=ppt/slides/slide2.xml><?xml version="1.0" encoding="utf-8"?>
-<p:sld xmlns:a="http://schemas.openxmlformats.org/drawingml/2006/main" xmlns:r="http://schemas.openxmlformats.org/officeDocument/2006/relationships" xmlns:p="http://schemas.openxmlformats.org/presentationml/2006/main">
-  <p:cSld>
-    <p:spTree>
-      <p:nvGrpSpPr>
-        <p:cNvPr id="1" name=""/>
-        <p:cNvGrpSpPr/>
-        <p:nvPr/>
-      </p:nvGrpSpPr>
-      <p:grpSpPr>
-        <a:xfrm>
-          <a:off x="0" y="0"/>
-          <a:ext cx="0" cy="0"/>
-          <a:chOff x="0" y="0"/>
-          <a:chExt cx="0" cy="0"/>
-        </a:xfrm>
-      </p:grpSpPr>
-      <p:sp>
-        <p:nvSpPr>
-          <p:cNvPr id="5" name="Rectangle 4"/>
-          <p:cNvSpPr/>
-          <p:nvPr/>
-        </p:nvSpPr>
-        <p:spPr>
-          <a:xfrm>
-            <a:off x="0" y="2423812"/>
-            <a:ext cx="12192000" cy="2782733"/>
-          </a:xfrm>
-          <a:prstGeom prst="rect">
-            <a:avLst/>
-          </a:prstGeom>
-          <a:solidFill>
-            <a:srgbClr val="0070C0"/>
-          </a:solidFill>
-          <a:ln w="9525" cap="flat" cmpd="sng" algn="ctr">
-            <a:noFill/>
-            <a:prstDash val="solid"/>
-          </a:ln>
-          <a:effectLst/>
-        </p:spPr>
-        <p:txBody>
-          <a:bodyPr rtlCol="0" anchor="ctr"/>
-          <a:lstStyle/>
-          <a:p>
-            <a:pPr marL="0" marR="0" lvl="0" indent="0" algn="ctr" defTabSz="914400" eaLnBrk="1" fontAlgn="auto" latinLnBrk="0" hangingPunct="1">
-              <a:lnSpc>
-                <a:spcPct val="100000"/>
-              </a:lnSpc>
-              <a:spcBef>
-                <a:spcPts val="0"/>
-              </a:spcBef>
-              <a:spcAft>
-                <a:spcPts val="0"/>
-              </a:spcAft>
-              <a:buClrTx/>
-              <a:buSzTx/>
-              <a:buFont typeface="Arial" panose="020B0604020202020204" pitchFamily="34" charset="0"/>
-              <a:buNone/>
-              <a:tabLst/>
-              <a:defRPr/>
-            </a:pPr>
-            <a:endParaRPr kumimoji="0" lang="en-US" sz="4000" i="1" u="none" strike="noStrike" kern="0" cap="none" spc="0" normalizeH="0" baseline="0" noProof="0" dirty="0">
-              <a:ln>
-                <a:noFill/>
-              </a:ln>
-              <a:solidFill>
-                <a:prstClr val="white"/>
-              </a:solidFill>
-              <a:effectLst/>
-              <a:uLnTx/>
-              <a:uFillTx/>
-              <a:latin typeface="+mj-lt"/>
-            </a:endParaRPr>
-          </a:p>
-        </p:txBody>
-      </p:sp>
-      <p:sp>
-        <p:nvSpPr>
-          <p:cNvPr id="2" name="Title 1"/>
-          <p:cNvSpPr>
-            <a:spLocks noGrp="1"/>
-          </p:cNvSpPr>
-          <p:nvPr>
-            <p:ph type="title"/>
-          </p:nvPr>
-        </p:nvSpPr>
-        <p:spPr>
-          <a:xfrm>
-            <a:off x="829987" y="365060"/>
-            <a:ext cx="3519421" cy="968466"/>
-          </a:xfrm>
-        </p:spPr>
-        <p:txBody>
-          <a:bodyPr/>
-          <a:lstStyle/>
-          <a:p>
-            <a:r>
-              <a:rPr lang="en-US" dirty="0"/>
-              <a:t>Topics</a:t>
-            </a:r>
-          </a:p>
-        </p:txBody>
-      </p:sp>
-      <p:sp>
-        <p:nvSpPr>
-          <p:cNvPr id="3" name="Content Placeholder 2"/>
-          <p:cNvSpPr>
-            <a:spLocks noGrp="1"/>
-          </p:cNvSpPr>
-          <p:nvPr>
-            <p:ph idx="1"/>
-          </p:nvPr>
-        </p:nvSpPr>
-        <p:spPr>
-          <a:xfrm>
-            <a:off x="838200" y="2747081"/>
-            <a:ext cx="10515600" cy="2233763"/>
-          </a:xfrm>
-        </p:spPr>
-        <p:txBody>
-          <a:bodyPr anchor="ctr">
-            <a:normAutofit/>
-          </a:bodyPr>
-          <a:lstStyle/>
-          <a:p>
-            <a:pPr marL="0" indent="0">
-              <a:buNone/>
-            </a:pPr>
-            <a:r>
-              <a:rPr lang="en-US" dirty="0">
-                <a:solidFill>
-                  <a:schemeClr val="bg1"/>
-                </a:solidFill>
-              </a:rPr>
-              <a:t>Types of Mobile Application Development</a:t>
-            </a:r>
-          </a:p>
-          <a:p>
-            <a:pPr lvl="1">
-              <a:buFont typeface="Wingdings" charset="2"/>
-              <a:buChar char="§"/>
-            </a:pPr>
-            <a:r>
-              <a:rPr lang="en-US" sz="2800" dirty="0">
-                <a:solidFill>
-                  <a:schemeClr val="bg1"/>
-                </a:solidFill>
-              </a:rPr>
-              <a:t>Native </a:t>
-            </a:r>
-          </a:p>
-          <a:p>
-            <a:pPr lvl="1">
-              <a:buFont typeface="Wingdings" charset="2"/>
-              <a:buChar char="§"/>
-            </a:pPr>
-            <a:r>
-              <a:rPr lang="en-US" sz="2800" dirty="0">
-                <a:solidFill>
-                  <a:schemeClr val="bg1"/>
-                </a:solidFill>
-              </a:rPr>
-              <a:t>Cross-platform </a:t>
-            </a:r>
-          </a:p>
-          <a:p>
-            <a:pPr lvl="1">
-              <a:buFont typeface="Wingdings" charset="2"/>
-              <a:buChar char="§"/>
-            </a:pPr>
-            <a:r>
-              <a:rPr lang="en-US" sz="2800" dirty="0">
-                <a:solidFill>
-                  <a:schemeClr val="bg1"/>
-                </a:solidFill>
-              </a:rPr>
-              <a:t>Hybrid</a:t>
-            </a:r>
-          </a:p>
-        </p:txBody>
-      </p:sp>
-    </p:spTree>
-    <p:extLst>
-      <p:ext uri="{BB962C8B-B14F-4D97-AF65-F5344CB8AC3E}">
-        <p14:creationId xmlns:p14="http://schemas.microsoft.com/office/powerpoint/2010/main" val="3269488740"/>
-      </p:ext>
-    </p:extLst>
-  </p:cSld>
-  <p:clrMapOvr>
-    <a:masterClrMapping/>
-  </p:clrMapOvr>
-</p:sld>
-</file>
-
-<file path=ppt/slides/slide20.xml><?xml version="1.0" encoding="utf-8"?>
+<file path=ppt/slides/slide21.xml><?xml version="1.0" encoding="utf-8"?>
 <p:sld xmlns:a="http://schemas.openxmlformats.org/drawingml/2006/main" xmlns:r="http://schemas.openxmlformats.org/officeDocument/2006/relationships" xmlns:p="http://schemas.openxmlformats.org/presentationml/2006/main">
   <p:cSld>
     <p:spTree>
@@ -15760,7 +19618,7 @@
 </p:sld>
 </file>
 
-<file path=ppt/slides/slide21.xml><?xml version="1.0" encoding="utf-8"?>
+<file path=ppt/slides/slide22.xml><?xml version="1.0" encoding="utf-8"?>
 <p:sld xmlns:a="http://schemas.openxmlformats.org/drawingml/2006/main" xmlns:r="http://schemas.openxmlformats.org/officeDocument/2006/relationships" xmlns:p="http://schemas.openxmlformats.org/presentationml/2006/main">
   <p:cSld>
     <p:spTree>
@@ -16237,7 +20095,7 @@
 </p:sld>
 </file>
 
-<file path=ppt/slides/slide22.xml><?xml version="1.0" encoding="utf-8"?>
+<file path=ppt/slides/slide23.xml><?xml version="1.0" encoding="utf-8"?>
 <p:sld xmlns:a="http://schemas.openxmlformats.org/drawingml/2006/main" xmlns:r="http://schemas.openxmlformats.org/officeDocument/2006/relationships" xmlns:p="http://schemas.openxmlformats.org/presentationml/2006/main">
   <p:cSld>
     <p:spTree>
@@ -16735,39 +20593,8 @@
                   <a:ea typeface="+mn-ea"/>
                   <a:cs typeface="+mn-cs"/>
                 </a:rPr>
-                <a:t>Native App </a:t>
+                <a:t>Native App Shell</a:t>
               </a:r>
-              <a:r>
-                <a:rPr kumimoji="0" lang="en-US" sz="1800" b="0" i="0" u="none" strike="noStrike" kern="0" cap="none" spc="0" normalizeH="0" baseline="0" noProof="0" dirty="0" smtClean="0">
-                  <a:ln>
-                    <a:noFill/>
-                  </a:ln>
-                  <a:solidFill>
-                    <a:sysClr val="window" lastClr="FFFFFF"/>
-                  </a:solidFill>
-                  <a:effectLst/>
-                  <a:uLnTx/>
-                  <a:uFillTx/>
-                  <a:latin typeface="Segoe UI"/>
-                  <a:ea typeface="+mn-ea"/>
-                  <a:cs typeface="+mn-cs"/>
-                </a:rPr>
-                <a:t>Shell</a:t>
-              </a:r>
-              <a:endParaRPr kumimoji="0" lang="en-US" sz="1800" b="0" i="0" u="none" strike="noStrike" kern="0" cap="none" spc="0" normalizeH="0" baseline="0" noProof="0" dirty="0">
-                <a:ln>
-                  <a:noFill/>
-                </a:ln>
-                <a:solidFill>
-                  <a:sysClr val="window" lastClr="FFFFFF"/>
-                </a:solidFill>
-                <a:effectLst/>
-                <a:uLnTx/>
-                <a:uFillTx/>
-                <a:latin typeface="Segoe UI"/>
-                <a:ea typeface="+mn-ea"/>
-                <a:cs typeface="+mn-cs"/>
-              </a:endParaRPr>
             </a:p>
           </p:txBody>
         </p:sp>
@@ -16830,7 +20657,7 @@
                 <a:t>Native </a:t>
               </a:r>
               <a:r>
-                <a:rPr lang="en-US" kern="0" dirty="0" err="1" smtClean="0">
+                <a:rPr lang="en-US" kern="0" dirty="0" err="1">
                   <a:solidFill>
                     <a:sysClr val="window" lastClr="FFFFFF"/>
                   </a:solidFill>
@@ -16969,7 +20796,7 @@
 </p:sld>
 </file>
 
-<file path=ppt/slides/slide23.xml><?xml version="1.0" encoding="utf-8"?>
+<file path=ppt/slides/slide24.xml><?xml version="1.0" encoding="utf-8"?>
 <p:sld xmlns:a="http://schemas.openxmlformats.org/drawingml/2006/main" xmlns:r="http://schemas.openxmlformats.org/officeDocument/2006/relationships" xmlns:p="http://schemas.openxmlformats.org/presentationml/2006/main">
   <p:cSld>
     <p:spTree>
@@ -17711,7 +21538,7 @@
 </p:sld>
 </file>
 
-<file path=ppt/slides/slide24.xml><?xml version="1.0" encoding="utf-8"?>
+<file path=ppt/slides/slide25.xml><?xml version="1.0" encoding="utf-8"?>
 <p:sld xmlns:a="http://schemas.openxmlformats.org/drawingml/2006/main" xmlns:r="http://schemas.openxmlformats.org/officeDocument/2006/relationships" xmlns:p="http://schemas.openxmlformats.org/presentationml/2006/main">
   <p:cSld>
     <p:spTree>
@@ -18279,21 +22106,8 @@
                     <a:schemeClr val="tx1"/>
                   </a:solidFill>
                 </a:rPr>
-                <a:t>Because Xamarin provides</a:t>
+                <a:t>Because Xamarin provides:</a:t>
               </a:r>
-              <a:r>
-                <a:rPr lang="en-US" sz="2800" dirty="0" smtClean="0">
-                  <a:solidFill>
-                    <a:schemeClr val="tx1"/>
-                  </a:solidFill>
-                </a:rPr>
-                <a:t>:</a:t>
-              </a:r>
-              <a:endParaRPr lang="en-US" sz="2800" dirty="0">
-                <a:solidFill>
-                  <a:schemeClr val="tx1"/>
-                </a:solidFill>
-              </a:endParaRPr>
             </a:p>
             <a:p>
               <a:pPr marL="1535113" lvl="2" indent="-330200">
@@ -18386,7 +22200,7 @@
 </p:sld>
 </file>
 
-<file path=ppt/slides/slide25.xml><?xml version="1.0" encoding="utf-8"?>
+<file path=ppt/slides/slide26.xml><?xml version="1.0" encoding="utf-8"?>
 <p:sld xmlns:a="http://schemas.openxmlformats.org/drawingml/2006/main" xmlns:r="http://schemas.openxmlformats.org/officeDocument/2006/relationships" xmlns:p="http://schemas.openxmlformats.org/presentationml/2006/main">
   <p:cSld>
     <p:spTree>
@@ -18782,7 +22596,7 @@
 </p:sld>
 </file>
 
-<file path=ppt/slides/slide26.xml><?xml version="1.0" encoding="utf-8"?>
+<file path=ppt/slides/slide27.xml><?xml version="1.0" encoding="utf-8"?>
 <p:sld xmlns:a="http://schemas.openxmlformats.org/drawingml/2006/main" xmlns:r="http://schemas.openxmlformats.org/officeDocument/2006/relationships" xmlns:p="http://schemas.openxmlformats.org/presentationml/2006/main">
   <p:cSld>
     <p:spTree>
@@ -19178,7 +22992,7 @@
 </p:sld>
 </file>
 
-<file path=ppt/slides/slide27.xml><?xml version="1.0" encoding="utf-8"?>
+<file path=ppt/slides/slide28.xml><?xml version="1.0" encoding="utf-8"?>
 <p:sld xmlns:a="http://schemas.openxmlformats.org/drawingml/2006/main" xmlns:r="http://schemas.openxmlformats.org/officeDocument/2006/relationships" xmlns:p="http://schemas.openxmlformats.org/presentationml/2006/main">
   <p:cSld>
     <p:spTree>
@@ -19606,7 +23420,7 @@
 </p:sld>
 </file>
 
-<file path=ppt/slides/slide28.xml><?xml version="1.0" encoding="utf-8"?>
+<file path=ppt/slides/slide29.xml><?xml version="1.0" encoding="utf-8"?>
 <p:sld xmlns:a="http://schemas.openxmlformats.org/drawingml/2006/main" xmlns:r="http://schemas.openxmlformats.org/officeDocument/2006/relationships" xmlns:p="http://schemas.openxmlformats.org/presentationml/2006/main">
   <p:cSld>
     <p:spTree>
@@ -20030,7 +23844,443 @@
 </p:sld>
 </file>
 
-<file path=ppt/slides/slide29.xml><?xml version="1.0" encoding="utf-8"?>
+<file path=ppt/slides/slide3.xml><?xml version="1.0" encoding="utf-8"?>
+<p:sld xmlns:a="http://schemas.openxmlformats.org/drawingml/2006/main" xmlns:r="http://schemas.openxmlformats.org/officeDocument/2006/relationships" xmlns:p="http://schemas.openxmlformats.org/presentationml/2006/main">
+  <p:cSld>
+    <p:spTree>
+      <p:nvGrpSpPr>
+        <p:cNvPr id="1" name=""/>
+        <p:cNvGrpSpPr/>
+        <p:nvPr/>
+      </p:nvGrpSpPr>
+      <p:grpSpPr>
+        <a:xfrm>
+          <a:off x="0" y="0"/>
+          <a:ext cx="0" cy="0"/>
+          <a:chOff x="0" y="0"/>
+          <a:chExt cx="0" cy="0"/>
+        </a:xfrm>
+      </p:grpSpPr>
+      <p:sp>
+        <p:nvSpPr>
+          <p:cNvPr id="5" name="TextBox 4"/>
+          <p:cNvSpPr txBox="1"/>
+          <p:nvPr/>
+        </p:nvSpPr>
+        <p:spPr>
+          <a:xfrm>
+            <a:off x="846418" y="537883"/>
+            <a:ext cx="4948518" cy="769441"/>
+          </a:xfrm>
+          <a:prstGeom prst="rect">
+            <a:avLst/>
+          </a:prstGeom>
+          <a:noFill/>
+        </p:spPr>
+        <p:txBody>
+          <a:bodyPr wrap="square" rtlCol="0">
+            <a:spAutoFit/>
+          </a:bodyPr>
+          <a:lstStyle/>
+          <a:p>
+            <a:r>
+              <a:rPr lang="en-US" sz="4400" dirty="0">
+                <a:solidFill>
+                  <a:srgbClr val="000000"/>
+                </a:solidFill>
+              </a:rPr>
+              <a:t>Objectives</a:t>
+            </a:r>
+          </a:p>
+        </p:txBody>
+      </p:sp>
+      <p:grpSp>
+        <p:nvGrpSpPr>
+          <p:cNvPr id="8" name="Group 7"/>
+          <p:cNvGrpSpPr/>
+          <p:nvPr/>
+        </p:nvGrpSpPr>
+        <p:grpSpPr>
+          <a:xfrm>
+            <a:off x="0" y="1950630"/>
+            <a:ext cx="12192000" cy="4101277"/>
+            <a:chOff x="0" y="1950630"/>
+            <a:chExt cx="12192000" cy="3716677"/>
+          </a:xfrm>
+        </p:grpSpPr>
+        <p:grpSp>
+          <p:nvGrpSpPr>
+            <p:cNvPr id="2" name="Group 1"/>
+            <p:cNvGrpSpPr/>
+            <p:nvPr/>
+          </p:nvGrpSpPr>
+          <p:grpSpPr>
+            <a:xfrm>
+              <a:off x="0" y="1950630"/>
+              <a:ext cx="12192000" cy="832911"/>
+              <a:chOff x="0" y="1950630"/>
+              <a:chExt cx="12192000" cy="832911"/>
+            </a:xfrm>
+          </p:grpSpPr>
+          <p:sp>
+            <p:nvSpPr>
+              <p:cNvPr id="3" name="Rectangle 2"/>
+              <p:cNvSpPr/>
+              <p:nvPr/>
+            </p:nvSpPr>
+            <p:spPr>
+              <a:xfrm>
+                <a:off x="0" y="1950630"/>
+                <a:ext cx="12192000" cy="832911"/>
+              </a:xfrm>
+              <a:prstGeom prst="rect">
+                <a:avLst/>
+              </a:prstGeom>
+              <a:solidFill>
+                <a:srgbClr val="0070C0"/>
+              </a:solidFill>
+              <a:ln w="9525" cap="flat" cmpd="sng" algn="ctr">
+                <a:noFill/>
+                <a:prstDash val="solid"/>
+              </a:ln>
+              <a:effectLst/>
+            </p:spPr>
+            <p:txBody>
+              <a:bodyPr rtlCol="0" anchor="ctr"/>
+              <a:lstStyle/>
+              <a:p>
+                <a:pPr marL="0" marR="0" lvl="0" indent="0" algn="ctr" defTabSz="914400" eaLnBrk="1" fontAlgn="auto" latinLnBrk="0" hangingPunct="1">
+                  <a:lnSpc>
+                    <a:spcPct val="100000"/>
+                  </a:lnSpc>
+                  <a:spcBef>
+                    <a:spcPts val="0"/>
+                  </a:spcBef>
+                  <a:spcAft>
+                    <a:spcPts val="0"/>
+                  </a:spcAft>
+                  <a:buClrTx/>
+                  <a:buSzTx/>
+                  <a:buFont typeface="Arial" panose="020B0604020202020204" pitchFamily="34" charset="0"/>
+                  <a:buNone/>
+                  <a:tabLst/>
+                  <a:defRPr/>
+                </a:pPr>
+                <a:endParaRPr kumimoji="0" lang="en-US" sz="4000" i="1" u="none" strike="noStrike" kern="0" cap="none" spc="0" normalizeH="0" baseline="0" noProof="0" dirty="0">
+                  <a:ln>
+                    <a:noFill/>
+                  </a:ln>
+                  <a:solidFill>
+                    <a:prstClr val="white"/>
+                  </a:solidFill>
+                  <a:effectLst/>
+                  <a:uLnTx/>
+                  <a:uFillTx/>
+                  <a:latin typeface="+mj-lt"/>
+                </a:endParaRPr>
+              </a:p>
+            </p:txBody>
+          </p:sp>
+          <p:sp>
+            <p:nvSpPr>
+              <p:cNvPr id="4" name="Content Placeholder 2"/>
+              <p:cNvSpPr txBox="1">
+                <a:spLocks/>
+              </p:cNvSpPr>
+              <p:nvPr/>
+            </p:nvSpPr>
+            <p:spPr>
+              <a:xfrm>
+                <a:off x="846418" y="1950630"/>
+                <a:ext cx="9423400" cy="832911"/>
+              </a:xfrm>
+              <a:prstGeom prst="rect">
+                <a:avLst/>
+              </a:prstGeom>
+            </p:spPr>
+            <p:txBody>
+              <a:bodyPr anchor="ctr"/>
+              <a:lstStyle>
+                <a:lvl1pPr marL="0" indent="0" algn="ctr" defTabSz="914400" rtl="0" eaLnBrk="1" latinLnBrk="0" hangingPunct="1">
+                  <a:lnSpc>
+                    <a:spcPct val="90000"/>
+                  </a:lnSpc>
+                  <a:spcBef>
+                    <a:spcPts val="1000"/>
+                  </a:spcBef>
+                  <a:buFont typeface="Arial" panose="020B0604020202020204" pitchFamily="34" charset="0"/>
+                  <a:buNone/>
+                  <a:defRPr sz="2800" i="1" kern="1200">
+                    <a:solidFill>
+                      <a:schemeClr val="bg1"/>
+                    </a:solidFill>
+                    <a:latin typeface="+mn-lt"/>
+                    <a:ea typeface="+mn-ea"/>
+                    <a:cs typeface="+mn-cs"/>
+                  </a:defRPr>
+                </a:lvl1pPr>
+                <a:lvl2pPr marL="457200" indent="0" algn="ctr" defTabSz="914400" rtl="0" eaLnBrk="1" latinLnBrk="0" hangingPunct="1">
+                  <a:lnSpc>
+                    <a:spcPct val="90000"/>
+                  </a:lnSpc>
+                  <a:spcBef>
+                    <a:spcPts val="500"/>
+                  </a:spcBef>
+                  <a:buFont typeface="Arial" panose="020B0604020202020204" pitchFamily="34" charset="0"/>
+                  <a:buNone/>
+                  <a:defRPr sz="2400" i="1" kern="1200">
+                    <a:solidFill>
+                      <a:schemeClr val="bg1"/>
+                    </a:solidFill>
+                    <a:latin typeface="+mn-lt"/>
+                    <a:ea typeface="+mn-ea"/>
+                    <a:cs typeface="+mn-cs"/>
+                  </a:defRPr>
+                </a:lvl2pPr>
+                <a:lvl3pPr marL="914400" indent="0" algn="ctr" defTabSz="914400" rtl="0" eaLnBrk="1" latinLnBrk="0" hangingPunct="1">
+                  <a:lnSpc>
+                    <a:spcPct val="90000"/>
+                  </a:lnSpc>
+                  <a:spcBef>
+                    <a:spcPts val="500"/>
+                  </a:spcBef>
+                  <a:buFont typeface="Arial" panose="020B0604020202020204" pitchFamily="34" charset="0"/>
+                  <a:buNone/>
+                  <a:defRPr sz="2000" i="1" kern="1200">
+                    <a:solidFill>
+                      <a:schemeClr val="bg1"/>
+                    </a:solidFill>
+                    <a:latin typeface="+mn-lt"/>
+                    <a:ea typeface="+mn-ea"/>
+                    <a:cs typeface="+mn-cs"/>
+                  </a:defRPr>
+                </a:lvl3pPr>
+                <a:lvl4pPr marL="1371600" indent="0" algn="ctr" defTabSz="914400" rtl="0" eaLnBrk="1" latinLnBrk="0" hangingPunct="1">
+                  <a:lnSpc>
+                    <a:spcPct val="90000"/>
+                  </a:lnSpc>
+                  <a:spcBef>
+                    <a:spcPts val="500"/>
+                  </a:spcBef>
+                  <a:buFont typeface="Arial" panose="020B0604020202020204" pitchFamily="34" charset="0"/>
+                  <a:buNone/>
+                  <a:defRPr sz="1800" i="1" kern="1200">
+                    <a:solidFill>
+                      <a:schemeClr val="bg1"/>
+                    </a:solidFill>
+                    <a:latin typeface="+mn-lt"/>
+                    <a:ea typeface="+mn-ea"/>
+                    <a:cs typeface="+mn-cs"/>
+                  </a:defRPr>
+                </a:lvl4pPr>
+                <a:lvl5pPr marL="1828800" indent="0" algn="ctr" defTabSz="914400" rtl="0" eaLnBrk="1" latinLnBrk="0" hangingPunct="1">
+                  <a:lnSpc>
+                    <a:spcPct val="90000"/>
+                  </a:lnSpc>
+                  <a:spcBef>
+                    <a:spcPts val="500"/>
+                  </a:spcBef>
+                  <a:buFont typeface="Arial" panose="020B0604020202020204" pitchFamily="34" charset="0"/>
+                  <a:buNone/>
+                  <a:defRPr sz="1800" i="1" kern="1200">
+                    <a:solidFill>
+                      <a:schemeClr val="bg1"/>
+                    </a:solidFill>
+                    <a:latin typeface="+mn-lt"/>
+                    <a:ea typeface="+mn-ea"/>
+                    <a:cs typeface="+mn-cs"/>
+                  </a:defRPr>
+                </a:lvl5pPr>
+                <a:lvl6pPr marL="2514600" indent="-228600" algn="l" defTabSz="914400" rtl="0" eaLnBrk="1" latinLnBrk="0" hangingPunct="1">
+                  <a:lnSpc>
+                    <a:spcPct val="90000"/>
+                  </a:lnSpc>
+                  <a:spcBef>
+                    <a:spcPts val="500"/>
+                  </a:spcBef>
+                  <a:buFont typeface="Arial" panose="020B0604020202020204" pitchFamily="34" charset="0"/>
+                  <a:buChar char="•"/>
+                  <a:defRPr sz="1800" kern="1200">
+                    <a:solidFill>
+                      <a:schemeClr val="tx1"/>
+                    </a:solidFill>
+                    <a:latin typeface="+mn-lt"/>
+                    <a:ea typeface="+mn-ea"/>
+                    <a:cs typeface="+mn-cs"/>
+                  </a:defRPr>
+                </a:lvl6pPr>
+                <a:lvl7pPr marL="2971800" indent="-228600" algn="l" defTabSz="914400" rtl="0" eaLnBrk="1" latinLnBrk="0" hangingPunct="1">
+                  <a:lnSpc>
+                    <a:spcPct val="90000"/>
+                  </a:lnSpc>
+                  <a:spcBef>
+                    <a:spcPts val="500"/>
+                  </a:spcBef>
+                  <a:buFont typeface="Arial" panose="020B0604020202020204" pitchFamily="34" charset="0"/>
+                  <a:buChar char="•"/>
+                  <a:defRPr sz="1800" kern="1200">
+                    <a:solidFill>
+                      <a:schemeClr val="tx1"/>
+                    </a:solidFill>
+                    <a:latin typeface="+mn-lt"/>
+                    <a:ea typeface="+mn-ea"/>
+                    <a:cs typeface="+mn-cs"/>
+                  </a:defRPr>
+                </a:lvl7pPr>
+                <a:lvl8pPr marL="3429000" indent="-228600" algn="l" defTabSz="914400" rtl="0" eaLnBrk="1" latinLnBrk="0" hangingPunct="1">
+                  <a:lnSpc>
+                    <a:spcPct val="90000"/>
+                  </a:lnSpc>
+                  <a:spcBef>
+                    <a:spcPts val="500"/>
+                  </a:spcBef>
+                  <a:buFont typeface="Arial" panose="020B0604020202020204" pitchFamily="34" charset="0"/>
+                  <a:buChar char="•"/>
+                  <a:defRPr sz="1800" kern="1200">
+                    <a:solidFill>
+                      <a:schemeClr val="tx1"/>
+                    </a:solidFill>
+                    <a:latin typeface="+mn-lt"/>
+                    <a:ea typeface="+mn-ea"/>
+                    <a:cs typeface="+mn-cs"/>
+                  </a:defRPr>
+                </a:lvl8pPr>
+                <a:lvl9pPr marL="3886200" indent="-228600" algn="l" defTabSz="914400" rtl="0" eaLnBrk="1" latinLnBrk="0" hangingPunct="1">
+                  <a:lnSpc>
+                    <a:spcPct val="90000"/>
+                  </a:lnSpc>
+                  <a:spcBef>
+                    <a:spcPts val="500"/>
+                  </a:spcBef>
+                  <a:buFont typeface="Arial" panose="020B0604020202020204" pitchFamily="34" charset="0"/>
+                  <a:buChar char="•"/>
+                  <a:defRPr sz="1800" kern="1200">
+                    <a:solidFill>
+                      <a:schemeClr val="tx1"/>
+                    </a:solidFill>
+                    <a:latin typeface="+mn-lt"/>
+                    <a:ea typeface="+mn-ea"/>
+                    <a:cs typeface="+mn-cs"/>
+                  </a:defRPr>
+                </a:lvl9pPr>
+              </a:lstStyle>
+              <a:p>
+                <a:pPr algn="l"/>
+                <a:r>
+                  <a:rPr lang="en-US" i="0" dirty="0"/>
+                  <a:t>In this lesson you will learn about:</a:t>
+                </a:r>
+              </a:p>
+            </p:txBody>
+          </p:sp>
+        </p:grpSp>
+        <p:sp>
+          <p:nvSpPr>
+            <p:cNvPr id="7" name="Rectangle 6"/>
+            <p:cNvSpPr/>
+            <p:nvPr/>
+          </p:nvSpPr>
+          <p:spPr>
+            <a:xfrm>
+              <a:off x="0" y="2783543"/>
+              <a:ext cx="12192000" cy="2883764"/>
+            </a:xfrm>
+            <a:prstGeom prst="rect">
+              <a:avLst/>
+            </a:prstGeom>
+            <a:solidFill>
+              <a:srgbClr val="002060"/>
+            </a:solidFill>
+            <a:ln>
+              <a:noFill/>
+            </a:ln>
+          </p:spPr>
+          <p:style>
+            <a:lnRef idx="2">
+              <a:schemeClr val="accent1">
+                <a:shade val="50000"/>
+              </a:schemeClr>
+            </a:lnRef>
+            <a:fillRef idx="1">
+              <a:schemeClr val="accent1"/>
+            </a:fillRef>
+            <a:effectRef idx="0">
+              <a:schemeClr val="accent1"/>
+            </a:effectRef>
+            <a:fontRef idx="minor">
+              <a:schemeClr val="lt1"/>
+            </a:fontRef>
+          </p:style>
+          <p:txBody>
+            <a:bodyPr rtlCol="0" anchor="ctr"/>
+            <a:lstStyle/>
+            <a:p>
+              <a:pPr marL="1308100" lvl="1" indent="-457200">
+                <a:buFont typeface="Wingdings" charset="2"/>
+                <a:buChar char="§"/>
+              </a:pPr>
+              <a:r>
+                <a:rPr lang="en-US" sz="2800" dirty="0"/>
+                <a:t>Native mobile app development </a:t>
+              </a:r>
+            </a:p>
+            <a:p>
+              <a:pPr marL="1308100" lvl="1" indent="-457200">
+                <a:buFont typeface="Wingdings" charset="2"/>
+                <a:buChar char="§"/>
+              </a:pPr>
+              <a:r>
+                <a:rPr lang="en-US" sz="2800" dirty="0"/>
+                <a:t>Cross-platform development </a:t>
+              </a:r>
+            </a:p>
+            <a:p>
+              <a:pPr marL="1308100" lvl="1" indent="-457200">
+                <a:buFont typeface="Wingdings" charset="2"/>
+                <a:buChar char="§"/>
+              </a:pPr>
+              <a:r>
+                <a:rPr lang="en-US" sz="2800" dirty="0"/>
+                <a:t>Pros/cons of native app development</a:t>
+              </a:r>
+            </a:p>
+            <a:p>
+              <a:pPr marL="1308100" lvl="1" indent="-457200">
+                <a:buFont typeface="Wingdings" charset="2"/>
+                <a:buChar char="§"/>
+              </a:pPr>
+              <a:r>
+                <a:rPr lang="en-US" sz="2800" dirty="0"/>
+                <a:t>Pros/cons of cross-platform development</a:t>
+              </a:r>
+            </a:p>
+            <a:p>
+              <a:pPr marL="1308100" lvl="1" indent="-457200">
+                <a:buFont typeface="Wingdings" charset="2"/>
+                <a:buChar char="§"/>
+              </a:pPr>
+              <a:r>
+                <a:rPr lang="en-US" sz="2800" dirty="0"/>
+                <a:t>Common approaches to cross-platform development</a:t>
+              </a:r>
+            </a:p>
+          </p:txBody>
+        </p:sp>
+      </p:grpSp>
+    </p:spTree>
+    <p:extLst>
+      <p:ext uri="{BB962C8B-B14F-4D97-AF65-F5344CB8AC3E}">
+        <p14:creationId xmlns:p14="http://schemas.microsoft.com/office/powerpoint/2010/main" val="661346271"/>
+      </p:ext>
+    </p:extLst>
+  </p:cSld>
+  <p:clrMapOvr>
+    <a:masterClrMapping/>
+  </p:clrMapOvr>
+</p:sld>
+</file>
+
+<file path=ppt/slides/slide30.xml><?xml version="1.0" encoding="utf-8"?>
 <p:sld xmlns:a="http://schemas.openxmlformats.org/drawingml/2006/main" xmlns:r="http://schemas.openxmlformats.org/officeDocument/2006/relationships" xmlns:p="http://schemas.openxmlformats.org/presentationml/2006/main">
   <p:cSld>
     <p:spTree>
@@ -20466,442 +24716,6 @@
 </p:sld>
 </file>
 
-<file path=ppt/slides/slide3.xml><?xml version="1.0" encoding="utf-8"?>
-<p:sld xmlns:a="http://schemas.openxmlformats.org/drawingml/2006/main" xmlns:r="http://schemas.openxmlformats.org/officeDocument/2006/relationships" xmlns:p="http://schemas.openxmlformats.org/presentationml/2006/main">
-  <p:cSld>
-    <p:spTree>
-      <p:nvGrpSpPr>
-        <p:cNvPr id="1" name=""/>
-        <p:cNvGrpSpPr/>
-        <p:nvPr/>
-      </p:nvGrpSpPr>
-      <p:grpSpPr>
-        <a:xfrm>
-          <a:off x="0" y="0"/>
-          <a:ext cx="0" cy="0"/>
-          <a:chOff x="0" y="0"/>
-          <a:chExt cx="0" cy="0"/>
-        </a:xfrm>
-      </p:grpSpPr>
-      <p:sp>
-        <p:nvSpPr>
-          <p:cNvPr id="5" name="TextBox 4"/>
-          <p:cNvSpPr txBox="1"/>
-          <p:nvPr/>
-        </p:nvSpPr>
-        <p:spPr>
-          <a:xfrm>
-            <a:off x="846418" y="537883"/>
-            <a:ext cx="4948518" cy="769441"/>
-          </a:xfrm>
-          <a:prstGeom prst="rect">
-            <a:avLst/>
-          </a:prstGeom>
-          <a:noFill/>
-        </p:spPr>
-        <p:txBody>
-          <a:bodyPr wrap="square" rtlCol="0">
-            <a:spAutoFit/>
-          </a:bodyPr>
-          <a:lstStyle/>
-          <a:p>
-            <a:r>
-              <a:rPr lang="en-US" sz="4400" dirty="0">
-                <a:solidFill>
-                  <a:srgbClr val="000000"/>
-                </a:solidFill>
-              </a:rPr>
-              <a:t>Objectives</a:t>
-            </a:r>
-          </a:p>
-        </p:txBody>
-      </p:sp>
-      <p:grpSp>
-        <p:nvGrpSpPr>
-          <p:cNvPr id="8" name="Group 7"/>
-          <p:cNvGrpSpPr/>
-          <p:nvPr/>
-        </p:nvGrpSpPr>
-        <p:grpSpPr>
-          <a:xfrm>
-            <a:off x="0" y="1950630"/>
-            <a:ext cx="12192000" cy="4101277"/>
-            <a:chOff x="0" y="1950630"/>
-            <a:chExt cx="12192000" cy="3716677"/>
-          </a:xfrm>
-        </p:grpSpPr>
-        <p:grpSp>
-          <p:nvGrpSpPr>
-            <p:cNvPr id="2" name="Group 1"/>
-            <p:cNvGrpSpPr/>
-            <p:nvPr/>
-          </p:nvGrpSpPr>
-          <p:grpSpPr>
-            <a:xfrm>
-              <a:off x="0" y="1950630"/>
-              <a:ext cx="12192000" cy="832911"/>
-              <a:chOff x="0" y="1950630"/>
-              <a:chExt cx="12192000" cy="832911"/>
-            </a:xfrm>
-          </p:grpSpPr>
-          <p:sp>
-            <p:nvSpPr>
-              <p:cNvPr id="3" name="Rectangle 2"/>
-              <p:cNvSpPr/>
-              <p:nvPr/>
-            </p:nvSpPr>
-            <p:spPr>
-              <a:xfrm>
-                <a:off x="0" y="1950630"/>
-                <a:ext cx="12192000" cy="832911"/>
-              </a:xfrm>
-              <a:prstGeom prst="rect">
-                <a:avLst/>
-              </a:prstGeom>
-              <a:solidFill>
-                <a:srgbClr val="0070C0"/>
-              </a:solidFill>
-              <a:ln w="9525" cap="flat" cmpd="sng" algn="ctr">
-                <a:noFill/>
-                <a:prstDash val="solid"/>
-              </a:ln>
-              <a:effectLst/>
-            </p:spPr>
-            <p:txBody>
-              <a:bodyPr rtlCol="0" anchor="ctr"/>
-              <a:lstStyle/>
-              <a:p>
-                <a:pPr marL="0" marR="0" lvl="0" indent="0" algn="ctr" defTabSz="914400" eaLnBrk="1" fontAlgn="auto" latinLnBrk="0" hangingPunct="1">
-                  <a:lnSpc>
-                    <a:spcPct val="100000"/>
-                  </a:lnSpc>
-                  <a:spcBef>
-                    <a:spcPts val="0"/>
-                  </a:spcBef>
-                  <a:spcAft>
-                    <a:spcPts val="0"/>
-                  </a:spcAft>
-                  <a:buClrTx/>
-                  <a:buSzTx/>
-                  <a:buFont typeface="Arial" panose="020B0604020202020204" pitchFamily="34" charset="0"/>
-                  <a:buNone/>
-                  <a:tabLst/>
-                  <a:defRPr/>
-                </a:pPr>
-                <a:endParaRPr kumimoji="0" lang="en-US" sz="4000" i="1" u="none" strike="noStrike" kern="0" cap="none" spc="0" normalizeH="0" baseline="0" noProof="0" dirty="0">
-                  <a:ln>
-                    <a:noFill/>
-                  </a:ln>
-                  <a:solidFill>
-                    <a:prstClr val="white"/>
-                  </a:solidFill>
-                  <a:effectLst/>
-                  <a:uLnTx/>
-                  <a:uFillTx/>
-                  <a:latin typeface="+mj-lt"/>
-                </a:endParaRPr>
-              </a:p>
-            </p:txBody>
-          </p:sp>
-          <p:sp>
-            <p:nvSpPr>
-              <p:cNvPr id="4" name="Content Placeholder 2"/>
-              <p:cNvSpPr txBox="1">
-                <a:spLocks/>
-              </p:cNvSpPr>
-              <p:nvPr/>
-            </p:nvSpPr>
-            <p:spPr>
-              <a:xfrm>
-                <a:off x="846418" y="1950630"/>
-                <a:ext cx="9423400" cy="832911"/>
-              </a:xfrm>
-              <a:prstGeom prst="rect">
-                <a:avLst/>
-              </a:prstGeom>
-            </p:spPr>
-            <p:txBody>
-              <a:bodyPr anchor="ctr"/>
-              <a:lstStyle>
-                <a:lvl1pPr marL="0" indent="0" algn="ctr" defTabSz="914400" rtl="0" eaLnBrk="1" latinLnBrk="0" hangingPunct="1">
-                  <a:lnSpc>
-                    <a:spcPct val="90000"/>
-                  </a:lnSpc>
-                  <a:spcBef>
-                    <a:spcPts val="1000"/>
-                  </a:spcBef>
-                  <a:buFont typeface="Arial" panose="020B0604020202020204" pitchFamily="34" charset="0"/>
-                  <a:buNone/>
-                  <a:defRPr sz="2800" i="1" kern="1200">
-                    <a:solidFill>
-                      <a:schemeClr val="bg1"/>
-                    </a:solidFill>
-                    <a:latin typeface="+mn-lt"/>
-                    <a:ea typeface="+mn-ea"/>
-                    <a:cs typeface="+mn-cs"/>
-                  </a:defRPr>
-                </a:lvl1pPr>
-                <a:lvl2pPr marL="457200" indent="0" algn="ctr" defTabSz="914400" rtl="0" eaLnBrk="1" latinLnBrk="0" hangingPunct="1">
-                  <a:lnSpc>
-                    <a:spcPct val="90000"/>
-                  </a:lnSpc>
-                  <a:spcBef>
-                    <a:spcPts val="500"/>
-                  </a:spcBef>
-                  <a:buFont typeface="Arial" panose="020B0604020202020204" pitchFamily="34" charset="0"/>
-                  <a:buNone/>
-                  <a:defRPr sz="2400" i="1" kern="1200">
-                    <a:solidFill>
-                      <a:schemeClr val="bg1"/>
-                    </a:solidFill>
-                    <a:latin typeface="+mn-lt"/>
-                    <a:ea typeface="+mn-ea"/>
-                    <a:cs typeface="+mn-cs"/>
-                  </a:defRPr>
-                </a:lvl2pPr>
-                <a:lvl3pPr marL="914400" indent="0" algn="ctr" defTabSz="914400" rtl="0" eaLnBrk="1" latinLnBrk="0" hangingPunct="1">
-                  <a:lnSpc>
-                    <a:spcPct val="90000"/>
-                  </a:lnSpc>
-                  <a:spcBef>
-                    <a:spcPts val="500"/>
-                  </a:spcBef>
-                  <a:buFont typeface="Arial" panose="020B0604020202020204" pitchFamily="34" charset="0"/>
-                  <a:buNone/>
-                  <a:defRPr sz="2000" i="1" kern="1200">
-                    <a:solidFill>
-                      <a:schemeClr val="bg1"/>
-                    </a:solidFill>
-                    <a:latin typeface="+mn-lt"/>
-                    <a:ea typeface="+mn-ea"/>
-                    <a:cs typeface="+mn-cs"/>
-                  </a:defRPr>
-                </a:lvl3pPr>
-                <a:lvl4pPr marL="1371600" indent="0" algn="ctr" defTabSz="914400" rtl="0" eaLnBrk="1" latinLnBrk="0" hangingPunct="1">
-                  <a:lnSpc>
-                    <a:spcPct val="90000"/>
-                  </a:lnSpc>
-                  <a:spcBef>
-                    <a:spcPts val="500"/>
-                  </a:spcBef>
-                  <a:buFont typeface="Arial" panose="020B0604020202020204" pitchFamily="34" charset="0"/>
-                  <a:buNone/>
-                  <a:defRPr sz="1800" i="1" kern="1200">
-                    <a:solidFill>
-                      <a:schemeClr val="bg1"/>
-                    </a:solidFill>
-                    <a:latin typeface="+mn-lt"/>
-                    <a:ea typeface="+mn-ea"/>
-                    <a:cs typeface="+mn-cs"/>
-                  </a:defRPr>
-                </a:lvl4pPr>
-                <a:lvl5pPr marL="1828800" indent="0" algn="ctr" defTabSz="914400" rtl="0" eaLnBrk="1" latinLnBrk="0" hangingPunct="1">
-                  <a:lnSpc>
-                    <a:spcPct val="90000"/>
-                  </a:lnSpc>
-                  <a:spcBef>
-                    <a:spcPts val="500"/>
-                  </a:spcBef>
-                  <a:buFont typeface="Arial" panose="020B0604020202020204" pitchFamily="34" charset="0"/>
-                  <a:buNone/>
-                  <a:defRPr sz="1800" i="1" kern="1200">
-                    <a:solidFill>
-                      <a:schemeClr val="bg1"/>
-                    </a:solidFill>
-                    <a:latin typeface="+mn-lt"/>
-                    <a:ea typeface="+mn-ea"/>
-                    <a:cs typeface="+mn-cs"/>
-                  </a:defRPr>
-                </a:lvl5pPr>
-                <a:lvl6pPr marL="2514600" indent="-228600" algn="l" defTabSz="914400" rtl="0" eaLnBrk="1" latinLnBrk="0" hangingPunct="1">
-                  <a:lnSpc>
-                    <a:spcPct val="90000"/>
-                  </a:lnSpc>
-                  <a:spcBef>
-                    <a:spcPts val="500"/>
-                  </a:spcBef>
-                  <a:buFont typeface="Arial" panose="020B0604020202020204" pitchFamily="34" charset="0"/>
-                  <a:buChar char="•"/>
-                  <a:defRPr sz="1800" kern="1200">
-                    <a:solidFill>
-                      <a:schemeClr val="tx1"/>
-                    </a:solidFill>
-                    <a:latin typeface="+mn-lt"/>
-                    <a:ea typeface="+mn-ea"/>
-                    <a:cs typeface="+mn-cs"/>
-                  </a:defRPr>
-                </a:lvl6pPr>
-                <a:lvl7pPr marL="2971800" indent="-228600" algn="l" defTabSz="914400" rtl="0" eaLnBrk="1" latinLnBrk="0" hangingPunct="1">
-                  <a:lnSpc>
-                    <a:spcPct val="90000"/>
-                  </a:lnSpc>
-                  <a:spcBef>
-                    <a:spcPts val="500"/>
-                  </a:spcBef>
-                  <a:buFont typeface="Arial" panose="020B0604020202020204" pitchFamily="34" charset="0"/>
-                  <a:buChar char="•"/>
-                  <a:defRPr sz="1800" kern="1200">
-                    <a:solidFill>
-                      <a:schemeClr val="tx1"/>
-                    </a:solidFill>
-                    <a:latin typeface="+mn-lt"/>
-                    <a:ea typeface="+mn-ea"/>
-                    <a:cs typeface="+mn-cs"/>
-                  </a:defRPr>
-                </a:lvl7pPr>
-                <a:lvl8pPr marL="3429000" indent="-228600" algn="l" defTabSz="914400" rtl="0" eaLnBrk="1" latinLnBrk="0" hangingPunct="1">
-                  <a:lnSpc>
-                    <a:spcPct val="90000"/>
-                  </a:lnSpc>
-                  <a:spcBef>
-                    <a:spcPts val="500"/>
-                  </a:spcBef>
-                  <a:buFont typeface="Arial" panose="020B0604020202020204" pitchFamily="34" charset="0"/>
-                  <a:buChar char="•"/>
-                  <a:defRPr sz="1800" kern="1200">
-                    <a:solidFill>
-                      <a:schemeClr val="tx1"/>
-                    </a:solidFill>
-                    <a:latin typeface="+mn-lt"/>
-                    <a:ea typeface="+mn-ea"/>
-                    <a:cs typeface="+mn-cs"/>
-                  </a:defRPr>
-                </a:lvl8pPr>
-                <a:lvl9pPr marL="3886200" indent="-228600" algn="l" defTabSz="914400" rtl="0" eaLnBrk="1" latinLnBrk="0" hangingPunct="1">
-                  <a:lnSpc>
-                    <a:spcPct val="90000"/>
-                  </a:lnSpc>
-                  <a:spcBef>
-                    <a:spcPts val="500"/>
-                  </a:spcBef>
-                  <a:buFont typeface="Arial" panose="020B0604020202020204" pitchFamily="34" charset="0"/>
-                  <a:buChar char="•"/>
-                  <a:defRPr sz="1800" kern="1200">
-                    <a:solidFill>
-                      <a:schemeClr val="tx1"/>
-                    </a:solidFill>
-                    <a:latin typeface="+mn-lt"/>
-                    <a:ea typeface="+mn-ea"/>
-                    <a:cs typeface="+mn-cs"/>
-                  </a:defRPr>
-                </a:lvl9pPr>
-              </a:lstStyle>
-              <a:p>
-                <a:pPr algn="l"/>
-                <a:r>
-                  <a:rPr lang="en-US" i="0" dirty="0"/>
-                  <a:t>In this lesson you will learn about:</a:t>
-                </a:r>
-              </a:p>
-            </p:txBody>
-          </p:sp>
-        </p:grpSp>
-        <p:sp>
-          <p:nvSpPr>
-            <p:cNvPr id="7" name="Rectangle 6"/>
-            <p:cNvSpPr/>
-            <p:nvPr/>
-          </p:nvSpPr>
-          <p:spPr>
-            <a:xfrm>
-              <a:off x="0" y="2783543"/>
-              <a:ext cx="12192000" cy="2883764"/>
-            </a:xfrm>
-            <a:prstGeom prst="rect">
-              <a:avLst/>
-            </a:prstGeom>
-            <a:solidFill>
-              <a:srgbClr val="002060"/>
-            </a:solidFill>
-            <a:ln>
-              <a:noFill/>
-            </a:ln>
-          </p:spPr>
-          <p:style>
-            <a:lnRef idx="2">
-              <a:schemeClr val="accent1">
-                <a:shade val="50000"/>
-              </a:schemeClr>
-            </a:lnRef>
-            <a:fillRef idx="1">
-              <a:schemeClr val="accent1"/>
-            </a:fillRef>
-            <a:effectRef idx="0">
-              <a:schemeClr val="accent1"/>
-            </a:effectRef>
-            <a:fontRef idx="minor">
-              <a:schemeClr val="lt1"/>
-            </a:fontRef>
-          </p:style>
-          <p:txBody>
-            <a:bodyPr rtlCol="0" anchor="ctr"/>
-            <a:lstStyle/>
-            <a:p>
-              <a:pPr marL="1308100" lvl="1" indent="-457200">
-                <a:buFont typeface="Wingdings" charset="2"/>
-                <a:buChar char="§"/>
-              </a:pPr>
-              <a:r>
-                <a:rPr lang="en-US" sz="2800" dirty="0"/>
-                <a:t>Native mobile app development </a:t>
-              </a:r>
-            </a:p>
-            <a:p>
-              <a:pPr marL="1308100" lvl="1" indent="-457200">
-                <a:buFont typeface="Wingdings" charset="2"/>
-                <a:buChar char="§"/>
-              </a:pPr>
-              <a:r>
-                <a:rPr lang="en-US" sz="2800" dirty="0"/>
-                <a:t>Cross-platform development </a:t>
-              </a:r>
-            </a:p>
-            <a:p>
-              <a:pPr marL="1308100" lvl="1" indent="-457200">
-                <a:buFont typeface="Wingdings" charset="2"/>
-                <a:buChar char="§"/>
-              </a:pPr>
-              <a:r>
-                <a:rPr lang="en-US" sz="2800" dirty="0"/>
-                <a:t>Pros/cons of native app development</a:t>
-              </a:r>
-            </a:p>
-            <a:p>
-              <a:pPr marL="1308100" lvl="1" indent="-457200">
-                <a:buFont typeface="Wingdings" charset="2"/>
-                <a:buChar char="§"/>
-              </a:pPr>
-              <a:r>
-                <a:rPr lang="en-US" sz="2800" dirty="0"/>
-                <a:t>Pros/cons of cross-platform development</a:t>
-              </a:r>
-            </a:p>
-            <a:p>
-              <a:pPr marL="1308100" lvl="1" indent="-457200">
-                <a:buFont typeface="Wingdings" charset="2"/>
-                <a:buChar char="§"/>
-              </a:pPr>
-              <a:r>
-                <a:rPr lang="en-US" sz="2800" dirty="0"/>
-                <a:t>Common approaches to cross-platform development</a:t>
-              </a:r>
-            </a:p>
-          </p:txBody>
-        </p:sp>
-      </p:grpSp>
-    </p:spTree>
-    <p:extLst>
-      <p:ext uri="{BB962C8B-B14F-4D97-AF65-F5344CB8AC3E}">
-        <p14:creationId xmlns:p14="http://schemas.microsoft.com/office/powerpoint/2010/main" val="661346271"/>
-      </p:ext>
-    </p:extLst>
-  </p:cSld>
-  <p:clrMapOvr>
-    <a:masterClrMapping/>
-  </p:clrMapOvr>
-</p:sld>
-</file>
-
 <file path=ppt/slides/slide4.xml><?xml version="1.0" encoding="utf-8"?>
 <p:sld xmlns:a="http://schemas.openxmlformats.org/drawingml/2006/main" xmlns:r="http://schemas.openxmlformats.org/officeDocument/2006/relationships" xmlns:p="http://schemas.openxmlformats.org/presentationml/2006/main">
   <p:cSld>
@@ -21106,21 +24920,8 @@
                   <a:schemeClr val="tx1"/>
                 </a:solidFill>
               </a:rPr>
-              <a:t>Android: Java, </a:t>
-            </a:r>
-            <a:r>
-              <a:rPr lang="en-US" sz="2800" dirty="0" smtClean="0">
-                <a:solidFill>
-                  <a:schemeClr val="tx1"/>
-                </a:solidFill>
-              </a:rPr>
-              <a:t>and Android Studio</a:t>
-            </a:r>
-            <a:endParaRPr lang="en-US" sz="2800" dirty="0">
-              <a:solidFill>
-                <a:schemeClr val="tx1"/>
-              </a:solidFill>
-            </a:endParaRPr>
+              <a:t>Android: Java, and Android Studio</a:t>
+            </a:r>
           </a:p>
           <a:p>
             <a:pPr marL="1257300" lvl="2" indent="-342900">
@@ -21128,7 +24929,7 @@
               <a:buChar char="§"/>
             </a:pPr>
             <a:r>
-              <a:rPr lang="en-US" sz="2800" dirty="0" smtClean="0">
+              <a:rPr lang="en-US" sz="2800" dirty="0">
                 <a:solidFill>
                   <a:schemeClr val="tx1"/>
                 </a:solidFill>
@@ -21136,7 +24937,7 @@
               <a:t>Universal </a:t>
             </a:r>
             <a:r>
-              <a:rPr lang="en-US" sz="2800" smtClean="0">
+              <a:rPr lang="en-US" sz="2800">
                 <a:solidFill>
                   <a:schemeClr val="tx1"/>
                 </a:solidFill>
@@ -22495,10 +26296,9 @@
             <a:p>
               <a:pPr algn="l"/>
               <a:r>
-                <a:rPr lang="en-US" i="0" dirty="0" smtClean="0"/>
+                <a:rPr lang="en-US" i="0" dirty="0"/>
                 <a:t>Android Studio</a:t>
               </a:r>
-              <a:endParaRPr lang="en-US" i="0" dirty="0"/>
             </a:p>
           </p:txBody>
         </p:sp>
